--- a/docs/Xtending_Java8_Optionals.pptx
+++ b/docs/Xtending_Java8_Optionals.pptx
@@ -5,7 +5,7 @@
     <p:sldMasterId id="2147483790" r:id="rId1"/>
   </p:sldMasterIdLst>
   <p:notesMasterIdLst>
-    <p:notesMasterId r:id="rId33"/>
+    <p:notesMasterId r:id="rId30"/>
   </p:notesMasterIdLst>
   <p:sldIdLst>
     <p:sldId id="257" r:id="rId2"/>
@@ -20,25 +20,22 @@
     <p:sldId id="285" r:id="rId11"/>
     <p:sldId id="300" r:id="rId12"/>
     <p:sldId id="299" r:id="rId13"/>
-    <p:sldId id="292" r:id="rId14"/>
-    <p:sldId id="294" r:id="rId15"/>
-    <p:sldId id="293" r:id="rId16"/>
-    <p:sldId id="279" r:id="rId17"/>
-    <p:sldId id="270" r:id="rId18"/>
-    <p:sldId id="280" r:id="rId19"/>
-    <p:sldId id="277" r:id="rId20"/>
-    <p:sldId id="286" r:id="rId21"/>
-    <p:sldId id="282" r:id="rId22"/>
-    <p:sldId id="283" r:id="rId23"/>
-    <p:sldId id="291" r:id="rId24"/>
-    <p:sldId id="298" r:id="rId25"/>
-    <p:sldId id="284" r:id="rId26"/>
-    <p:sldId id="297" r:id="rId27"/>
-    <p:sldId id="272" r:id="rId28"/>
-    <p:sldId id="273" r:id="rId29"/>
-    <p:sldId id="290" r:id="rId30"/>
-    <p:sldId id="281" r:id="rId31"/>
-    <p:sldId id="288" r:id="rId32"/>
+    <p:sldId id="294" r:id="rId14"/>
+    <p:sldId id="293" r:id="rId15"/>
+    <p:sldId id="279" r:id="rId16"/>
+    <p:sldId id="270" r:id="rId17"/>
+    <p:sldId id="280" r:id="rId18"/>
+    <p:sldId id="277" r:id="rId19"/>
+    <p:sldId id="286" r:id="rId20"/>
+    <p:sldId id="291" r:id="rId21"/>
+    <p:sldId id="298" r:id="rId22"/>
+    <p:sldId id="284" r:id="rId23"/>
+    <p:sldId id="297" r:id="rId24"/>
+    <p:sldId id="272" r:id="rId25"/>
+    <p:sldId id="273" r:id="rId26"/>
+    <p:sldId id="290" r:id="rId27"/>
+    <p:sldId id="281" r:id="rId28"/>
+    <p:sldId id="288" r:id="rId29"/>
   </p:sldIdLst>
   <p:sldSz cx="9144000" cy="6858000" type="screen4x3"/>
   <p:notesSz cx="6858000" cy="9144000"/>
@@ -238,7 +235,7 @@
           <a:p>
             <a:fld id="{9E2B4FE6-1CE3-304D-A5AE-188A738F9CD6}" type="datetimeFigureOut">
               <a:rPr lang="de-DE" smtClean="0"/>
-              <a:t>02.01.2016</a:t>
+              <a:t>01.05.2017</a:t>
             </a:fld>
             <a:endParaRPr lang="de-DE" dirty="0"/>
           </a:p>
@@ -1280,7 +1277,7 @@
           <a:p>
             <a:fld id="{913296C2-530A-6D45-BF6A-B25DBE574084}" type="slidenum">
               <a:rPr lang="de-DE" smtClean="0"/>
-              <a:t>25</a:t>
+              <a:t>22</a:t>
             </a:fld>
             <a:endParaRPr lang="de-DE" dirty="0"/>
           </a:p>
@@ -7322,15 +7319,28 @@
           <a:lstStyle/>
           <a:p>
             <a:r>
+              <a:rPr lang="de-DE" dirty="0" smtClean="0"/>
+              <a:t>Internal DSL </a:t>
+            </a:r>
+            <a:r>
+              <a:rPr lang="de-DE" dirty="0" err="1" smtClean="0"/>
+              <a:t>for</a:t>
+            </a:r>
+            <a:r>
+              <a:rPr lang="de-DE" dirty="0" smtClean="0"/>
+              <a:t> </a:t>
+            </a:r>
+            <a:r>
               <a:rPr lang="en-US" dirty="0" smtClean="0"/>
-              <a:t>Concise </a:t>
-            </a:r>
-            <a:r>
-              <a:rPr lang="en-US" dirty="0" err="1" smtClean="0">
-                <a:latin typeface="Consolas" panose="020B0609020204030204" pitchFamily="49" charset="0"/>
-                <a:cs typeface="Consolas" panose="020B0609020204030204" pitchFamily="49" charset="0"/>
-              </a:rPr>
-              <a:t>Optional#ifPresent</a:t>
+              <a:t>If Present – then </a:t>
+            </a:r>
+            <a:r>
+              <a:rPr lang="en-US" dirty="0"/>
+              <a:t>–</a:t>
+            </a:r>
+            <a:r>
+              <a:rPr lang="en-US" dirty="0" smtClean="0"/>
+              <a:t> else</a:t>
             </a:r>
             <a:endParaRPr lang="en-US" dirty="0"/>
           </a:p>
@@ -7356,38 +7366,23 @@
           <a:bodyPr/>
           <a:lstStyle/>
           <a:p>
-            <a:r>
-              <a:rPr lang="en-US" dirty="0" smtClean="0"/>
-              <a:t>Introduced </a:t>
-            </a:r>
-            <a:r>
-              <a:rPr lang="en-US" dirty="0" smtClean="0">
-                <a:latin typeface="Consolas" panose="020B0609020204030204" pitchFamily="49" charset="0"/>
-                <a:cs typeface="Consolas" panose="020B0609020204030204" pitchFamily="49" charset="0"/>
-              </a:rPr>
-              <a:t>&gt;&gt;</a:t>
-            </a:r>
-            <a:r>
-              <a:rPr lang="en-US" dirty="0" smtClean="0"/>
-              <a:t> operator to extract value from Optional</a:t>
-            </a:r>
-          </a:p>
-          <a:p>
-            <a:r>
-              <a:rPr lang="en-US" dirty="0" smtClean="0"/>
-              <a:t>Also used to extract values from Pair of </a:t>
-            </a:r>
-            <a:r>
-              <a:rPr lang="en-US" dirty="0" err="1" smtClean="0"/>
-              <a:t>Optionals</a:t>
-            </a:r>
-            <a:r>
-              <a:rPr lang="en-US" dirty="0" smtClean="0"/>
-              <a:t> or Optional of Pair</a:t>
-            </a:r>
-          </a:p>
-          <a:p>
-            <a:endParaRPr lang="en-US" dirty="0" smtClean="0"/>
+            <a:pPr marL="0" indent="0">
+              <a:lnSpc>
+                <a:spcPct val="107000"/>
+              </a:lnSpc>
+              <a:buNone/>
+            </a:pPr>
+            <a:r>
+              <a:rPr lang="en-US" dirty="0" smtClean="0">
+                <a:solidFill>
+                  <a:srgbClr val="000000"/>
+                </a:solidFill>
+                <a:latin typeface="+mj-lt"/>
+                <a:ea typeface="Calibri" panose="020F0502020204030204" pitchFamily="34" charset="0"/>
+                <a:cs typeface="Times New Roman" panose="02020603050405020304" pitchFamily="18" charset="0"/>
+              </a:rPr>
+              <a:t>Uses lambdas with Java default methods to look like language construct</a:t>
+            </a:r>
           </a:p>
           <a:p>
             <a:pPr marL="0" indent="0">
@@ -7399,52 +7394,11 @@
               </a:spcAft>
               <a:buNone/>
             </a:pPr>
-            <a:r>
-              <a:rPr lang="en-US" i="1" dirty="0" smtClean="0">
-                <a:solidFill>
-                  <a:srgbClr val="000000"/>
-                </a:solidFill>
-                <a:latin typeface="Consolas" panose="020B0609020204030204" pitchFamily="49" charset="0"/>
-                <a:ea typeface="Calibri" panose="020F0502020204030204" pitchFamily="34" charset="0"/>
-                <a:cs typeface="Times New Roman" panose="02020603050405020304" pitchFamily="18" charset="0"/>
-              </a:rPr>
-              <a:t>some</a:t>
-            </a:r>
-            <a:r>
-              <a:rPr lang="en-US" dirty="0" smtClean="0">
-                <a:solidFill>
-                  <a:srgbClr val="000000"/>
-                </a:solidFill>
-                <a:latin typeface="Consolas" panose="020B0609020204030204" pitchFamily="49" charset="0"/>
-                <a:ea typeface="Calibri" panose="020F0502020204030204" pitchFamily="34" charset="0"/>
-                <a:cs typeface="Times New Roman" panose="02020603050405020304" pitchFamily="18" charset="0"/>
-              </a:rPr>
-              <a:t>(</a:t>
-            </a:r>
-            <a:r>
-              <a:rPr lang="en-US" dirty="0" smtClean="0">
-                <a:solidFill>
-                  <a:srgbClr val="2A00FF"/>
-                </a:solidFill>
-                <a:latin typeface="Consolas" panose="020B0609020204030204" pitchFamily="49" charset="0"/>
-                <a:ea typeface="Calibri" panose="020F0502020204030204" pitchFamily="34" charset="0"/>
-                <a:cs typeface="Times New Roman" panose="02020603050405020304" pitchFamily="18" charset="0"/>
-              </a:rPr>
-              <a:t>"foo"</a:t>
-            </a:r>
-            <a:r>
-              <a:rPr lang="en-US" dirty="0" smtClean="0">
-                <a:solidFill>
-                  <a:srgbClr val="000000"/>
-                </a:solidFill>
-                <a:latin typeface="Consolas" panose="020B0609020204030204" pitchFamily="49" charset="0"/>
-                <a:ea typeface="Calibri" panose="020F0502020204030204" pitchFamily="34" charset="0"/>
-                <a:cs typeface="Times New Roman" panose="02020603050405020304" pitchFamily="18" charset="0"/>
-              </a:rPr>
-              <a:t>) &gt;&gt; [</a:t>
-            </a:r>
-            <a:endParaRPr lang="en-US" sz="2000" dirty="0" smtClean="0">
-              <a:latin typeface="Calibri" panose="020F0502020204030204" pitchFamily="34" charset="0"/>
+            <a:endParaRPr lang="en-US" i="1" dirty="0" smtClean="0">
+              <a:solidFill>
+                <a:srgbClr val="000000"/>
+              </a:solidFill>
+              <a:latin typeface="Consolas" panose="020B0609020204030204" pitchFamily="49" charset="0"/>
               <a:ea typeface="Calibri" panose="020F0502020204030204" pitchFamily="34" charset="0"/>
               <a:cs typeface="Times New Roman" panose="02020603050405020304" pitchFamily="18" charset="0"/>
             </a:endParaRPr>
@@ -7460,6 +7414,66 @@
               <a:buNone/>
             </a:pPr>
             <a:r>
+              <a:rPr lang="en-US" i="1" dirty="0" err="1" smtClean="0">
+                <a:solidFill>
+                  <a:srgbClr val="000000"/>
+                </a:solidFill>
+                <a:latin typeface="Consolas" panose="020B0609020204030204" pitchFamily="49" charset="0"/>
+                <a:ea typeface="Calibri" panose="020F0502020204030204" pitchFamily="34" charset="0"/>
+                <a:cs typeface="Times New Roman" panose="02020603050405020304" pitchFamily="18" charset="0"/>
+              </a:rPr>
+              <a:t>getOptional</a:t>
+            </a:r>
+            <a:r>
+              <a:rPr lang="en-US" dirty="0" smtClean="0">
+                <a:solidFill>
+                  <a:srgbClr val="000000"/>
+                </a:solidFill>
+                <a:latin typeface="Consolas" panose="020B0609020204030204" pitchFamily="49" charset="0"/>
+                <a:ea typeface="Calibri" panose="020F0502020204030204" pitchFamily="34" charset="0"/>
+                <a:cs typeface="Times New Roman" panose="02020603050405020304" pitchFamily="18" charset="0"/>
+              </a:rPr>
+              <a:t>() =&gt; </a:t>
+            </a:r>
+            <a:r>
+              <a:rPr lang="en-US" i="1" dirty="0" err="1" smtClean="0">
+                <a:solidFill>
+                  <a:srgbClr val="000000"/>
+                </a:solidFill>
+                <a:latin typeface="Consolas" panose="020B0609020204030204" pitchFamily="49" charset="0"/>
+                <a:ea typeface="Calibri" panose="020F0502020204030204" pitchFamily="34" charset="0"/>
+                <a:cs typeface="Times New Roman" panose="02020603050405020304" pitchFamily="18" charset="0"/>
+              </a:rPr>
+              <a:t>ifPresent</a:t>
+            </a:r>
+            <a:r>
+              <a:rPr lang="en-US" dirty="0" smtClean="0">
+                <a:solidFill>
+                  <a:srgbClr val="000000"/>
+                </a:solidFill>
+                <a:latin typeface="Consolas" panose="020B0609020204030204" pitchFamily="49" charset="0"/>
+                <a:ea typeface="Calibri" panose="020F0502020204030204" pitchFamily="34" charset="0"/>
+                <a:cs typeface="Times New Roman" panose="02020603050405020304" pitchFamily="18" charset="0"/>
+              </a:rPr>
+              <a:t> [</a:t>
+            </a:r>
+            <a:endParaRPr lang="en-US" sz="2000" dirty="0" smtClean="0">
+              <a:latin typeface="Calibri" panose="020F0502020204030204" pitchFamily="34" charset="0"/>
+              <a:ea typeface="Calibri" panose="020F0502020204030204" pitchFamily="34" charset="0"/>
+              <a:cs typeface="Times New Roman" panose="02020603050405020304" pitchFamily="18" charset="0"/>
+            </a:endParaRPr>
+          </a:p>
+          <a:p>
+            <a:pPr marL="0" indent="0">
+              <a:lnSpc>
+                <a:spcPct val="107000"/>
+              </a:lnSpc>
+              <a:spcAft>
+                <a:spcPts val="0"/>
+              </a:spcAft>
+              <a:buNone/>
+            </a:pPr>
+            <a:r>
               <a:rPr lang="en-US" dirty="0" smtClean="0">
                 <a:solidFill>
                   <a:srgbClr val="000000"/>
@@ -7490,7 +7504,171 @@
                 <a:ea typeface="Calibri" panose="020F0502020204030204" pitchFamily="34" charset="0"/>
                 <a:cs typeface="Times New Roman" panose="02020603050405020304" pitchFamily="18" charset="0"/>
               </a:rPr>
-              <a:t>(length)</a:t>
+              <a:t>(</a:t>
+            </a:r>
+            <a:r>
+              <a:rPr lang="en-US" b="1" dirty="0" smtClean="0">
+                <a:solidFill>
+                  <a:srgbClr val="7F0055"/>
+                </a:solidFill>
+                <a:latin typeface="Consolas" panose="020B0609020204030204" pitchFamily="49" charset="0"/>
+                <a:ea typeface="Calibri" panose="020F0502020204030204" pitchFamily="34" charset="0"/>
+                <a:cs typeface="Times New Roman" panose="02020603050405020304" pitchFamily="18" charset="0"/>
+              </a:rPr>
+              <a:t>it</a:t>
+            </a:r>
+            <a:r>
+              <a:rPr lang="en-US" dirty="0" smtClean="0">
+                <a:solidFill>
+                  <a:srgbClr val="000000"/>
+                </a:solidFill>
+                <a:latin typeface="Consolas" panose="020B0609020204030204" pitchFamily="49" charset="0"/>
+                <a:ea typeface="Calibri" panose="020F0502020204030204" pitchFamily="34" charset="0"/>
+                <a:cs typeface="Times New Roman" panose="02020603050405020304" pitchFamily="18" charset="0"/>
+              </a:rPr>
+              <a:t>)</a:t>
+            </a:r>
+            <a:endParaRPr lang="en-US" sz="2000" dirty="0" smtClean="0">
+              <a:latin typeface="Calibri" panose="020F0502020204030204" pitchFamily="34" charset="0"/>
+              <a:ea typeface="Calibri" panose="020F0502020204030204" pitchFamily="34" charset="0"/>
+              <a:cs typeface="Times New Roman" panose="02020603050405020304" pitchFamily="18" charset="0"/>
+            </a:endParaRPr>
+          </a:p>
+          <a:p>
+            <a:pPr marL="0" indent="0">
+              <a:lnSpc>
+                <a:spcPct val="107000"/>
+              </a:lnSpc>
+              <a:spcAft>
+                <a:spcPts val="0"/>
+              </a:spcAft>
+              <a:buNone/>
+            </a:pPr>
+            <a:r>
+              <a:rPr lang="en-US" dirty="0" smtClean="0">
+                <a:solidFill>
+                  <a:srgbClr val="000000"/>
+                </a:solidFill>
+                <a:latin typeface="Consolas" panose="020B0609020204030204" pitchFamily="49" charset="0"/>
+                <a:ea typeface="Calibri" panose="020F0502020204030204" pitchFamily="34" charset="0"/>
+                <a:cs typeface="Times New Roman" panose="02020603050405020304" pitchFamily="18" charset="0"/>
+              </a:rPr>
+              <a:t>].</a:t>
+            </a:r>
+            <a:r>
+              <a:rPr lang="en-US" dirty="0" err="1" smtClean="0">
+                <a:solidFill>
+                  <a:srgbClr val="000000"/>
+                </a:solidFill>
+                <a:latin typeface="Consolas" panose="020B0609020204030204" pitchFamily="49" charset="0"/>
+                <a:ea typeface="Calibri" panose="020F0502020204030204" pitchFamily="34" charset="0"/>
+                <a:cs typeface="Times New Roman" panose="02020603050405020304" pitchFamily="18" charset="0"/>
+              </a:rPr>
+              <a:t>elseDo</a:t>
+            </a:r>
+            <a:r>
+              <a:rPr lang="en-US" dirty="0" smtClean="0">
+                <a:solidFill>
+                  <a:srgbClr val="000000"/>
+                </a:solidFill>
+                <a:latin typeface="Consolas" panose="020B0609020204030204" pitchFamily="49" charset="0"/>
+                <a:ea typeface="Calibri" panose="020F0502020204030204" pitchFamily="34" charset="0"/>
+                <a:cs typeface="Times New Roman" panose="02020603050405020304" pitchFamily="18" charset="0"/>
+              </a:rPr>
+              <a:t> [</a:t>
+            </a:r>
+            <a:endParaRPr lang="en-US" sz="2000" dirty="0" smtClean="0">
+              <a:latin typeface="Calibri" panose="020F0502020204030204" pitchFamily="34" charset="0"/>
+              <a:ea typeface="Calibri" panose="020F0502020204030204" pitchFamily="34" charset="0"/>
+              <a:cs typeface="Times New Roman" panose="02020603050405020304" pitchFamily="18" charset="0"/>
+            </a:endParaRPr>
+          </a:p>
+          <a:p>
+            <a:pPr marL="0" indent="0">
+              <a:lnSpc>
+                <a:spcPct val="107000"/>
+              </a:lnSpc>
+              <a:spcAft>
+                <a:spcPts val="0"/>
+              </a:spcAft>
+              <a:buNone/>
+            </a:pPr>
+            <a:r>
+              <a:rPr lang="en-US" dirty="0" smtClean="0">
+                <a:solidFill>
+                  <a:srgbClr val="000000"/>
+                </a:solidFill>
+                <a:latin typeface="Consolas" panose="020B0609020204030204" pitchFamily="49" charset="0"/>
+                <a:ea typeface="Calibri" panose="020F0502020204030204" pitchFamily="34" charset="0"/>
+                <a:cs typeface="Times New Roman" panose="02020603050405020304" pitchFamily="18" charset="0"/>
+              </a:rPr>
+              <a:t>	</a:t>
+            </a:r>
+            <a:r>
+              <a:rPr lang="en-US" i="1" dirty="0" err="1" smtClean="0">
+                <a:solidFill>
+                  <a:srgbClr val="000000"/>
+                </a:solidFill>
+                <a:latin typeface="Consolas" panose="020B0609020204030204" pitchFamily="49" charset="0"/>
+                <a:ea typeface="Calibri" panose="020F0502020204030204" pitchFamily="34" charset="0"/>
+                <a:cs typeface="Times New Roman" panose="02020603050405020304" pitchFamily="18" charset="0"/>
+              </a:rPr>
+              <a:t>println</a:t>
+            </a:r>
+            <a:r>
+              <a:rPr lang="en-US" dirty="0" smtClean="0">
+                <a:solidFill>
+                  <a:srgbClr val="000000"/>
+                </a:solidFill>
+                <a:latin typeface="Consolas" panose="020B0609020204030204" pitchFamily="49" charset="0"/>
+                <a:ea typeface="Calibri" panose="020F0502020204030204" pitchFamily="34" charset="0"/>
+                <a:cs typeface="Times New Roman" panose="02020603050405020304" pitchFamily="18" charset="0"/>
+              </a:rPr>
+              <a:t>(</a:t>
+            </a:r>
+            <a:r>
+              <a:rPr lang="en-US" dirty="0" smtClean="0">
+                <a:solidFill>
+                  <a:srgbClr val="2A00FF"/>
+                </a:solidFill>
+                <a:latin typeface="Consolas" panose="020B0609020204030204" pitchFamily="49" charset="0"/>
+                <a:ea typeface="Calibri" panose="020F0502020204030204" pitchFamily="34" charset="0"/>
+                <a:cs typeface="Times New Roman" panose="02020603050405020304" pitchFamily="18" charset="0"/>
+              </a:rPr>
+              <a:t>"</a:t>
+            </a:r>
+            <a:r>
+              <a:rPr lang="en-US" dirty="0" err="1" smtClean="0">
+                <a:solidFill>
+                  <a:srgbClr val="2A00FF"/>
+                </a:solidFill>
+                <a:latin typeface="Consolas" panose="020B0609020204030204" pitchFamily="49" charset="0"/>
+                <a:ea typeface="Calibri" panose="020F0502020204030204" pitchFamily="34" charset="0"/>
+                <a:cs typeface="Times New Roman" panose="02020603050405020304" pitchFamily="18" charset="0"/>
+              </a:rPr>
+              <a:t>awww</a:t>
+            </a:r>
+            <a:r>
+              <a:rPr lang="en-US" dirty="0" smtClean="0">
+                <a:solidFill>
+                  <a:srgbClr val="2A00FF"/>
+                </a:solidFill>
+                <a:latin typeface="Consolas" panose="020B0609020204030204" pitchFamily="49" charset="0"/>
+                <a:ea typeface="Calibri" panose="020F0502020204030204" pitchFamily="34" charset="0"/>
+                <a:cs typeface="Times New Roman" panose="02020603050405020304" pitchFamily="18" charset="0"/>
+              </a:rPr>
+              <a:t>"</a:t>
+            </a:r>
+            <a:r>
+              <a:rPr lang="en-US" dirty="0" smtClean="0">
+                <a:solidFill>
+                  <a:srgbClr val="000000"/>
+                </a:solidFill>
+                <a:latin typeface="Consolas" panose="020B0609020204030204" pitchFamily="49" charset="0"/>
+                <a:ea typeface="Calibri" panose="020F0502020204030204" pitchFamily="34" charset="0"/>
+                <a:cs typeface="Times New Roman" panose="02020603050405020304" pitchFamily="18" charset="0"/>
+              </a:rPr>
+              <a:t>)</a:t>
             </a:r>
             <a:endParaRPr lang="en-US" sz="2000" dirty="0" smtClean="0">
               <a:latin typeface="Calibri" panose="020F0502020204030204" pitchFamily="34" charset="0"/>
@@ -7524,336 +7702,6 @@
               <a:ea typeface="Calibri" panose="020F0502020204030204" pitchFamily="34" charset="0"/>
               <a:cs typeface="Times New Roman" panose="02020603050405020304" pitchFamily="18" charset="0"/>
             </a:endParaRPr>
-          </a:p>
-          <a:p>
-            <a:pPr marL="0" indent="0">
-              <a:lnSpc>
-                <a:spcPct val="107000"/>
-              </a:lnSpc>
-              <a:spcAft>
-                <a:spcPts val="0"/>
-              </a:spcAft>
-              <a:buNone/>
-            </a:pPr>
-            <a:r>
-              <a:rPr lang="en-US" dirty="0" smtClean="0">
-                <a:solidFill>
-                  <a:srgbClr val="000000"/>
-                </a:solidFill>
-                <a:latin typeface="Consolas" panose="020B0609020204030204" pitchFamily="49" charset="0"/>
-                <a:ea typeface="Calibri" panose="020F0502020204030204" pitchFamily="34" charset="0"/>
-                <a:cs typeface="Times New Roman" panose="02020603050405020304" pitchFamily="18" charset="0"/>
-              </a:rPr>
-              <a:t>(</a:t>
-            </a:r>
-            <a:r>
-              <a:rPr lang="en-US" i="1" dirty="0" smtClean="0">
-                <a:solidFill>
-                  <a:srgbClr val="000000"/>
-                </a:solidFill>
-                <a:latin typeface="Consolas" panose="020B0609020204030204" pitchFamily="49" charset="0"/>
-                <a:ea typeface="Calibri" panose="020F0502020204030204" pitchFamily="34" charset="0"/>
-                <a:cs typeface="Times New Roman" panose="02020603050405020304" pitchFamily="18" charset="0"/>
-              </a:rPr>
-              <a:t>some</a:t>
-            </a:r>
-            <a:r>
-              <a:rPr lang="en-US" dirty="0" smtClean="0">
-                <a:solidFill>
-                  <a:srgbClr val="000000"/>
-                </a:solidFill>
-                <a:latin typeface="Consolas" panose="020B0609020204030204" pitchFamily="49" charset="0"/>
-                <a:ea typeface="Calibri" panose="020F0502020204030204" pitchFamily="34" charset="0"/>
-                <a:cs typeface="Times New Roman" panose="02020603050405020304" pitchFamily="18" charset="0"/>
-              </a:rPr>
-              <a:t>(</a:t>
-            </a:r>
-            <a:r>
-              <a:rPr lang="en-US" dirty="0" smtClean="0">
-                <a:solidFill>
-                  <a:srgbClr val="2A00FF"/>
-                </a:solidFill>
-                <a:latin typeface="Consolas" panose="020B0609020204030204" pitchFamily="49" charset="0"/>
-                <a:ea typeface="Calibri" panose="020F0502020204030204" pitchFamily="34" charset="0"/>
-                <a:cs typeface="Times New Roman" panose="02020603050405020304" pitchFamily="18" charset="0"/>
-              </a:rPr>
-              <a:t>"foo"</a:t>
-            </a:r>
-            <a:r>
-              <a:rPr lang="en-US" dirty="0" smtClean="0">
-                <a:solidFill>
-                  <a:srgbClr val="000000"/>
-                </a:solidFill>
-                <a:latin typeface="Consolas" panose="020B0609020204030204" pitchFamily="49" charset="0"/>
-                <a:ea typeface="Calibri" panose="020F0502020204030204" pitchFamily="34" charset="0"/>
-                <a:cs typeface="Times New Roman" panose="02020603050405020304" pitchFamily="18" charset="0"/>
-              </a:rPr>
-              <a:t>) -&gt; </a:t>
-            </a:r>
-            <a:r>
-              <a:rPr lang="en-US" i="1" dirty="0" smtClean="0">
-                <a:solidFill>
-                  <a:srgbClr val="000000"/>
-                </a:solidFill>
-                <a:latin typeface="Consolas" panose="020B0609020204030204" pitchFamily="49" charset="0"/>
-                <a:ea typeface="Calibri" panose="020F0502020204030204" pitchFamily="34" charset="0"/>
-                <a:cs typeface="Times New Roman" panose="02020603050405020304" pitchFamily="18" charset="0"/>
-              </a:rPr>
-              <a:t>some</a:t>
-            </a:r>
-            <a:r>
-              <a:rPr lang="en-US" dirty="0" smtClean="0">
-                <a:solidFill>
-                  <a:srgbClr val="000000"/>
-                </a:solidFill>
-                <a:latin typeface="Consolas" panose="020B0609020204030204" pitchFamily="49" charset="0"/>
-                <a:ea typeface="Calibri" panose="020F0502020204030204" pitchFamily="34" charset="0"/>
-                <a:cs typeface="Times New Roman" panose="02020603050405020304" pitchFamily="18" charset="0"/>
-              </a:rPr>
-              <a:t>(</a:t>
-            </a:r>
-            <a:r>
-              <a:rPr lang="en-US" dirty="0" smtClean="0">
-                <a:solidFill>
-                  <a:srgbClr val="2A00FF"/>
-                </a:solidFill>
-                <a:latin typeface="Consolas" panose="020B0609020204030204" pitchFamily="49" charset="0"/>
-                <a:ea typeface="Calibri" panose="020F0502020204030204" pitchFamily="34" charset="0"/>
-                <a:cs typeface="Times New Roman" panose="02020603050405020304" pitchFamily="18" charset="0"/>
-              </a:rPr>
-              <a:t>"bar"</a:t>
-            </a:r>
-            <a:r>
-              <a:rPr lang="en-US" dirty="0" smtClean="0">
-                <a:solidFill>
-                  <a:srgbClr val="000000"/>
-                </a:solidFill>
-                <a:latin typeface="Consolas" panose="020B0609020204030204" pitchFamily="49" charset="0"/>
-                <a:ea typeface="Calibri" panose="020F0502020204030204" pitchFamily="34" charset="0"/>
-                <a:cs typeface="Times New Roman" panose="02020603050405020304" pitchFamily="18" charset="0"/>
-              </a:rPr>
-              <a:t>)) &gt;&gt; [a, b |</a:t>
-            </a:r>
-            <a:endParaRPr lang="en-US" sz="2000" dirty="0" smtClean="0">
-              <a:latin typeface="Calibri" panose="020F0502020204030204" pitchFamily="34" charset="0"/>
-              <a:ea typeface="Calibri" panose="020F0502020204030204" pitchFamily="34" charset="0"/>
-              <a:cs typeface="Times New Roman" panose="02020603050405020304" pitchFamily="18" charset="0"/>
-            </a:endParaRPr>
-          </a:p>
-          <a:p>
-            <a:pPr marL="0" lvl="0" indent="0">
-              <a:buNone/>
-            </a:pPr>
-            <a:r>
-              <a:rPr lang="en-US" dirty="0" smtClean="0">
-                <a:solidFill>
-                  <a:srgbClr val="000000"/>
-                </a:solidFill>
-                <a:latin typeface="Consolas" panose="020B0609020204030204" pitchFamily="49" charset="0"/>
-                <a:ea typeface="Calibri" panose="020F0502020204030204" pitchFamily="34" charset="0"/>
-                <a:cs typeface="Times New Roman" panose="02020603050405020304" pitchFamily="18" charset="0"/>
-              </a:rPr>
-              <a:t>	</a:t>
-            </a:r>
-            <a:r>
-              <a:rPr lang="en-US" i="1" dirty="0" err="1" smtClean="0">
-                <a:solidFill>
-                  <a:srgbClr val="000000"/>
-                </a:solidFill>
-                <a:latin typeface="Consolas" panose="020B0609020204030204" pitchFamily="49" charset="0"/>
-                <a:ea typeface="Calibri" panose="020F0502020204030204" pitchFamily="34" charset="0"/>
-              </a:rPr>
-              <a:t>println</a:t>
-            </a:r>
-            <a:r>
-              <a:rPr lang="en-US" dirty="0" smtClean="0">
-                <a:solidFill>
-                  <a:srgbClr val="000000"/>
-                </a:solidFill>
-                <a:latin typeface="Consolas" panose="020B0609020204030204" pitchFamily="49" charset="0"/>
-                <a:ea typeface="Calibri" panose="020F0502020204030204" pitchFamily="34" charset="0"/>
-              </a:rPr>
-              <a:t>(a + b)</a:t>
-            </a:r>
-            <a:endParaRPr lang="en-US" sz="2000" dirty="0" smtClean="0">
-              <a:latin typeface="Calibri" panose="020F0502020204030204" pitchFamily="34" charset="0"/>
-              <a:ea typeface="Calibri" panose="020F0502020204030204" pitchFamily="34" charset="0"/>
-              <a:cs typeface="Times New Roman" panose="02020603050405020304" pitchFamily="18" charset="0"/>
-            </a:endParaRPr>
-          </a:p>
-          <a:p>
-            <a:pPr marL="0" indent="0">
-              <a:lnSpc>
-                <a:spcPct val="107000"/>
-              </a:lnSpc>
-              <a:spcAft>
-                <a:spcPts val="800"/>
-              </a:spcAft>
-              <a:buNone/>
-            </a:pPr>
-            <a:r>
-              <a:rPr lang="en-US" dirty="0" smtClean="0">
-                <a:solidFill>
-                  <a:srgbClr val="000000"/>
-                </a:solidFill>
-                <a:latin typeface="Consolas" panose="020B0609020204030204" pitchFamily="49" charset="0"/>
-                <a:ea typeface="Calibri" panose="020F0502020204030204" pitchFamily="34" charset="0"/>
-                <a:cs typeface="Times New Roman" panose="02020603050405020304" pitchFamily="18" charset="0"/>
-              </a:rPr>
-              <a:t>]</a:t>
-            </a:r>
-            <a:endParaRPr lang="en-US" sz="2000" dirty="0" smtClean="0">
-              <a:latin typeface="Calibri" panose="020F0502020204030204" pitchFamily="34" charset="0"/>
-              <a:ea typeface="Calibri" panose="020F0502020204030204" pitchFamily="34" charset="0"/>
-              <a:cs typeface="Times New Roman" panose="02020603050405020304" pitchFamily="18" charset="0"/>
-            </a:endParaRPr>
-          </a:p>
-          <a:p>
-            <a:pPr marL="0" indent="0">
-              <a:buNone/>
-            </a:pPr>
-            <a:r>
-              <a:rPr lang="en-US" i="1" dirty="0" smtClean="0">
-                <a:solidFill>
-                  <a:srgbClr val="000000"/>
-                </a:solidFill>
-                <a:latin typeface="Consolas" panose="020B0609020204030204" pitchFamily="49" charset="0"/>
-              </a:rPr>
-              <a:t>some</a:t>
-            </a:r>
-            <a:r>
-              <a:rPr lang="en-US" dirty="0" smtClean="0">
-                <a:solidFill>
-                  <a:srgbClr val="000000"/>
-                </a:solidFill>
-                <a:latin typeface="Consolas" panose="020B0609020204030204" pitchFamily="49" charset="0"/>
-              </a:rPr>
-              <a:t>(</a:t>
-            </a:r>
-            <a:r>
-              <a:rPr lang="en-US" dirty="0" smtClean="0">
-                <a:solidFill>
-                  <a:srgbClr val="2A00FF"/>
-                </a:solidFill>
-                <a:latin typeface="Consolas" panose="020B0609020204030204" pitchFamily="49" charset="0"/>
-              </a:rPr>
-              <a:t>"foo"</a:t>
-            </a:r>
-            <a:r>
-              <a:rPr lang="en-US" dirty="0" smtClean="0">
-                <a:solidFill>
-                  <a:srgbClr val="000000"/>
-                </a:solidFill>
-                <a:latin typeface="Consolas" panose="020B0609020204030204" pitchFamily="49" charset="0"/>
-              </a:rPr>
-              <a:t>).</a:t>
-            </a:r>
-            <a:r>
-              <a:rPr lang="en-US" i="1" dirty="0" smtClean="0">
-                <a:solidFill>
-                  <a:srgbClr val="AB3000"/>
-                </a:solidFill>
-                <a:latin typeface="Consolas" panose="020B0609020204030204" pitchFamily="49" charset="0"/>
-              </a:rPr>
-              <a:t>zip</a:t>
-            </a:r>
-            <a:r>
-              <a:rPr lang="en-US" dirty="0" smtClean="0">
-                <a:solidFill>
-                  <a:srgbClr val="000000"/>
-                </a:solidFill>
-                <a:latin typeface="Consolas" panose="020B0609020204030204" pitchFamily="49" charset="0"/>
-              </a:rPr>
-              <a:t>(</a:t>
-            </a:r>
-            <a:r>
-              <a:rPr lang="en-US" i="1" dirty="0" smtClean="0">
-                <a:solidFill>
-                  <a:srgbClr val="000000"/>
-                </a:solidFill>
-                <a:latin typeface="Consolas" panose="020B0609020204030204" pitchFamily="49" charset="0"/>
-              </a:rPr>
-              <a:t>some</a:t>
-            </a:r>
-            <a:r>
-              <a:rPr lang="en-US" dirty="0" smtClean="0">
-                <a:solidFill>
-                  <a:srgbClr val="000000"/>
-                </a:solidFill>
-                <a:latin typeface="Consolas" panose="020B0609020204030204" pitchFamily="49" charset="0"/>
-              </a:rPr>
-              <a:t>(</a:t>
-            </a:r>
-            <a:r>
-              <a:rPr lang="en-US" dirty="0" smtClean="0">
-                <a:solidFill>
-                  <a:srgbClr val="2A00FF"/>
-                </a:solidFill>
-                <a:latin typeface="Consolas" panose="020B0609020204030204" pitchFamily="49" charset="0"/>
-              </a:rPr>
-              <a:t>"bar"</a:t>
-            </a:r>
-            <a:r>
-              <a:rPr lang="en-US" dirty="0" smtClean="0">
-                <a:solidFill>
-                  <a:srgbClr val="000000"/>
-                </a:solidFill>
-                <a:latin typeface="Consolas" panose="020B0609020204030204" pitchFamily="49" charset="0"/>
-              </a:rPr>
-              <a:t>)) &gt;&gt; [a, b |</a:t>
-            </a:r>
-          </a:p>
-          <a:p>
-            <a:pPr marL="0" indent="0">
-              <a:buNone/>
-            </a:pPr>
-            <a:r>
-              <a:rPr lang="en-US" dirty="0" smtClean="0">
-                <a:latin typeface="Consolas" panose="020B0609020204030204" pitchFamily="49" charset="0"/>
-              </a:rPr>
-              <a:t>	</a:t>
-            </a:r>
-            <a:r>
-              <a:rPr lang="en-US" i="1" dirty="0" err="1" smtClean="0">
-                <a:solidFill>
-                  <a:srgbClr val="000000"/>
-                </a:solidFill>
-                <a:latin typeface="Consolas" panose="020B0609020204030204" pitchFamily="49" charset="0"/>
-                <a:ea typeface="Calibri" panose="020F0502020204030204" pitchFamily="34" charset="0"/>
-              </a:rPr>
-              <a:t>println</a:t>
-            </a:r>
-            <a:r>
-              <a:rPr lang="en-US" dirty="0" smtClean="0">
-                <a:solidFill>
-                  <a:srgbClr val="000000"/>
-                </a:solidFill>
-                <a:latin typeface="Consolas" panose="020B0609020204030204" pitchFamily="49" charset="0"/>
-                <a:ea typeface="Calibri" panose="020F0502020204030204" pitchFamily="34" charset="0"/>
-              </a:rPr>
-              <a:t>(a + b)</a:t>
-            </a:r>
-            <a:endParaRPr lang="en-US" dirty="0" smtClean="0">
-              <a:latin typeface="Consolas" panose="020B0609020204030204" pitchFamily="49" charset="0"/>
-            </a:endParaRPr>
-          </a:p>
-          <a:p>
-            <a:pPr marL="0" indent="0">
-              <a:buNone/>
-            </a:pPr>
-            <a:r>
-              <a:rPr lang="en-US" dirty="0" smtClean="0">
-                <a:solidFill>
-                  <a:srgbClr val="000000"/>
-                </a:solidFill>
-                <a:latin typeface="Consolas" panose="020B0609020204030204" pitchFamily="49" charset="0"/>
-              </a:rPr>
-              <a:t>]</a:t>
-            </a:r>
-            <a:endParaRPr lang="en-US" dirty="0" smtClean="0"/>
-          </a:p>
-          <a:p>
-            <a:endParaRPr lang="en-US" dirty="0" smtClean="0"/>
           </a:p>
           <a:p>
             <a:endParaRPr lang="en-US" dirty="0"/>
@@ -7925,7 +7773,7 @@
     </p:spTree>
     <p:extLst>
       <p:ext uri="{BB962C8B-B14F-4D97-AF65-F5344CB8AC3E}">
-        <p14:creationId xmlns:p14="http://schemas.microsoft.com/office/powerpoint/2010/main" val="3548652841"/>
+        <p14:creationId xmlns:p14="http://schemas.microsoft.com/office/powerpoint/2010/main" val="3828946935"/>
       </p:ext>
     </p:extLst>
   </p:cSld>
@@ -7983,28 +7831,19 @@
           <a:lstStyle/>
           <a:p>
             <a:r>
-              <a:rPr lang="de-DE" dirty="0" smtClean="0"/>
-              <a:t>Internal DSL </a:t>
-            </a:r>
-            <a:r>
               <a:rPr lang="de-DE" dirty="0" err="1" smtClean="0"/>
-              <a:t>for</a:t>
+              <a:t>Concise</a:t>
             </a:r>
             <a:r>
               <a:rPr lang="de-DE" dirty="0" smtClean="0"/>
               <a:t> </a:t>
             </a:r>
             <a:r>
-              <a:rPr lang="en-US" dirty="0" smtClean="0"/>
-              <a:t>If Present – then </a:t>
-            </a:r>
-            <a:r>
-              <a:rPr lang="en-US" dirty="0"/>
-              <a:t>–</a:t>
-            </a:r>
-            <a:r>
-              <a:rPr lang="en-US" dirty="0" smtClean="0"/>
-              <a:t> else</a:t>
+              <a:rPr lang="en-US" dirty="0" err="1">
+                <a:latin typeface="Consolas" panose="020B0609020204030204" pitchFamily="49" charset="0"/>
+                <a:cs typeface="Consolas" panose="020B0609020204030204" pitchFamily="49" charset="0"/>
+              </a:rPr>
+              <a:t>Optional#orElse</a:t>
             </a:r>
             <a:endParaRPr lang="en-US" dirty="0"/>
           </a:p>
@@ -8031,313 +7870,81 @@
           <a:lstStyle/>
           <a:p>
             <a:pPr marL="0" indent="0">
-              <a:lnSpc>
-                <a:spcPct val="107000"/>
-              </a:lnSpc>
               <a:buNone/>
             </a:pPr>
             <a:r>
-              <a:rPr lang="en-US" dirty="0" smtClean="0">
-                <a:solidFill>
-                  <a:srgbClr val="000000"/>
-                </a:solidFill>
-                <a:latin typeface="+mj-lt"/>
-                <a:ea typeface="Calibri" panose="020F0502020204030204" pitchFamily="34" charset="0"/>
-                <a:cs typeface="Times New Roman" panose="02020603050405020304" pitchFamily="18" charset="0"/>
-              </a:rPr>
-              <a:t>Uses lambdas with Java default methods to look like language construct</a:t>
-            </a:r>
-          </a:p>
-          <a:p>
-            <a:pPr marL="0" indent="0">
-              <a:lnSpc>
-                <a:spcPct val="107000"/>
-              </a:lnSpc>
-              <a:spcAft>
-                <a:spcPts val="0"/>
-              </a:spcAft>
-              <a:buNone/>
-            </a:pPr>
-            <a:endParaRPr lang="en-US" i="1" dirty="0" smtClean="0">
-              <a:solidFill>
-                <a:srgbClr val="000000"/>
-              </a:solidFill>
+              <a:rPr lang="de-DE" dirty="0" err="1" smtClean="0"/>
+              <a:t>Introduced</a:t>
+            </a:r>
+            <a:r>
+              <a:rPr lang="de-DE" dirty="0" smtClean="0"/>
+              <a:t> </a:t>
+            </a:r>
+            <a:r>
+              <a:rPr lang="de-DE" dirty="0" smtClean="0">
+                <a:latin typeface="Consolas" panose="020B0609020204030204" pitchFamily="49" charset="0"/>
+                <a:cs typeface="Consolas" panose="020B0609020204030204" pitchFamily="49" charset="0"/>
+              </a:rPr>
+              <a:t>?:</a:t>
+            </a:r>
+            <a:r>
+              <a:rPr lang="de-DE" dirty="0" smtClean="0"/>
+              <a:t> </a:t>
+            </a:r>
+            <a:r>
+              <a:rPr lang="de-DE" dirty="0" err="1" smtClean="0"/>
+              <a:t>operator</a:t>
+            </a:r>
+            <a:r>
+              <a:rPr lang="de-DE" dirty="0" smtClean="0"/>
+              <a:t> </a:t>
+            </a:r>
+            <a:r>
+              <a:rPr lang="de-DE" dirty="0" err="1" smtClean="0"/>
+              <a:t>as</a:t>
+            </a:r>
+            <a:r>
+              <a:rPr lang="de-DE" dirty="0" smtClean="0"/>
+              <a:t> alias </a:t>
+            </a:r>
+            <a:r>
+              <a:rPr lang="de-DE" dirty="0" err="1" smtClean="0"/>
+              <a:t>for</a:t>
+            </a:r>
+            <a:r>
+              <a:rPr lang="de-DE" dirty="0" smtClean="0"/>
+              <a:t> </a:t>
+            </a:r>
+            <a:r>
+              <a:rPr lang="en-US" dirty="0" err="1" smtClean="0">
+                <a:latin typeface="Consolas" panose="020B0609020204030204" pitchFamily="49" charset="0"/>
+                <a:cs typeface="Consolas" panose="020B0609020204030204" pitchFamily="49" charset="0"/>
+              </a:rPr>
+              <a:t>Optional#orElse</a:t>
+            </a:r>
+            <a:r>
+              <a:rPr lang="en-US" dirty="0" smtClean="0">
+                <a:latin typeface="Consolas" panose="020B0609020204030204" pitchFamily="49" charset="0"/>
+                <a:cs typeface="Consolas" panose="020B0609020204030204" pitchFamily="49" charset="0"/>
+              </a:rPr>
+              <a:t> / </a:t>
+            </a:r>
+            <a:r>
+              <a:rPr lang="en-US" dirty="0" err="1" smtClean="0">
+                <a:latin typeface="Consolas" panose="020B0609020204030204" pitchFamily="49" charset="0"/>
+                <a:cs typeface="Consolas" panose="020B0609020204030204" pitchFamily="49" charset="0"/>
+              </a:rPr>
+              <a:t>Optional#orElseGet</a:t>
+            </a:r>
+            <a:endParaRPr lang="en-US" dirty="0" smtClean="0">
               <a:latin typeface="Consolas" panose="020B0609020204030204" pitchFamily="49" charset="0"/>
-              <a:ea typeface="Calibri" panose="020F0502020204030204" pitchFamily="34" charset="0"/>
-              <a:cs typeface="Times New Roman" panose="02020603050405020304" pitchFamily="18" charset="0"/>
+              <a:cs typeface="Consolas" panose="020B0609020204030204" pitchFamily="49" charset="0"/>
             </a:endParaRPr>
           </a:p>
           <a:p>
-            <a:pPr marL="0" indent="0">
-              <a:lnSpc>
-                <a:spcPct val="107000"/>
-              </a:lnSpc>
-              <a:spcAft>
-                <a:spcPts val="0"/>
-              </a:spcAft>
-              <a:buNone/>
-            </a:pPr>
-            <a:r>
-              <a:rPr lang="en-US" i="1" dirty="0" err="1" smtClean="0">
-                <a:solidFill>
-                  <a:srgbClr val="000000"/>
-                </a:solidFill>
-                <a:latin typeface="Consolas" panose="020B0609020204030204" pitchFamily="49" charset="0"/>
-                <a:ea typeface="Calibri" panose="020F0502020204030204" pitchFamily="34" charset="0"/>
-                <a:cs typeface="Times New Roman" panose="02020603050405020304" pitchFamily="18" charset="0"/>
-              </a:rPr>
-              <a:t>getOptional</a:t>
-            </a:r>
-            <a:r>
-              <a:rPr lang="en-US" dirty="0" smtClean="0">
-                <a:solidFill>
-                  <a:srgbClr val="000000"/>
-                </a:solidFill>
-                <a:latin typeface="Consolas" panose="020B0609020204030204" pitchFamily="49" charset="0"/>
-                <a:ea typeface="Calibri" panose="020F0502020204030204" pitchFamily="34" charset="0"/>
-                <a:cs typeface="Times New Roman" panose="02020603050405020304" pitchFamily="18" charset="0"/>
-              </a:rPr>
-              <a:t>() =&gt; </a:t>
-            </a:r>
-            <a:r>
-              <a:rPr lang="en-US" i="1" dirty="0" err="1" smtClean="0">
-                <a:solidFill>
-                  <a:srgbClr val="000000"/>
-                </a:solidFill>
-                <a:latin typeface="Consolas" panose="020B0609020204030204" pitchFamily="49" charset="0"/>
-                <a:ea typeface="Calibri" panose="020F0502020204030204" pitchFamily="34" charset="0"/>
-                <a:cs typeface="Times New Roman" panose="02020603050405020304" pitchFamily="18" charset="0"/>
-              </a:rPr>
-              <a:t>ifPresent</a:t>
-            </a:r>
-            <a:r>
-              <a:rPr lang="en-US" dirty="0" smtClean="0">
-                <a:solidFill>
-                  <a:srgbClr val="000000"/>
-                </a:solidFill>
-                <a:latin typeface="Consolas" panose="020B0609020204030204" pitchFamily="49" charset="0"/>
-                <a:ea typeface="Calibri" panose="020F0502020204030204" pitchFamily="34" charset="0"/>
-                <a:cs typeface="Times New Roman" panose="02020603050405020304" pitchFamily="18" charset="0"/>
-              </a:rPr>
-              <a:t> [</a:t>
-            </a:r>
-            <a:endParaRPr lang="en-US" sz="2000" dirty="0" smtClean="0">
-              <a:latin typeface="Calibri" panose="020F0502020204030204" pitchFamily="34" charset="0"/>
-              <a:ea typeface="Calibri" panose="020F0502020204030204" pitchFamily="34" charset="0"/>
-              <a:cs typeface="Times New Roman" panose="02020603050405020304" pitchFamily="18" charset="0"/>
-            </a:endParaRPr>
-          </a:p>
-          <a:p>
-            <a:pPr marL="0" indent="0">
-              <a:lnSpc>
-                <a:spcPct val="107000"/>
-              </a:lnSpc>
-              <a:spcAft>
-                <a:spcPts val="0"/>
-              </a:spcAft>
-              <a:buNone/>
-            </a:pPr>
-            <a:r>
-              <a:rPr lang="en-US" dirty="0" smtClean="0">
-                <a:solidFill>
-                  <a:srgbClr val="000000"/>
-                </a:solidFill>
-                <a:latin typeface="Consolas" panose="020B0609020204030204" pitchFamily="49" charset="0"/>
-                <a:ea typeface="Calibri" panose="020F0502020204030204" pitchFamily="34" charset="0"/>
-                <a:cs typeface="Times New Roman" panose="02020603050405020304" pitchFamily="18" charset="0"/>
-              </a:rPr>
-              <a:t>	</a:t>
-            </a:r>
-            <a:r>
-              <a:rPr lang="en-US" i="1" dirty="0" err="1" smtClean="0">
-                <a:solidFill>
-                  <a:srgbClr val="000000"/>
-                </a:solidFill>
-                <a:latin typeface="Consolas" panose="020B0609020204030204" pitchFamily="49" charset="0"/>
-                <a:ea typeface="Calibri" panose="020F0502020204030204" pitchFamily="34" charset="0"/>
-                <a:cs typeface="Times New Roman" panose="02020603050405020304" pitchFamily="18" charset="0"/>
-              </a:rPr>
-              <a:t>println</a:t>
-            </a:r>
-            <a:r>
-              <a:rPr lang="en-US" dirty="0" smtClean="0">
-                <a:solidFill>
-                  <a:srgbClr val="000000"/>
-                </a:solidFill>
-                <a:latin typeface="Consolas" panose="020B0609020204030204" pitchFamily="49" charset="0"/>
-                <a:ea typeface="Calibri" panose="020F0502020204030204" pitchFamily="34" charset="0"/>
-                <a:cs typeface="Times New Roman" panose="02020603050405020304" pitchFamily="18" charset="0"/>
-              </a:rPr>
-              <a:t>(</a:t>
-            </a:r>
-            <a:r>
-              <a:rPr lang="en-US" b="1" dirty="0" smtClean="0">
-                <a:solidFill>
-                  <a:srgbClr val="7F0055"/>
-                </a:solidFill>
-                <a:latin typeface="Consolas" panose="020B0609020204030204" pitchFamily="49" charset="0"/>
-                <a:ea typeface="Calibri" panose="020F0502020204030204" pitchFamily="34" charset="0"/>
-                <a:cs typeface="Times New Roman" panose="02020603050405020304" pitchFamily="18" charset="0"/>
-              </a:rPr>
-              <a:t>it</a:t>
-            </a:r>
-            <a:r>
-              <a:rPr lang="en-US" dirty="0" smtClean="0">
-                <a:solidFill>
-                  <a:srgbClr val="000000"/>
-                </a:solidFill>
-                <a:latin typeface="Consolas" panose="020B0609020204030204" pitchFamily="49" charset="0"/>
-                <a:ea typeface="Calibri" panose="020F0502020204030204" pitchFamily="34" charset="0"/>
-                <a:cs typeface="Times New Roman" panose="02020603050405020304" pitchFamily="18" charset="0"/>
-              </a:rPr>
-              <a:t>)</a:t>
-            </a:r>
-            <a:endParaRPr lang="en-US" sz="2000" dirty="0" smtClean="0">
-              <a:latin typeface="Calibri" panose="020F0502020204030204" pitchFamily="34" charset="0"/>
-              <a:ea typeface="Calibri" panose="020F0502020204030204" pitchFamily="34" charset="0"/>
-              <a:cs typeface="Times New Roman" panose="02020603050405020304" pitchFamily="18" charset="0"/>
-            </a:endParaRPr>
-          </a:p>
-          <a:p>
-            <a:pPr marL="0" indent="0">
-              <a:lnSpc>
-                <a:spcPct val="107000"/>
-              </a:lnSpc>
-              <a:spcAft>
-                <a:spcPts val="0"/>
-              </a:spcAft>
-              <a:buNone/>
-            </a:pPr>
-            <a:r>
-              <a:rPr lang="en-US" dirty="0" smtClean="0">
-                <a:solidFill>
-                  <a:srgbClr val="000000"/>
-                </a:solidFill>
-                <a:latin typeface="Consolas" panose="020B0609020204030204" pitchFamily="49" charset="0"/>
-                <a:ea typeface="Calibri" panose="020F0502020204030204" pitchFamily="34" charset="0"/>
-                <a:cs typeface="Times New Roman" panose="02020603050405020304" pitchFamily="18" charset="0"/>
-              </a:rPr>
-              <a:t>].</a:t>
-            </a:r>
-            <a:r>
-              <a:rPr lang="en-US" dirty="0" err="1" smtClean="0">
-                <a:solidFill>
-                  <a:srgbClr val="000000"/>
-                </a:solidFill>
-                <a:latin typeface="Consolas" panose="020B0609020204030204" pitchFamily="49" charset="0"/>
-                <a:ea typeface="Calibri" panose="020F0502020204030204" pitchFamily="34" charset="0"/>
-                <a:cs typeface="Times New Roman" panose="02020603050405020304" pitchFamily="18" charset="0"/>
-              </a:rPr>
-              <a:t>elseDo</a:t>
-            </a:r>
-            <a:r>
-              <a:rPr lang="en-US" dirty="0" smtClean="0">
-                <a:solidFill>
-                  <a:srgbClr val="000000"/>
-                </a:solidFill>
-                <a:latin typeface="Consolas" panose="020B0609020204030204" pitchFamily="49" charset="0"/>
-                <a:ea typeface="Calibri" panose="020F0502020204030204" pitchFamily="34" charset="0"/>
-                <a:cs typeface="Times New Roman" panose="02020603050405020304" pitchFamily="18" charset="0"/>
-              </a:rPr>
-              <a:t> [</a:t>
-            </a:r>
-            <a:endParaRPr lang="en-US" sz="2000" dirty="0" smtClean="0">
-              <a:latin typeface="Calibri" panose="020F0502020204030204" pitchFamily="34" charset="0"/>
-              <a:ea typeface="Calibri" panose="020F0502020204030204" pitchFamily="34" charset="0"/>
-              <a:cs typeface="Times New Roman" panose="02020603050405020304" pitchFamily="18" charset="0"/>
-            </a:endParaRPr>
-          </a:p>
-          <a:p>
-            <a:pPr marL="0" indent="0">
-              <a:lnSpc>
-                <a:spcPct val="107000"/>
-              </a:lnSpc>
-              <a:spcAft>
-                <a:spcPts val="0"/>
-              </a:spcAft>
-              <a:buNone/>
-            </a:pPr>
-            <a:r>
-              <a:rPr lang="en-US" dirty="0" smtClean="0">
-                <a:solidFill>
-                  <a:srgbClr val="000000"/>
-                </a:solidFill>
-                <a:latin typeface="Consolas" panose="020B0609020204030204" pitchFamily="49" charset="0"/>
-                <a:ea typeface="Calibri" panose="020F0502020204030204" pitchFamily="34" charset="0"/>
-                <a:cs typeface="Times New Roman" panose="02020603050405020304" pitchFamily="18" charset="0"/>
-              </a:rPr>
-              <a:t>	</a:t>
-            </a:r>
-            <a:r>
-              <a:rPr lang="en-US" i="1" dirty="0" err="1" smtClean="0">
-                <a:solidFill>
-                  <a:srgbClr val="000000"/>
-                </a:solidFill>
-                <a:latin typeface="Consolas" panose="020B0609020204030204" pitchFamily="49" charset="0"/>
-                <a:ea typeface="Calibri" panose="020F0502020204030204" pitchFamily="34" charset="0"/>
-                <a:cs typeface="Times New Roman" panose="02020603050405020304" pitchFamily="18" charset="0"/>
-              </a:rPr>
-              <a:t>println</a:t>
-            </a:r>
-            <a:r>
-              <a:rPr lang="en-US" dirty="0" smtClean="0">
-                <a:solidFill>
-                  <a:srgbClr val="000000"/>
-                </a:solidFill>
-                <a:latin typeface="Consolas" panose="020B0609020204030204" pitchFamily="49" charset="0"/>
-                <a:ea typeface="Calibri" panose="020F0502020204030204" pitchFamily="34" charset="0"/>
-                <a:cs typeface="Times New Roman" panose="02020603050405020304" pitchFamily="18" charset="0"/>
-              </a:rPr>
-              <a:t>(</a:t>
-            </a:r>
-            <a:r>
-              <a:rPr lang="en-US" dirty="0" smtClean="0">
-                <a:solidFill>
-                  <a:srgbClr val="2A00FF"/>
-                </a:solidFill>
-                <a:latin typeface="Consolas" panose="020B0609020204030204" pitchFamily="49" charset="0"/>
-                <a:ea typeface="Calibri" panose="020F0502020204030204" pitchFamily="34" charset="0"/>
-                <a:cs typeface="Times New Roman" panose="02020603050405020304" pitchFamily="18" charset="0"/>
-              </a:rPr>
-              <a:t>"</a:t>
-            </a:r>
-            <a:r>
-              <a:rPr lang="en-US" dirty="0" err="1" smtClean="0">
-                <a:solidFill>
-                  <a:srgbClr val="2A00FF"/>
-                </a:solidFill>
-                <a:latin typeface="Consolas" panose="020B0609020204030204" pitchFamily="49" charset="0"/>
-                <a:ea typeface="Calibri" panose="020F0502020204030204" pitchFamily="34" charset="0"/>
-                <a:cs typeface="Times New Roman" panose="02020603050405020304" pitchFamily="18" charset="0"/>
-              </a:rPr>
-              <a:t>awww</a:t>
-            </a:r>
-            <a:r>
-              <a:rPr lang="en-US" dirty="0" smtClean="0">
-                <a:solidFill>
-                  <a:srgbClr val="2A00FF"/>
-                </a:solidFill>
-                <a:latin typeface="Consolas" panose="020B0609020204030204" pitchFamily="49" charset="0"/>
-                <a:ea typeface="Calibri" panose="020F0502020204030204" pitchFamily="34" charset="0"/>
-                <a:cs typeface="Times New Roman" panose="02020603050405020304" pitchFamily="18" charset="0"/>
-              </a:rPr>
-              <a:t>"</a:t>
-            </a:r>
-            <a:r>
-              <a:rPr lang="en-US" dirty="0" smtClean="0">
-                <a:solidFill>
-                  <a:srgbClr val="000000"/>
-                </a:solidFill>
-                <a:latin typeface="Consolas" panose="020B0609020204030204" pitchFamily="49" charset="0"/>
-                <a:ea typeface="Calibri" panose="020F0502020204030204" pitchFamily="34" charset="0"/>
-                <a:cs typeface="Times New Roman" panose="02020603050405020304" pitchFamily="18" charset="0"/>
-              </a:rPr>
-              <a:t>)</a:t>
-            </a:r>
-            <a:endParaRPr lang="en-US" sz="2000" dirty="0" smtClean="0">
-              <a:latin typeface="Calibri" panose="020F0502020204030204" pitchFamily="34" charset="0"/>
-              <a:ea typeface="Calibri" panose="020F0502020204030204" pitchFamily="34" charset="0"/>
-              <a:cs typeface="Times New Roman" panose="02020603050405020304" pitchFamily="18" charset="0"/>
+            <a:endParaRPr lang="de-DE" dirty="0">
+              <a:latin typeface="Consolas" panose="020B0609020204030204" pitchFamily="49" charset="0"/>
+              <a:cs typeface="Consolas" panose="020B0609020204030204" pitchFamily="49" charset="0"/>
             </a:endParaRPr>
           </a:p>
           <a:p>
@@ -8351,24 +7958,236 @@
               <a:buNone/>
             </a:pPr>
             <a:r>
-              <a:rPr lang="en-US" dirty="0" smtClean="0">
-                <a:solidFill>
-                  <a:srgbClr val="000000"/>
-                </a:solidFill>
-                <a:latin typeface="Consolas" panose="020B0609020204030204" pitchFamily="49" charset="0"/>
-                <a:ea typeface="Calibri" panose="020F0502020204030204" pitchFamily="34" charset="0"/>
-                <a:cs typeface="Times New Roman" panose="02020603050405020304" pitchFamily="18" charset="0"/>
-              </a:rPr>
-              <a:t>]</a:t>
-            </a:r>
-            <a:endParaRPr lang="en-US" sz="2000" dirty="0" smtClean="0">
+              <a:rPr lang="en-US" b="1" dirty="0" err="1">
+                <a:solidFill>
+                  <a:srgbClr val="7F0055"/>
+                </a:solidFill>
+                <a:latin typeface="Consolas" panose="020B0609020204030204" pitchFamily="49" charset="0"/>
+                <a:ea typeface="Calibri" panose="020F0502020204030204" pitchFamily="34" charset="0"/>
+                <a:cs typeface="Times New Roman" panose="02020603050405020304" pitchFamily="18" charset="0"/>
+              </a:rPr>
+              <a:t>val</a:t>
+            </a:r>
+            <a:r>
+              <a:rPr lang="en-US" dirty="0">
+                <a:solidFill>
+                  <a:srgbClr val="000000"/>
+                </a:solidFill>
+                <a:latin typeface="Consolas" panose="020B0609020204030204" pitchFamily="49" charset="0"/>
+                <a:ea typeface="Calibri" panose="020F0502020204030204" pitchFamily="34" charset="0"/>
+                <a:cs typeface="Times New Roman" panose="02020603050405020304" pitchFamily="18" charset="0"/>
+              </a:rPr>
+              <a:t> </a:t>
+            </a:r>
+            <a:r>
+              <a:rPr lang="en-US" dirty="0" err="1">
+                <a:solidFill>
+                  <a:srgbClr val="000000"/>
+                </a:solidFill>
+                <a:latin typeface="Consolas" panose="020B0609020204030204" pitchFamily="49" charset="0"/>
+                <a:ea typeface="Calibri" panose="020F0502020204030204" pitchFamily="34" charset="0"/>
+                <a:cs typeface="Times New Roman" panose="02020603050405020304" pitchFamily="18" charset="0"/>
+              </a:rPr>
+              <a:t>len</a:t>
+            </a:r>
+            <a:r>
+              <a:rPr lang="en-US" dirty="0">
+                <a:solidFill>
+                  <a:srgbClr val="000000"/>
+                </a:solidFill>
+                <a:latin typeface="Consolas" panose="020B0609020204030204" pitchFamily="49" charset="0"/>
+                <a:ea typeface="Calibri" panose="020F0502020204030204" pitchFamily="34" charset="0"/>
+                <a:cs typeface="Times New Roman" panose="02020603050405020304" pitchFamily="18" charset="0"/>
+              </a:rPr>
+              <a:t> = </a:t>
+            </a:r>
+            <a:r>
+              <a:rPr lang="en-US" i="1" dirty="0">
+                <a:solidFill>
+                  <a:srgbClr val="000000"/>
+                </a:solidFill>
+                <a:latin typeface="Consolas" panose="020B0609020204030204" pitchFamily="49" charset="0"/>
+                <a:ea typeface="Calibri" panose="020F0502020204030204" pitchFamily="34" charset="0"/>
+                <a:cs typeface="Times New Roman" panose="02020603050405020304" pitchFamily="18" charset="0"/>
+              </a:rPr>
+              <a:t>some</a:t>
+            </a:r>
+            <a:r>
+              <a:rPr lang="en-US" dirty="0">
+                <a:solidFill>
+                  <a:srgbClr val="000000"/>
+                </a:solidFill>
+                <a:latin typeface="Consolas" panose="020B0609020204030204" pitchFamily="49" charset="0"/>
+                <a:ea typeface="Calibri" panose="020F0502020204030204" pitchFamily="34" charset="0"/>
+                <a:cs typeface="Times New Roman" panose="02020603050405020304" pitchFamily="18" charset="0"/>
+              </a:rPr>
+              <a:t>(</a:t>
+            </a:r>
+            <a:r>
+              <a:rPr lang="en-US" dirty="0">
+                <a:solidFill>
+                  <a:srgbClr val="2A00FF"/>
+                </a:solidFill>
+                <a:latin typeface="Consolas" panose="020B0609020204030204" pitchFamily="49" charset="0"/>
+                <a:ea typeface="Calibri" panose="020F0502020204030204" pitchFamily="34" charset="0"/>
+                <a:cs typeface="Times New Roman" panose="02020603050405020304" pitchFamily="18" charset="0"/>
+              </a:rPr>
+              <a:t>"wee"</a:t>
+            </a:r>
+            <a:r>
+              <a:rPr lang="en-US" dirty="0">
+                <a:solidFill>
+                  <a:srgbClr val="000000"/>
+                </a:solidFill>
+                <a:latin typeface="Consolas" panose="020B0609020204030204" pitchFamily="49" charset="0"/>
+                <a:ea typeface="Calibri" panose="020F0502020204030204" pitchFamily="34" charset="0"/>
+                <a:cs typeface="Times New Roman" panose="02020603050405020304" pitchFamily="18" charset="0"/>
+              </a:rPr>
+              <a:t>).map[length] ?: </a:t>
+            </a:r>
+            <a:r>
+              <a:rPr lang="en-US" dirty="0">
+                <a:solidFill>
+                  <a:srgbClr val="7D7D7D"/>
+                </a:solidFill>
+                <a:latin typeface="Consolas" panose="020B0609020204030204" pitchFamily="49" charset="0"/>
+                <a:ea typeface="Calibri" panose="020F0502020204030204" pitchFamily="34" charset="0"/>
+                <a:cs typeface="Times New Roman" panose="02020603050405020304" pitchFamily="18" charset="0"/>
+              </a:rPr>
+              <a:t>0</a:t>
+            </a:r>
+            <a:endParaRPr lang="en-US" sz="2000" dirty="0">
               <a:latin typeface="Calibri" panose="020F0502020204030204" pitchFamily="34" charset="0"/>
               <a:ea typeface="Calibri" panose="020F0502020204030204" pitchFamily="34" charset="0"/>
               <a:cs typeface="Times New Roman" panose="02020603050405020304" pitchFamily="18" charset="0"/>
             </a:endParaRPr>
           </a:p>
           <a:p>
-            <a:endParaRPr lang="en-US" dirty="0"/>
+            <a:endParaRPr lang="en-US" dirty="0" smtClean="0">
+              <a:latin typeface="Consolas" panose="020B0609020204030204" pitchFamily="49" charset="0"/>
+              <a:cs typeface="Consolas" panose="020B0609020204030204" pitchFamily="49" charset="0"/>
+            </a:endParaRPr>
+          </a:p>
+          <a:p>
+            <a:pPr marL="0" indent="0">
+              <a:lnSpc>
+                <a:spcPct val="107000"/>
+              </a:lnSpc>
+              <a:spcAft>
+                <a:spcPts val="800"/>
+              </a:spcAft>
+              <a:buNone/>
+            </a:pPr>
+            <a:r>
+              <a:rPr lang="en-US" b="1" dirty="0" err="1">
+                <a:solidFill>
+                  <a:srgbClr val="7F0055"/>
+                </a:solidFill>
+                <a:latin typeface="Consolas" panose="020B0609020204030204" pitchFamily="49" charset="0"/>
+                <a:ea typeface="Calibri" panose="020F0502020204030204" pitchFamily="34" charset="0"/>
+                <a:cs typeface="Times New Roman" panose="02020603050405020304" pitchFamily="18" charset="0"/>
+              </a:rPr>
+              <a:t>val</a:t>
+            </a:r>
+            <a:r>
+              <a:rPr lang="en-US" dirty="0">
+                <a:solidFill>
+                  <a:srgbClr val="000000"/>
+                </a:solidFill>
+                <a:latin typeface="Consolas" panose="020B0609020204030204" pitchFamily="49" charset="0"/>
+                <a:ea typeface="Calibri" panose="020F0502020204030204" pitchFamily="34" charset="0"/>
+                <a:cs typeface="Times New Roman" panose="02020603050405020304" pitchFamily="18" charset="0"/>
+              </a:rPr>
+              <a:t> display = </a:t>
+            </a:r>
+            <a:r>
+              <a:rPr lang="en-US" i="1" dirty="0">
+                <a:solidFill>
+                  <a:srgbClr val="000000"/>
+                </a:solidFill>
+                <a:latin typeface="Consolas" panose="020B0609020204030204" pitchFamily="49" charset="0"/>
+                <a:ea typeface="Calibri" panose="020F0502020204030204" pitchFamily="34" charset="0"/>
+                <a:cs typeface="Times New Roman" panose="02020603050405020304" pitchFamily="18" charset="0"/>
+              </a:rPr>
+              <a:t>maybe</a:t>
+            </a:r>
+            <a:r>
+              <a:rPr lang="en-US" dirty="0">
+                <a:solidFill>
+                  <a:srgbClr val="000000"/>
+                </a:solidFill>
+                <a:latin typeface="Consolas" panose="020B0609020204030204" pitchFamily="49" charset="0"/>
+                <a:ea typeface="Calibri" panose="020F0502020204030204" pitchFamily="34" charset="0"/>
+                <a:cs typeface="Times New Roman" panose="02020603050405020304" pitchFamily="18" charset="0"/>
+              </a:rPr>
+              <a:t>(</a:t>
+            </a:r>
+            <a:r>
+              <a:rPr lang="en-US" i="1" dirty="0" err="1">
+                <a:solidFill>
+                  <a:srgbClr val="000000"/>
+                </a:solidFill>
+                <a:latin typeface="Consolas" panose="020B0609020204030204" pitchFamily="49" charset="0"/>
+                <a:ea typeface="Calibri" panose="020F0502020204030204" pitchFamily="34" charset="0"/>
+                <a:cs typeface="Times New Roman" panose="02020603050405020304" pitchFamily="18" charset="0"/>
+              </a:rPr>
+              <a:t>fetchName</a:t>
+            </a:r>
+            <a:r>
+              <a:rPr lang="en-US" dirty="0">
+                <a:solidFill>
+                  <a:srgbClr val="000000"/>
+                </a:solidFill>
+                <a:latin typeface="Consolas" panose="020B0609020204030204" pitchFamily="49" charset="0"/>
+                <a:ea typeface="Calibri" panose="020F0502020204030204" pitchFamily="34" charset="0"/>
+                <a:cs typeface="Times New Roman" panose="02020603050405020304" pitchFamily="18" charset="0"/>
+              </a:rPr>
+              <a:t>()) ?: [</a:t>
+            </a:r>
+            <a:r>
+              <a:rPr lang="en-US" i="1" dirty="0" err="1">
+                <a:solidFill>
+                  <a:srgbClr val="000000"/>
+                </a:solidFill>
+                <a:latin typeface="Consolas" panose="020B0609020204030204" pitchFamily="49" charset="0"/>
+                <a:ea typeface="Calibri" panose="020F0502020204030204" pitchFamily="34" charset="0"/>
+                <a:cs typeface="Times New Roman" panose="02020603050405020304" pitchFamily="18" charset="0"/>
+              </a:rPr>
+              <a:t>fetchUserNick</a:t>
+            </a:r>
+            <a:r>
+              <a:rPr lang="en-US" dirty="0">
+                <a:solidFill>
+                  <a:srgbClr val="000000"/>
+                </a:solidFill>
+                <a:latin typeface="Consolas" panose="020B0609020204030204" pitchFamily="49" charset="0"/>
+                <a:ea typeface="Calibri" panose="020F0502020204030204" pitchFamily="34" charset="0"/>
+                <a:cs typeface="Times New Roman" panose="02020603050405020304" pitchFamily="18" charset="0"/>
+              </a:rPr>
+              <a:t>()]</a:t>
+            </a:r>
+            <a:endParaRPr lang="en-US" sz="2000" dirty="0">
+              <a:latin typeface="Calibri" panose="020F0502020204030204" pitchFamily="34" charset="0"/>
+              <a:ea typeface="Calibri" panose="020F0502020204030204" pitchFamily="34" charset="0"/>
+              <a:cs typeface="Times New Roman" panose="02020603050405020304" pitchFamily="18" charset="0"/>
+            </a:endParaRPr>
+          </a:p>
+          <a:p>
+            <a:pPr marL="0" indent="0">
+              <a:buNone/>
+            </a:pPr>
+            <a:endParaRPr lang="de-DE" dirty="0" smtClean="0">
+              <a:latin typeface="+mj-lt"/>
+              <a:cs typeface="Consolas" panose="020B0609020204030204" pitchFamily="49" charset="0"/>
+            </a:endParaRPr>
+          </a:p>
+          <a:p>
+            <a:pPr marL="0" indent="0">
+              <a:buNone/>
+            </a:pPr>
+            <a:endParaRPr lang="en-US" dirty="0">
+              <a:latin typeface="+mj-lt"/>
+            </a:endParaRPr>
           </a:p>
         </p:txBody>
       </p:sp>
@@ -8437,7 +8256,7 @@
     </p:spTree>
     <p:extLst>
       <p:ext uri="{BB962C8B-B14F-4D97-AF65-F5344CB8AC3E}">
-        <p14:creationId xmlns:p14="http://schemas.microsoft.com/office/powerpoint/2010/main" val="3828946935"/>
+        <p14:creationId xmlns:p14="http://schemas.microsoft.com/office/powerpoint/2010/main" val="1959617668"/>
       </p:ext>
     </p:extLst>
   </p:cSld>
@@ -8463,7 +8282,7 @@
 </file>
 
 <file path=ppt/slides/slide15.xml><?xml version="1.0" encoding="utf-8"?>
-<p:sld xmlns:a="http://schemas.openxmlformats.org/drawingml/2006/main" xmlns:r="http://schemas.openxmlformats.org/officeDocument/2006/relationships" xmlns:p="http://schemas.openxmlformats.org/presentationml/2006/main" show="0">
+<p:sld xmlns:a="http://schemas.openxmlformats.org/drawingml/2006/main" xmlns:r="http://schemas.openxmlformats.org/officeDocument/2006/relationships" xmlns:p="http://schemas.openxmlformats.org/presentationml/2006/main">
   <p:cSld>
     <p:spTree>
       <p:nvGrpSpPr>
@@ -8495,19 +8314,8 @@
           <a:lstStyle/>
           <a:p>
             <a:r>
-              <a:rPr lang="de-DE" dirty="0" err="1" smtClean="0"/>
-              <a:t>Concise</a:t>
-            </a:r>
-            <a:r>
-              <a:rPr lang="de-DE" dirty="0" smtClean="0"/>
-              <a:t> </a:t>
-            </a:r>
-            <a:r>
-              <a:rPr lang="en-US" dirty="0" err="1">
-                <a:latin typeface="Consolas" panose="020B0609020204030204" pitchFamily="49" charset="0"/>
-                <a:cs typeface="Consolas" panose="020B0609020204030204" pitchFamily="49" charset="0"/>
-              </a:rPr>
-              <a:t>Optional#orElse</a:t>
+              <a:rPr lang="en-US" dirty="0" smtClean="0"/>
+              <a:t>Summary: Concise Syntax</a:t>
             </a:r>
             <a:endParaRPr lang="en-US" dirty="0"/>
           </a:p>
@@ -8525,80 +8333,78 @@
         </p:nvSpPr>
         <p:spPr>
           <a:xfrm>
-            <a:off x="454193" y="1837637"/>
-            <a:ext cx="8235263" cy="3988027"/>
+            <a:off x="454194" y="1837637"/>
+            <a:ext cx="8235122" cy="3988027"/>
           </a:xfrm>
         </p:spPr>
         <p:txBody>
           <a:bodyPr/>
           <a:lstStyle/>
           <a:p>
-            <a:pPr marL="0" indent="0">
-              <a:buNone/>
+            <a:r>
+              <a:rPr lang="en-US" dirty="0" smtClean="0"/>
+              <a:t>Creation by</a:t>
+            </a:r>
+          </a:p>
+          <a:p>
+            <a:pPr lvl="1">
+              <a:buFont typeface="Arial" panose="020B0604020202020204" pitchFamily="34" charset="0"/>
+              <a:buChar char="•"/>
             </a:pPr>
             <a:r>
-              <a:rPr lang="de-DE" dirty="0" err="1" smtClean="0"/>
-              <a:t>Introduced</a:t>
-            </a:r>
-            <a:r>
-              <a:rPr lang="de-DE" dirty="0" smtClean="0"/>
+              <a:rPr lang="en-US" dirty="0" smtClean="0">
+                <a:latin typeface="Consolas" panose="020B0609020204030204" pitchFamily="49" charset="0"/>
+                <a:cs typeface="Consolas" panose="020B0609020204030204" pitchFamily="49" charset="0"/>
+              </a:rPr>
+              <a:t>maybe</a:t>
+            </a:r>
+            <a:r>
+              <a:rPr lang="en-US" dirty="0" smtClean="0"/>
+              <a:t> / </a:t>
+            </a:r>
+            <a:r>
+              <a:rPr lang="en-US" dirty="0" smtClean="0">
+                <a:latin typeface="Consolas" panose="020B0609020204030204" pitchFamily="49" charset="0"/>
+                <a:cs typeface="Consolas" panose="020B0609020204030204" pitchFamily="49" charset="0"/>
+              </a:rPr>
+              <a:t>some</a:t>
+            </a:r>
+            <a:r>
+              <a:rPr lang="en-US" dirty="0" smtClean="0"/>
+              <a:t> / </a:t>
+            </a:r>
+            <a:r>
+              <a:rPr lang="en-US" dirty="0" smtClean="0">
+                <a:latin typeface="Consolas" panose="020B0609020204030204" pitchFamily="49" charset="0"/>
+                <a:cs typeface="Consolas" panose="020B0609020204030204" pitchFamily="49" charset="0"/>
+              </a:rPr>
+              <a:t>none</a:t>
+            </a:r>
+            <a:r>
+              <a:rPr lang="en-US" dirty="0" smtClean="0"/>
+              <a:t> / </a:t>
+            </a:r>
+            <a:r>
+              <a:rPr lang="en-US" dirty="0" smtClean="0">
+                <a:latin typeface="Consolas" panose="020B0609020204030204" pitchFamily="49" charset="0"/>
+                <a:cs typeface="Consolas" panose="020B0609020204030204" pitchFamily="49" charset="0"/>
+              </a:rPr>
+              <a:t>no&lt;Primitive&gt;</a:t>
+            </a:r>
+            <a:r>
+              <a:rPr lang="en-US" dirty="0" smtClean="0"/>
+              <a:t> / </a:t>
+            </a:r>
+            <a:r>
+              <a:rPr lang="en-US" dirty="0" err="1" smtClean="0">
+                <a:latin typeface="Consolas" panose="020B0609020204030204" pitchFamily="49" charset="0"/>
+                <a:cs typeface="Consolas" panose="020B0609020204030204" pitchFamily="49" charset="0"/>
+              </a:rPr>
+              <a:t>onlyIf</a:t>
+            </a:r>
+            <a:r>
+              <a:rPr lang="en-US" dirty="0" smtClean="0"/>
               <a:t> </a:t>
-            </a:r>
-            <a:r>
-              <a:rPr lang="de-DE" dirty="0" smtClean="0">
-                <a:latin typeface="Consolas" panose="020B0609020204030204" pitchFamily="49" charset="0"/>
-                <a:cs typeface="Consolas" panose="020B0609020204030204" pitchFamily="49" charset="0"/>
-              </a:rPr>
-              <a:t>?:</a:t>
-            </a:r>
-            <a:r>
-              <a:rPr lang="de-DE" dirty="0" smtClean="0"/>
-              <a:t> </a:t>
-            </a:r>
-            <a:r>
-              <a:rPr lang="de-DE" dirty="0" err="1" smtClean="0"/>
-              <a:t>operator</a:t>
-            </a:r>
-            <a:r>
-              <a:rPr lang="de-DE" dirty="0" smtClean="0"/>
-              <a:t> </a:t>
-            </a:r>
-            <a:r>
-              <a:rPr lang="de-DE" dirty="0" err="1" smtClean="0"/>
-              <a:t>as</a:t>
-            </a:r>
-            <a:r>
-              <a:rPr lang="de-DE" dirty="0" smtClean="0"/>
-              <a:t> alias </a:t>
-            </a:r>
-            <a:r>
-              <a:rPr lang="de-DE" dirty="0" err="1" smtClean="0"/>
-              <a:t>for</a:t>
-            </a:r>
-            <a:r>
-              <a:rPr lang="de-DE" dirty="0" smtClean="0"/>
-              <a:t> </a:t>
-            </a:r>
-            <a:r>
-              <a:rPr lang="en-US" dirty="0" err="1" smtClean="0">
-                <a:latin typeface="Consolas" panose="020B0609020204030204" pitchFamily="49" charset="0"/>
-                <a:cs typeface="Consolas" panose="020B0609020204030204" pitchFamily="49" charset="0"/>
-              </a:rPr>
-              <a:t>Optional#orElse</a:t>
-            </a:r>
-            <a:r>
-              <a:rPr lang="en-US" dirty="0" smtClean="0">
-                <a:latin typeface="Consolas" panose="020B0609020204030204" pitchFamily="49" charset="0"/>
-                <a:cs typeface="Consolas" panose="020B0609020204030204" pitchFamily="49" charset="0"/>
-              </a:rPr>
-              <a:t> / </a:t>
-            </a:r>
-            <a:r>
-              <a:rPr lang="en-US" dirty="0" err="1" smtClean="0">
-                <a:latin typeface="Consolas" panose="020B0609020204030204" pitchFamily="49" charset="0"/>
-                <a:cs typeface="Consolas" panose="020B0609020204030204" pitchFamily="49" charset="0"/>
-              </a:rPr>
-              <a:t>Optional#orElseGet</a:t>
             </a:r>
             <a:endParaRPr lang="en-US" dirty="0" smtClean="0">
               <a:latin typeface="Consolas" panose="020B0609020204030204" pitchFamily="49" charset="0"/>
@@ -8606,252 +8412,123 @@
             </a:endParaRPr>
           </a:p>
           <a:p>
-            <a:endParaRPr lang="de-DE" dirty="0">
-              <a:latin typeface="Consolas" panose="020B0609020204030204" pitchFamily="49" charset="0"/>
-              <a:cs typeface="Consolas" panose="020B0609020204030204" pitchFamily="49" charset="0"/>
-            </a:endParaRPr>
-          </a:p>
-          <a:p>
-            <a:pPr marL="0" indent="0">
-              <a:lnSpc>
-                <a:spcPct val="107000"/>
-              </a:lnSpc>
-              <a:spcAft>
-                <a:spcPts val="800"/>
-              </a:spcAft>
-              <a:buNone/>
+            <a:pPr lvl="1"/>
+            <a:endParaRPr lang="en-US" dirty="0" smtClean="0"/>
+          </a:p>
+          <a:p>
+            <a:r>
+              <a:rPr lang="en-US" dirty="0" err="1" smtClean="0"/>
+              <a:t>ifPresent</a:t>
+            </a:r>
+            <a:r>
+              <a:rPr lang="en-US" dirty="0" smtClean="0"/>
+              <a:t> shortcut: „extract operator“ </a:t>
+            </a:r>
+            <a:r>
+              <a:rPr lang="en-US" dirty="0" smtClean="0">
+                <a:latin typeface="Consolas" panose="020B0609020204030204" pitchFamily="49" charset="0"/>
+                <a:cs typeface="Consolas" panose="020B0609020204030204" pitchFamily="49" charset="0"/>
+              </a:rPr>
+              <a:t>&gt;&gt;</a:t>
+            </a:r>
+            <a:r>
+              <a:rPr lang="en-US" dirty="0" smtClean="0"/>
+              <a:t> for </a:t>
+            </a:r>
+          </a:p>
+          <a:p>
+            <a:pPr lvl="1">
+              <a:buFont typeface="Arial" panose="020B0604020202020204" pitchFamily="34" charset="0"/>
+              <a:buChar char="•"/>
             </a:pPr>
             <a:r>
-              <a:rPr lang="en-US" b="1" dirty="0" err="1">
-                <a:solidFill>
-                  <a:srgbClr val="7F0055"/>
-                </a:solidFill>
-                <a:latin typeface="Consolas" panose="020B0609020204030204" pitchFamily="49" charset="0"/>
-                <a:ea typeface="Calibri" panose="020F0502020204030204" pitchFamily="34" charset="0"/>
-                <a:cs typeface="Times New Roman" panose="02020603050405020304" pitchFamily="18" charset="0"/>
-              </a:rPr>
-              <a:t>val</a:t>
-            </a:r>
-            <a:r>
-              <a:rPr lang="en-US" dirty="0">
-                <a:solidFill>
-                  <a:srgbClr val="000000"/>
-                </a:solidFill>
-                <a:latin typeface="Consolas" panose="020B0609020204030204" pitchFamily="49" charset="0"/>
-                <a:ea typeface="Calibri" panose="020F0502020204030204" pitchFamily="34" charset="0"/>
-                <a:cs typeface="Times New Roman" panose="02020603050405020304" pitchFamily="18" charset="0"/>
-              </a:rPr>
+              <a:rPr lang="en-US" dirty="0" smtClean="0"/>
+              <a:t>Single and </a:t>
+            </a:r>
+          </a:p>
+          <a:p>
+            <a:pPr lvl="1">
+              <a:buFont typeface="Arial" panose="020B0604020202020204" pitchFamily="34" charset="0"/>
+              <a:buChar char="•"/>
+            </a:pPr>
+            <a:r>
+              <a:rPr lang="en-US" dirty="0" smtClean="0"/>
+              <a:t>Pair of </a:t>
+            </a:r>
+            <a:r>
+              <a:rPr lang="en-US" dirty="0" err="1" smtClean="0"/>
+              <a:t>Optionals</a:t>
+            </a:r>
+            <a:endParaRPr lang="en-US" dirty="0" smtClean="0"/>
+          </a:p>
+          <a:p>
+            <a:pPr lvl="1"/>
+            <a:endParaRPr lang="en-US" dirty="0" smtClean="0"/>
+          </a:p>
+          <a:p>
+            <a:r>
+              <a:rPr lang="en-US" dirty="0" err="1" smtClean="0"/>
+              <a:t>ifPresent</a:t>
+            </a:r>
+            <a:r>
+              <a:rPr lang="en-US" dirty="0" smtClean="0"/>
+              <a:t> – </a:t>
+            </a:r>
+            <a:r>
+              <a:rPr lang="en-US" dirty="0" err="1"/>
+              <a:t>elseDo</a:t>
+            </a:r>
+            <a:r>
+              <a:rPr lang="en-US" dirty="0" smtClean="0"/>
+              <a:t> syntax</a:t>
+            </a:r>
+          </a:p>
+          <a:p>
+            <a:pPr lvl="1"/>
+            <a:endParaRPr lang="en-US" dirty="0" smtClean="0"/>
+          </a:p>
+          <a:p>
+            <a:r>
+              <a:rPr lang="en-US" dirty="0" err="1" smtClean="0"/>
+              <a:t>orElse</a:t>
+            </a:r>
+            <a:r>
+              <a:rPr lang="en-US" dirty="0" smtClean="0"/>
+              <a:t> / </a:t>
+            </a:r>
+            <a:r>
+              <a:rPr lang="en-US" dirty="0" err="1" smtClean="0"/>
+              <a:t>orElseGet</a:t>
+            </a:r>
+            <a:r>
+              <a:rPr lang="en-US" dirty="0" smtClean="0"/>
+              <a:t> shortcut by „</a:t>
+            </a:r>
+            <a:r>
+              <a:rPr lang="en-US" dirty="0" err="1" smtClean="0"/>
+              <a:t>elvis</a:t>
+            </a:r>
+            <a:r>
+              <a:rPr lang="en-US" dirty="0" smtClean="0"/>
+              <a:t> operator“ </a:t>
+            </a:r>
+            <a:r>
+              <a:rPr lang="en-US" dirty="0" smtClean="0">
+                <a:latin typeface="Consolas" panose="020B0609020204030204" pitchFamily="49" charset="0"/>
+                <a:cs typeface="Consolas" panose="020B0609020204030204" pitchFamily="49" charset="0"/>
+              </a:rPr>
+              <a:t>?:</a:t>
+            </a:r>
+            <a:r>
+              <a:rPr lang="en-US" dirty="0" smtClean="0"/>
               <a:t> </a:t>
             </a:r>
-            <a:r>
-              <a:rPr lang="en-US" dirty="0" err="1">
-                <a:solidFill>
-                  <a:srgbClr val="000000"/>
-                </a:solidFill>
-                <a:latin typeface="Consolas" panose="020B0609020204030204" pitchFamily="49" charset="0"/>
-                <a:ea typeface="Calibri" panose="020F0502020204030204" pitchFamily="34" charset="0"/>
-                <a:cs typeface="Times New Roman" panose="02020603050405020304" pitchFamily="18" charset="0"/>
-              </a:rPr>
-              <a:t>len</a:t>
-            </a:r>
-            <a:r>
-              <a:rPr lang="en-US" dirty="0">
-                <a:solidFill>
-                  <a:srgbClr val="000000"/>
-                </a:solidFill>
-                <a:latin typeface="Consolas" panose="020B0609020204030204" pitchFamily="49" charset="0"/>
-                <a:ea typeface="Calibri" panose="020F0502020204030204" pitchFamily="34" charset="0"/>
-                <a:cs typeface="Times New Roman" panose="02020603050405020304" pitchFamily="18" charset="0"/>
-              </a:rPr>
-              <a:t> = </a:t>
-            </a:r>
-            <a:r>
-              <a:rPr lang="en-US" i="1" dirty="0">
-                <a:solidFill>
-                  <a:srgbClr val="000000"/>
-                </a:solidFill>
-                <a:latin typeface="Consolas" panose="020B0609020204030204" pitchFamily="49" charset="0"/>
-                <a:ea typeface="Calibri" panose="020F0502020204030204" pitchFamily="34" charset="0"/>
-                <a:cs typeface="Times New Roman" panose="02020603050405020304" pitchFamily="18" charset="0"/>
-              </a:rPr>
-              <a:t>some</a:t>
-            </a:r>
-            <a:r>
-              <a:rPr lang="en-US" dirty="0">
-                <a:solidFill>
-                  <a:srgbClr val="000000"/>
-                </a:solidFill>
-                <a:latin typeface="Consolas" panose="020B0609020204030204" pitchFamily="49" charset="0"/>
-                <a:ea typeface="Calibri" panose="020F0502020204030204" pitchFamily="34" charset="0"/>
-                <a:cs typeface="Times New Roman" panose="02020603050405020304" pitchFamily="18" charset="0"/>
-              </a:rPr>
-              <a:t>(</a:t>
-            </a:r>
-            <a:r>
-              <a:rPr lang="en-US" dirty="0">
-                <a:solidFill>
-                  <a:srgbClr val="2A00FF"/>
-                </a:solidFill>
-                <a:latin typeface="Consolas" panose="020B0609020204030204" pitchFamily="49" charset="0"/>
-                <a:ea typeface="Calibri" panose="020F0502020204030204" pitchFamily="34" charset="0"/>
-                <a:cs typeface="Times New Roman" panose="02020603050405020304" pitchFamily="18" charset="0"/>
-              </a:rPr>
-              <a:t>"wee"</a:t>
-            </a:r>
-            <a:r>
-              <a:rPr lang="en-US" dirty="0">
-                <a:solidFill>
-                  <a:srgbClr val="000000"/>
-                </a:solidFill>
-                <a:latin typeface="Consolas" panose="020B0609020204030204" pitchFamily="49" charset="0"/>
-                <a:ea typeface="Calibri" panose="020F0502020204030204" pitchFamily="34" charset="0"/>
-                <a:cs typeface="Times New Roman" panose="02020603050405020304" pitchFamily="18" charset="0"/>
-              </a:rPr>
-              <a:t>).map[length] ?: </a:t>
-            </a:r>
-            <a:r>
-              <a:rPr lang="en-US" dirty="0">
-                <a:solidFill>
-                  <a:srgbClr val="7D7D7D"/>
-                </a:solidFill>
-                <a:latin typeface="Consolas" panose="020B0609020204030204" pitchFamily="49" charset="0"/>
-                <a:ea typeface="Calibri" panose="020F0502020204030204" pitchFamily="34" charset="0"/>
-                <a:cs typeface="Times New Roman" panose="02020603050405020304" pitchFamily="18" charset="0"/>
-              </a:rPr>
-              <a:t>0</a:t>
-            </a:r>
-            <a:endParaRPr lang="en-US" sz="2000" dirty="0">
-              <a:latin typeface="Calibri" panose="020F0502020204030204" pitchFamily="34" charset="0"/>
-              <a:ea typeface="Calibri" panose="020F0502020204030204" pitchFamily="34" charset="0"/>
-              <a:cs typeface="Times New Roman" panose="02020603050405020304" pitchFamily="18" charset="0"/>
-            </a:endParaRPr>
-          </a:p>
-          <a:p>
-            <a:endParaRPr lang="en-US" dirty="0" smtClean="0">
-              <a:latin typeface="Consolas" panose="020B0609020204030204" pitchFamily="49" charset="0"/>
-              <a:cs typeface="Consolas" panose="020B0609020204030204" pitchFamily="49" charset="0"/>
-            </a:endParaRPr>
-          </a:p>
-          <a:p>
-            <a:pPr marL="0" indent="0">
-              <a:lnSpc>
-                <a:spcPct val="107000"/>
-              </a:lnSpc>
-              <a:spcAft>
-                <a:spcPts val="800"/>
-              </a:spcAft>
-              <a:buNone/>
-            </a:pPr>
-            <a:r>
-              <a:rPr lang="en-US" b="1" dirty="0" err="1">
-                <a:solidFill>
-                  <a:srgbClr val="7F0055"/>
-                </a:solidFill>
-                <a:latin typeface="Consolas" panose="020B0609020204030204" pitchFamily="49" charset="0"/>
-                <a:ea typeface="Calibri" panose="020F0502020204030204" pitchFamily="34" charset="0"/>
-                <a:cs typeface="Times New Roman" panose="02020603050405020304" pitchFamily="18" charset="0"/>
-              </a:rPr>
-              <a:t>val</a:t>
-            </a:r>
-            <a:r>
-              <a:rPr lang="en-US" dirty="0">
-                <a:solidFill>
-                  <a:srgbClr val="000000"/>
-                </a:solidFill>
-                <a:latin typeface="Consolas" panose="020B0609020204030204" pitchFamily="49" charset="0"/>
-                <a:ea typeface="Calibri" panose="020F0502020204030204" pitchFamily="34" charset="0"/>
-                <a:cs typeface="Times New Roman" panose="02020603050405020304" pitchFamily="18" charset="0"/>
-              </a:rPr>
-              <a:t> display = </a:t>
-            </a:r>
-            <a:r>
-              <a:rPr lang="en-US" i="1" dirty="0">
-                <a:solidFill>
-                  <a:srgbClr val="000000"/>
-                </a:solidFill>
-                <a:latin typeface="Consolas" panose="020B0609020204030204" pitchFamily="49" charset="0"/>
-                <a:ea typeface="Calibri" panose="020F0502020204030204" pitchFamily="34" charset="0"/>
-                <a:cs typeface="Times New Roman" panose="02020603050405020304" pitchFamily="18" charset="0"/>
-              </a:rPr>
-              <a:t>maybe</a:t>
-            </a:r>
-            <a:r>
-              <a:rPr lang="en-US" dirty="0">
-                <a:solidFill>
-                  <a:srgbClr val="000000"/>
-                </a:solidFill>
-                <a:latin typeface="Consolas" panose="020B0609020204030204" pitchFamily="49" charset="0"/>
-                <a:ea typeface="Calibri" panose="020F0502020204030204" pitchFamily="34" charset="0"/>
-                <a:cs typeface="Times New Roman" panose="02020603050405020304" pitchFamily="18" charset="0"/>
-              </a:rPr>
-              <a:t>(</a:t>
-            </a:r>
-            <a:r>
-              <a:rPr lang="en-US" i="1" dirty="0" err="1">
-                <a:solidFill>
-                  <a:srgbClr val="000000"/>
-                </a:solidFill>
-                <a:latin typeface="Consolas" panose="020B0609020204030204" pitchFamily="49" charset="0"/>
-                <a:ea typeface="Calibri" panose="020F0502020204030204" pitchFamily="34" charset="0"/>
-                <a:cs typeface="Times New Roman" panose="02020603050405020304" pitchFamily="18" charset="0"/>
-              </a:rPr>
-              <a:t>fetchName</a:t>
-            </a:r>
-            <a:r>
-              <a:rPr lang="en-US" dirty="0">
-                <a:solidFill>
-                  <a:srgbClr val="000000"/>
-                </a:solidFill>
-                <a:latin typeface="Consolas" panose="020B0609020204030204" pitchFamily="49" charset="0"/>
-                <a:ea typeface="Calibri" panose="020F0502020204030204" pitchFamily="34" charset="0"/>
-                <a:cs typeface="Times New Roman" panose="02020603050405020304" pitchFamily="18" charset="0"/>
-              </a:rPr>
-              <a:t>()) ?: [</a:t>
-            </a:r>
-            <a:r>
-              <a:rPr lang="en-US" i="1" dirty="0" err="1">
-                <a:solidFill>
-                  <a:srgbClr val="000000"/>
-                </a:solidFill>
-                <a:latin typeface="Consolas" panose="020B0609020204030204" pitchFamily="49" charset="0"/>
-                <a:ea typeface="Calibri" panose="020F0502020204030204" pitchFamily="34" charset="0"/>
-                <a:cs typeface="Times New Roman" panose="02020603050405020304" pitchFamily="18" charset="0"/>
-              </a:rPr>
-              <a:t>fetchUserNick</a:t>
-            </a:r>
-            <a:r>
-              <a:rPr lang="en-US" dirty="0">
-                <a:solidFill>
-                  <a:srgbClr val="000000"/>
-                </a:solidFill>
-                <a:latin typeface="Consolas" panose="020B0609020204030204" pitchFamily="49" charset="0"/>
-                <a:ea typeface="Calibri" panose="020F0502020204030204" pitchFamily="34" charset="0"/>
-                <a:cs typeface="Times New Roman" panose="02020603050405020304" pitchFamily="18" charset="0"/>
-              </a:rPr>
-              <a:t>()]</a:t>
-            </a:r>
-            <a:endParaRPr lang="en-US" sz="2000" dirty="0">
-              <a:latin typeface="Calibri" panose="020F0502020204030204" pitchFamily="34" charset="0"/>
-              <a:ea typeface="Calibri" panose="020F0502020204030204" pitchFamily="34" charset="0"/>
-              <a:cs typeface="Times New Roman" panose="02020603050405020304" pitchFamily="18" charset="0"/>
-            </a:endParaRPr>
           </a:p>
           <a:p>
             <a:pPr marL="0" indent="0">
               <a:buNone/>
             </a:pPr>
-            <a:endParaRPr lang="de-DE" dirty="0" smtClean="0">
-              <a:latin typeface="+mj-lt"/>
-              <a:cs typeface="Consolas" panose="020B0609020204030204" pitchFamily="49" charset="0"/>
-            </a:endParaRPr>
-          </a:p>
-          <a:p>
-            <a:pPr marL="0" indent="0">
-              <a:buNone/>
-            </a:pPr>
-            <a:endParaRPr lang="en-US" dirty="0">
-              <a:latin typeface="+mj-lt"/>
-            </a:endParaRPr>
+            <a:endParaRPr lang="en-US" dirty="0"/>
           </a:p>
         </p:txBody>
       </p:sp>
@@ -8898,19 +8575,19 @@
           <a:lstStyle/>
           <a:p>
             <a:r>
-              <a:rPr lang="en-US" dirty="0"/>
+              <a:rPr lang="en-US" dirty="0" smtClean="0"/>
               <a:t>Java 8 </a:t>
             </a:r>
             <a:r>
-              <a:rPr lang="en-US" dirty="0" err="1"/>
+              <a:rPr lang="en-US" dirty="0" err="1" smtClean="0"/>
               <a:t>Optionals</a:t>
             </a:r>
             <a:r>
-              <a:rPr lang="en-US" dirty="0"/>
+              <a:rPr lang="en-US" dirty="0" smtClean="0"/>
               <a:t> with </a:t>
             </a:r>
             <a:r>
-              <a:rPr lang="en-US" dirty="0" err="1"/>
+              <a:rPr lang="en-US" dirty="0" err="1" smtClean="0"/>
               <a:t>XTend</a:t>
             </a:r>
             <a:endParaRPr lang="en-US" dirty="0"/>
@@ -8920,21 +8597,13 @@
     </p:spTree>
     <p:extLst>
       <p:ext uri="{BB962C8B-B14F-4D97-AF65-F5344CB8AC3E}">
-        <p14:creationId xmlns:p14="http://schemas.microsoft.com/office/powerpoint/2010/main" val="1959617668"/>
+        <p14:creationId xmlns:p14="http://schemas.microsoft.com/office/powerpoint/2010/main" val="2572114849"/>
       </p:ext>
     </p:extLst>
   </p:cSld>
   <p:clrMapOvr>
     <a:masterClrMapping/>
   </p:clrMapOvr>
-  <mc:AlternateContent xmlns:mc="http://schemas.openxmlformats.org/markup-compatibility/2006" xmlns:p14="http://schemas.microsoft.com/office/powerpoint/2010/main">
-    <mc:Choice Requires="p14">
-      <p:transition spd="slow" p14:dur="2000"/>
-    </mc:Choice>
-    <mc:Fallback xmlns="">
-      <p:transition spd="slow"/>
-    </mc:Fallback>
-  </mc:AlternateContent>
   <p:timing>
     <p:tnLst>
       <p:par>
@@ -8979,7 +8648,15 @@
           <a:p>
             <a:r>
               <a:rPr lang="en-US" dirty="0" smtClean="0"/>
-              <a:t>Summary: Concise Syntax</a:t>
+              <a:t>What is Missing in Java 8 </a:t>
+            </a:r>
+            <a:r>
+              <a:rPr lang="en-US" dirty="0" err="1" smtClean="0"/>
+              <a:t>Optionals</a:t>
+            </a:r>
+            <a:r>
+              <a:rPr lang="en-US" dirty="0" smtClean="0"/>
+              <a:t>?</a:t>
             </a:r>
             <a:endParaRPr lang="en-US" dirty="0"/>
           </a:p>
@@ -8998,7 +8675,7 @@
         <p:spPr>
           <a:xfrm>
             <a:off x="454194" y="1837637"/>
-            <a:ext cx="8235122" cy="3988027"/>
+            <a:ext cx="8235122" cy="1225603"/>
           </a:xfrm>
         </p:spPr>
         <p:txBody>
@@ -9007,191 +8684,24 @@
           <a:p>
             <a:r>
               <a:rPr lang="en-US" dirty="0" smtClean="0"/>
-              <a:t>Creation by</a:t>
-            </a:r>
-          </a:p>
-          <a:p>
-            <a:pPr lvl="1">
-              <a:buFont typeface="Arial" panose="020B0604020202020204" pitchFamily="34" charset="0"/>
-              <a:buChar char="•"/>
-            </a:pPr>
-            <a:r>
-              <a:rPr lang="en-US" dirty="0" smtClean="0">
-                <a:latin typeface="Consolas" panose="020B0609020204030204" pitchFamily="49" charset="0"/>
-                <a:cs typeface="Consolas" panose="020B0609020204030204" pitchFamily="49" charset="0"/>
-              </a:rPr>
-              <a:t>maybe</a:t>
+              <a:t>Primitive </a:t>
+            </a:r>
+            <a:r>
+              <a:rPr lang="en-US" dirty="0" err="1" smtClean="0"/>
+              <a:t>optionals</a:t>
             </a:r>
             <a:r>
               <a:rPr lang="en-US" dirty="0" smtClean="0"/>
-              <a:t> / </a:t>
-            </a:r>
-            <a:r>
-              <a:rPr lang="en-US" dirty="0" smtClean="0">
-                <a:latin typeface="Consolas" panose="020B0609020204030204" pitchFamily="49" charset="0"/>
-                <a:cs typeface="Consolas" panose="020B0609020204030204" pitchFamily="49" charset="0"/>
-              </a:rPr>
-              <a:t>some</a:t>
-            </a:r>
+              <a:t> do not have map and filter functions</a:t>
+            </a:r>
+          </a:p>
+          <a:p>
             <a:r>
               <a:rPr lang="en-US" dirty="0" smtClean="0"/>
-              <a:t> / </a:t>
-            </a:r>
-            <a:r>
-              <a:rPr lang="en-US" dirty="0" smtClean="0">
-                <a:latin typeface="Consolas" panose="020B0609020204030204" pitchFamily="49" charset="0"/>
-                <a:cs typeface="Consolas" panose="020B0609020204030204" pitchFamily="49" charset="0"/>
-              </a:rPr>
-              <a:t>none</a:t>
-            </a:r>
-            <a:r>
-              <a:rPr lang="en-US" dirty="0" smtClean="0"/>
-              <a:t> / </a:t>
-            </a:r>
-            <a:r>
-              <a:rPr lang="en-US" dirty="0" smtClean="0">
-                <a:latin typeface="Consolas" panose="020B0609020204030204" pitchFamily="49" charset="0"/>
-                <a:cs typeface="Consolas" panose="020B0609020204030204" pitchFamily="49" charset="0"/>
-              </a:rPr>
-              <a:t>no&lt;Primitive&gt;</a:t>
-            </a:r>
-            <a:r>
-              <a:rPr lang="en-US" dirty="0" smtClean="0"/>
-              <a:t> / </a:t>
-            </a:r>
-            <a:r>
-              <a:rPr lang="en-US" dirty="0" err="1" smtClean="0">
-                <a:latin typeface="Consolas" panose="020B0609020204030204" pitchFamily="49" charset="0"/>
-                <a:cs typeface="Consolas" panose="020B0609020204030204" pitchFamily="49" charset="0"/>
-              </a:rPr>
-              <a:t>onlyIf</a:t>
-            </a:r>
-            <a:r>
-              <a:rPr lang="en-US" dirty="0" smtClean="0"/>
-              <a:t> </a:t>
-            </a:r>
-            <a:endParaRPr lang="en-US" dirty="0" smtClean="0">
-              <a:latin typeface="Consolas" panose="020B0609020204030204" pitchFamily="49" charset="0"/>
-              <a:cs typeface="Consolas" panose="020B0609020204030204" pitchFamily="49" charset="0"/>
-            </a:endParaRPr>
-          </a:p>
-          <a:p>
-            <a:pPr lvl="1"/>
-            <a:endParaRPr lang="en-US" dirty="0" smtClean="0"/>
-          </a:p>
-          <a:p>
-            <a:r>
-              <a:rPr lang="en-US" dirty="0" err="1" smtClean="0"/>
-              <a:t>ifPresent</a:t>
-            </a:r>
-            <a:r>
-              <a:rPr lang="en-US" dirty="0" smtClean="0"/>
-              <a:t> shortcut: „extract operator“ </a:t>
-            </a:r>
-            <a:r>
-              <a:rPr lang="en-US" dirty="0" smtClean="0">
-                <a:latin typeface="Consolas" panose="020B0609020204030204" pitchFamily="49" charset="0"/>
-                <a:cs typeface="Consolas" panose="020B0609020204030204" pitchFamily="49" charset="0"/>
-              </a:rPr>
-              <a:t>&gt;&gt;</a:t>
-            </a:r>
-            <a:r>
-              <a:rPr lang="en-US" dirty="0" smtClean="0"/>
-              <a:t> for </a:t>
-            </a:r>
-          </a:p>
-          <a:p>
-            <a:pPr lvl="1">
-              <a:buFont typeface="Arial" panose="020B0604020202020204" pitchFamily="34" charset="0"/>
-              <a:buChar char="•"/>
-            </a:pPr>
-            <a:r>
-              <a:rPr lang="en-US" dirty="0" smtClean="0"/>
-              <a:t>Single and </a:t>
-            </a:r>
-          </a:p>
-          <a:p>
-            <a:pPr lvl="1">
-              <a:buFont typeface="Arial" panose="020B0604020202020204" pitchFamily="34" charset="0"/>
-              <a:buChar char="•"/>
-            </a:pPr>
-            <a:r>
-              <a:rPr lang="en-US" dirty="0" smtClean="0"/>
-              <a:t>Pair of </a:t>
-            </a:r>
-            <a:r>
-              <a:rPr lang="en-US" dirty="0" err="1" smtClean="0"/>
-              <a:t>Optionals</a:t>
-            </a:r>
-            <a:endParaRPr lang="en-US" dirty="0" smtClean="0"/>
-          </a:p>
-          <a:p>
-            <a:pPr lvl="1"/>
-            <a:endParaRPr lang="en-US" dirty="0" smtClean="0"/>
-          </a:p>
-          <a:p>
-            <a:r>
-              <a:rPr lang="en-US" dirty="0" err="1" smtClean="0"/>
-              <a:t>ifPresent</a:t>
-            </a:r>
-            <a:r>
-              <a:rPr lang="en-US" dirty="0" smtClean="0"/>
-              <a:t> – </a:t>
-            </a:r>
-            <a:r>
-              <a:rPr lang="en-US" dirty="0" err="1"/>
-              <a:t>elseDo</a:t>
-            </a:r>
-            <a:r>
-              <a:rPr lang="en-US" dirty="0" smtClean="0"/>
-              <a:t> syntax</a:t>
-            </a:r>
-          </a:p>
-          <a:p>
-            <a:pPr lvl="1"/>
-            <a:endParaRPr lang="en-US" dirty="0" smtClean="0"/>
-          </a:p>
-          <a:p>
-            <a:r>
-              <a:rPr lang="en-US" dirty="0" err="1" smtClean="0"/>
-              <a:t>orElse</a:t>
-            </a:r>
-            <a:r>
-              <a:rPr lang="en-US" dirty="0" smtClean="0"/>
-              <a:t> / </a:t>
-            </a:r>
-            <a:r>
-              <a:rPr lang="en-US" dirty="0" err="1" smtClean="0"/>
-              <a:t>orElseGet</a:t>
-            </a:r>
-            <a:r>
-              <a:rPr lang="en-US" dirty="0" smtClean="0"/>
-              <a:t> shortcut by „</a:t>
-            </a:r>
-            <a:r>
-              <a:rPr lang="en-US" dirty="0" err="1" smtClean="0"/>
-              <a:t>elvis</a:t>
-            </a:r>
-            <a:r>
-              <a:rPr lang="en-US" dirty="0" smtClean="0"/>
-              <a:t> operator“ </a:t>
-            </a:r>
-            <a:r>
-              <a:rPr lang="en-US" dirty="0" smtClean="0">
-                <a:latin typeface="Consolas" panose="020B0609020204030204" pitchFamily="49" charset="0"/>
-                <a:cs typeface="Consolas" panose="020B0609020204030204" pitchFamily="49" charset="0"/>
-              </a:rPr>
-              <a:t>?:</a:t>
-            </a:r>
-            <a:r>
-              <a:rPr lang="en-US" dirty="0" smtClean="0"/>
-              <a:t> </a:t>
-            </a:r>
-          </a:p>
-          <a:p>
-            <a:pPr marL="0" indent="0">
-              <a:buNone/>
-            </a:pPr>
+              <a:t>No map to primitive optional (only map to boxed version)</a:t>
+            </a:r>
+          </a:p>
+          <a:p>
             <a:endParaRPr lang="en-US" dirty="0"/>
           </a:p>
         </p:txBody>
@@ -9258,10 +8768,409 @@
           </a:p>
         </p:txBody>
       </p:sp>
+      <p:sp>
+        <p:nvSpPr>
+          <p:cNvPr id="6" name="Textplatzhalter 1"/>
+          <p:cNvSpPr txBox="1">
+            <a:spLocks/>
+          </p:cNvSpPr>
+          <p:nvPr/>
+        </p:nvSpPr>
+        <p:spPr>
+          <a:xfrm>
+            <a:off x="448288" y="3460590"/>
+            <a:ext cx="8235037" cy="605317"/>
+          </a:xfrm>
+          <a:prstGeom prst="rect">
+            <a:avLst/>
+          </a:prstGeom>
+        </p:spPr>
+        <p:txBody>
+          <a:bodyPr vert="horz" lIns="107968" tIns="0" rIns="0" bIns="0" rtlCol="0">
+            <a:noAutofit/>
+          </a:bodyPr>
+          <a:lstStyle>
+            <a:lvl1pPr marL="0" indent="0" algn="l" defTabSz="914126" rtl="0" eaLnBrk="1" latinLnBrk="0" hangingPunct="1">
+              <a:lnSpc>
+                <a:spcPts val="2020"/>
+              </a:lnSpc>
+              <a:spcBef>
+                <a:spcPct val="20000"/>
+              </a:spcBef>
+              <a:buClrTx/>
+              <a:buFont typeface="Symbol" charset="2"/>
+              <a:buNone/>
+              <a:tabLst/>
+              <a:defRPr lang="de-DE" sz="1800" b="1" kern="1200" dirty="0" smtClean="0">
+                <a:solidFill>
+                  <a:schemeClr val="tx2"/>
+                </a:solidFill>
+                <a:latin typeface="+mn-lt"/>
+                <a:ea typeface="+mn-ea"/>
+                <a:cs typeface="+mn-cs"/>
+              </a:defRPr>
+            </a:lvl1pPr>
+            <a:lvl2pPr marL="257326" indent="-257326" algn="l" defTabSz="914126" rtl="0" eaLnBrk="1" latinLnBrk="0" hangingPunct="1">
+              <a:spcBef>
+                <a:spcPct val="20000"/>
+              </a:spcBef>
+              <a:buClrTx/>
+              <a:buFont typeface="Symbol" charset="2"/>
+              <a:buChar char="-"/>
+              <a:tabLst/>
+              <a:defRPr lang="de-DE" sz="1800" b="1" kern="1200" dirty="0" smtClean="0">
+                <a:solidFill>
+                  <a:srgbClr val="FBBA00"/>
+                </a:solidFill>
+                <a:latin typeface="+mn-lt"/>
+                <a:ea typeface="+mn-ea"/>
+                <a:cs typeface="+mn-cs"/>
+              </a:defRPr>
+            </a:lvl2pPr>
+            <a:lvl3pPr marL="716428" indent="-240321" algn="l" defTabSz="914126" rtl="0" eaLnBrk="1" latinLnBrk="0" hangingPunct="1">
+              <a:lnSpc>
+                <a:spcPts val="2020"/>
+              </a:lnSpc>
+              <a:spcBef>
+                <a:spcPct val="20000"/>
+              </a:spcBef>
+              <a:buClrTx/>
+              <a:buFont typeface="Symbol" charset="2"/>
+              <a:buChar char="-"/>
+              <a:defRPr lang="de-DE" sz="1600" kern="1200" dirty="0" smtClean="0">
+                <a:solidFill>
+                  <a:schemeClr val="tx1">
+                    <a:lumMod val="85000"/>
+                    <a:lumOff val="15000"/>
+                  </a:schemeClr>
+                </a:solidFill>
+                <a:latin typeface="Arial" pitchFamily="34" charset="0"/>
+                <a:ea typeface="+mn-ea"/>
+                <a:cs typeface="Arial" pitchFamily="34" charset="0"/>
+              </a:defRPr>
+            </a:lvl3pPr>
+            <a:lvl4pPr marL="501046" indent="-266394" algn="l" defTabSz="914126" rtl="0" eaLnBrk="1" latinLnBrk="0" hangingPunct="1">
+              <a:lnSpc>
+                <a:spcPts val="2020"/>
+              </a:lnSpc>
+              <a:spcBef>
+                <a:spcPct val="20000"/>
+              </a:spcBef>
+              <a:buFont typeface="Arial" pitchFamily="34" charset="0"/>
+              <a:buChar char="–"/>
+              <a:defRPr sz="1600" kern="1200">
+                <a:solidFill>
+                  <a:schemeClr val="tx1"/>
+                </a:solidFill>
+                <a:latin typeface="Arial" pitchFamily="34" charset="0"/>
+                <a:ea typeface="+mn-ea"/>
+                <a:cs typeface="Arial" pitchFamily="34" charset="0"/>
+              </a:defRPr>
+            </a:lvl4pPr>
+            <a:lvl5pPr marL="2056782" indent="-228531" algn="l" defTabSz="914126" rtl="0" eaLnBrk="1" latinLnBrk="0" hangingPunct="1">
+              <a:spcBef>
+                <a:spcPct val="20000"/>
+              </a:spcBef>
+              <a:buFont typeface="Arial" pitchFamily="34" charset="0"/>
+              <a:buChar char="»"/>
+              <a:defRPr sz="2400" kern="1200">
+                <a:solidFill>
+                  <a:schemeClr val="tx1"/>
+                </a:solidFill>
+                <a:latin typeface="Arial" pitchFamily="34" charset="0"/>
+                <a:ea typeface="+mn-ea"/>
+                <a:cs typeface="Arial" pitchFamily="34" charset="0"/>
+              </a:defRPr>
+            </a:lvl5pPr>
+            <a:lvl6pPr marL="2513845" indent="-228531" algn="l" defTabSz="914126" rtl="0" eaLnBrk="1" latinLnBrk="0" hangingPunct="1">
+              <a:spcBef>
+                <a:spcPct val="20000"/>
+              </a:spcBef>
+              <a:buFont typeface="Arial" pitchFamily="34" charset="0"/>
+              <a:buChar char="•"/>
+              <a:defRPr sz="2000" kern="1200">
+                <a:solidFill>
+                  <a:schemeClr val="tx1"/>
+                </a:solidFill>
+                <a:latin typeface="+mn-lt"/>
+                <a:ea typeface="+mn-ea"/>
+                <a:cs typeface="+mn-cs"/>
+              </a:defRPr>
+            </a:lvl6pPr>
+            <a:lvl7pPr marL="2970908" indent="-228531" algn="l" defTabSz="914126" rtl="0" eaLnBrk="1" latinLnBrk="0" hangingPunct="1">
+              <a:spcBef>
+                <a:spcPct val="20000"/>
+              </a:spcBef>
+              <a:buFont typeface="Arial" pitchFamily="34" charset="0"/>
+              <a:buChar char="•"/>
+              <a:defRPr sz="2000" kern="1200">
+                <a:solidFill>
+                  <a:schemeClr val="tx1"/>
+                </a:solidFill>
+                <a:latin typeface="+mn-lt"/>
+                <a:ea typeface="+mn-ea"/>
+                <a:cs typeface="+mn-cs"/>
+              </a:defRPr>
+            </a:lvl7pPr>
+            <a:lvl8pPr marL="3427970" indent="-228531" algn="l" defTabSz="914126" rtl="0" eaLnBrk="1" latinLnBrk="0" hangingPunct="1">
+              <a:spcBef>
+                <a:spcPct val="20000"/>
+              </a:spcBef>
+              <a:buFont typeface="Arial" pitchFamily="34" charset="0"/>
+              <a:buChar char="•"/>
+              <a:defRPr sz="2000" kern="1200">
+                <a:solidFill>
+                  <a:schemeClr val="tx1"/>
+                </a:solidFill>
+                <a:latin typeface="+mn-lt"/>
+                <a:ea typeface="+mn-ea"/>
+                <a:cs typeface="+mn-cs"/>
+              </a:defRPr>
+            </a:lvl8pPr>
+            <a:lvl9pPr marL="3885033" indent="-228531" algn="l" defTabSz="914126" rtl="0" eaLnBrk="1" latinLnBrk="0" hangingPunct="1">
+              <a:spcBef>
+                <a:spcPct val="20000"/>
+              </a:spcBef>
+              <a:buFont typeface="Arial" pitchFamily="34" charset="0"/>
+              <a:buChar char="•"/>
+              <a:defRPr sz="2000" kern="1200">
+                <a:solidFill>
+                  <a:schemeClr val="tx1"/>
+                </a:solidFill>
+                <a:latin typeface="+mn-lt"/>
+                <a:ea typeface="+mn-ea"/>
+                <a:cs typeface="+mn-cs"/>
+              </a:defRPr>
+            </a:lvl9pPr>
+          </a:lstStyle>
+          <a:p>
+            <a:r>
+              <a:rPr lang="en-US" dirty="0" smtClean="0"/>
+              <a:t>Can we Add Missing Functions in </a:t>
+            </a:r>
+            <a:r>
+              <a:rPr lang="en-US" dirty="0" err="1" smtClean="0"/>
+              <a:t>Xtend</a:t>
+            </a:r>
+            <a:r>
+              <a:rPr lang="en-US" dirty="0" smtClean="0"/>
+              <a:t>?</a:t>
+            </a:r>
+            <a:endParaRPr lang="en-US" dirty="0"/>
+          </a:p>
+        </p:txBody>
+      </p:sp>
+      <p:sp>
+        <p:nvSpPr>
+          <p:cNvPr id="7" name="Inhaltsplatzhalter 2"/>
+          <p:cNvSpPr txBox="1">
+            <a:spLocks/>
+          </p:cNvSpPr>
+          <p:nvPr/>
+        </p:nvSpPr>
+        <p:spPr>
+          <a:xfrm>
+            <a:off x="448062" y="4077917"/>
+            <a:ext cx="8235122" cy="1622953"/>
+          </a:xfrm>
+          <a:prstGeom prst="rect">
+            <a:avLst/>
+          </a:prstGeom>
+        </p:spPr>
+        <p:txBody>
+          <a:bodyPr vert="horz" lIns="102826" tIns="0" rIns="0" bIns="0" rtlCol="0">
+            <a:noAutofit/>
+          </a:bodyPr>
+          <a:lstStyle>
+            <a:lvl1pPr marL="209714" indent="-209714" algn="l" defTabSz="914126" rtl="0" eaLnBrk="1" latinLnBrk="0" hangingPunct="1">
+              <a:lnSpc>
+                <a:spcPts val="2020"/>
+              </a:lnSpc>
+              <a:spcBef>
+                <a:spcPct val="20000"/>
+              </a:spcBef>
+              <a:buClrTx/>
+              <a:buFont typeface="Symbol" charset="2"/>
+              <a:buChar char="-"/>
+              <a:tabLst/>
+              <a:defRPr lang="de-DE" sz="1600" kern="1200">
+                <a:solidFill>
+                  <a:schemeClr val="tx1">
+                    <a:lumMod val="85000"/>
+                    <a:lumOff val="15000"/>
+                  </a:schemeClr>
+                </a:solidFill>
+                <a:latin typeface="Arial" pitchFamily="34" charset="0"/>
+                <a:ea typeface="+mn-ea"/>
+                <a:cs typeface="Arial" pitchFamily="34" charset="0"/>
+              </a:defRPr>
+            </a:lvl1pPr>
+            <a:lvl2pPr marL="469306" indent="-215382" algn="l" defTabSz="914126" rtl="0" eaLnBrk="1" latinLnBrk="0" hangingPunct="1">
+              <a:spcBef>
+                <a:spcPct val="20000"/>
+              </a:spcBef>
+              <a:buClrTx/>
+              <a:buFont typeface="Symbol" charset="2"/>
+              <a:buChar char="-"/>
+              <a:tabLst/>
+              <a:defRPr lang="de-DE" sz="1600" kern="1200">
+                <a:solidFill>
+                  <a:schemeClr val="tx1">
+                    <a:lumMod val="85000"/>
+                    <a:lumOff val="15000"/>
+                  </a:schemeClr>
+                </a:solidFill>
+                <a:latin typeface="Arial" pitchFamily="34" charset="0"/>
+                <a:ea typeface="+mn-ea"/>
+                <a:cs typeface="Arial" pitchFamily="34" charset="0"/>
+              </a:defRPr>
+            </a:lvl2pPr>
+            <a:lvl3pPr marL="697156" indent="-221050" algn="l" defTabSz="914126" rtl="0" eaLnBrk="1" latinLnBrk="0" hangingPunct="1">
+              <a:lnSpc>
+                <a:spcPts val="2020"/>
+              </a:lnSpc>
+              <a:spcBef>
+                <a:spcPct val="20000"/>
+              </a:spcBef>
+              <a:buClrTx/>
+              <a:buFont typeface="Symbol" charset="2"/>
+              <a:buChar char="-"/>
+              <a:defRPr lang="de-DE" sz="1600" kern="1200">
+                <a:solidFill>
+                  <a:schemeClr val="tx1">
+                    <a:lumMod val="85000"/>
+                    <a:lumOff val="15000"/>
+                  </a:schemeClr>
+                </a:solidFill>
+                <a:latin typeface="Arial" pitchFamily="34" charset="0"/>
+                <a:ea typeface="+mn-ea"/>
+                <a:cs typeface="Arial" pitchFamily="34" charset="0"/>
+              </a:defRPr>
+            </a:lvl3pPr>
+            <a:lvl4pPr marL="501046" indent="-266394" algn="l" defTabSz="914126" rtl="0" eaLnBrk="1" latinLnBrk="0" hangingPunct="1">
+              <a:lnSpc>
+                <a:spcPts val="2020"/>
+              </a:lnSpc>
+              <a:spcBef>
+                <a:spcPct val="20000"/>
+              </a:spcBef>
+              <a:buFont typeface="Arial" pitchFamily="34" charset="0"/>
+              <a:buChar char="–"/>
+              <a:defRPr sz="1600" kern="1200">
+                <a:solidFill>
+                  <a:schemeClr val="tx1"/>
+                </a:solidFill>
+                <a:latin typeface="Arial" pitchFamily="34" charset="0"/>
+                <a:ea typeface="+mn-ea"/>
+                <a:cs typeface="Arial" pitchFamily="34" charset="0"/>
+              </a:defRPr>
+            </a:lvl4pPr>
+            <a:lvl5pPr marL="2056782" indent="-228531" algn="l" defTabSz="914126" rtl="0" eaLnBrk="1" latinLnBrk="0" hangingPunct="1">
+              <a:spcBef>
+                <a:spcPct val="20000"/>
+              </a:spcBef>
+              <a:buFont typeface="Arial" pitchFamily="34" charset="0"/>
+              <a:buChar char="»"/>
+              <a:defRPr sz="2400" kern="1200">
+                <a:solidFill>
+                  <a:schemeClr val="tx1"/>
+                </a:solidFill>
+                <a:latin typeface="Arial" pitchFamily="34" charset="0"/>
+                <a:ea typeface="+mn-ea"/>
+                <a:cs typeface="Arial" pitchFamily="34" charset="0"/>
+              </a:defRPr>
+            </a:lvl5pPr>
+            <a:lvl6pPr marL="2513845" indent="-228531" algn="l" defTabSz="914126" rtl="0" eaLnBrk="1" latinLnBrk="0" hangingPunct="1">
+              <a:spcBef>
+                <a:spcPct val="20000"/>
+              </a:spcBef>
+              <a:buFont typeface="Arial" pitchFamily="34" charset="0"/>
+              <a:buChar char="•"/>
+              <a:defRPr sz="2000" kern="1200">
+                <a:solidFill>
+                  <a:schemeClr val="tx1"/>
+                </a:solidFill>
+                <a:latin typeface="+mn-lt"/>
+                <a:ea typeface="+mn-ea"/>
+                <a:cs typeface="+mn-cs"/>
+              </a:defRPr>
+            </a:lvl6pPr>
+            <a:lvl7pPr marL="2970908" indent="-228531" algn="l" defTabSz="914126" rtl="0" eaLnBrk="1" latinLnBrk="0" hangingPunct="1">
+              <a:spcBef>
+                <a:spcPct val="20000"/>
+              </a:spcBef>
+              <a:buFont typeface="Arial" pitchFamily="34" charset="0"/>
+              <a:buChar char="•"/>
+              <a:defRPr sz="2000" kern="1200">
+                <a:solidFill>
+                  <a:schemeClr val="tx1"/>
+                </a:solidFill>
+                <a:latin typeface="+mn-lt"/>
+                <a:ea typeface="+mn-ea"/>
+                <a:cs typeface="+mn-cs"/>
+              </a:defRPr>
+            </a:lvl7pPr>
+            <a:lvl8pPr marL="3427970" indent="-228531" algn="l" defTabSz="914126" rtl="0" eaLnBrk="1" latinLnBrk="0" hangingPunct="1">
+              <a:spcBef>
+                <a:spcPct val="20000"/>
+              </a:spcBef>
+              <a:buFont typeface="Arial" pitchFamily="34" charset="0"/>
+              <a:buChar char="•"/>
+              <a:defRPr sz="2000" kern="1200">
+                <a:solidFill>
+                  <a:schemeClr val="tx1"/>
+                </a:solidFill>
+                <a:latin typeface="+mn-lt"/>
+                <a:ea typeface="+mn-ea"/>
+                <a:cs typeface="+mn-cs"/>
+              </a:defRPr>
+            </a:lvl8pPr>
+            <a:lvl9pPr marL="3885033" indent="-228531" algn="l" defTabSz="914126" rtl="0" eaLnBrk="1" latinLnBrk="0" hangingPunct="1">
+              <a:spcBef>
+                <a:spcPct val="20000"/>
+              </a:spcBef>
+              <a:buFont typeface="Arial" pitchFamily="34" charset="0"/>
+              <a:buChar char="•"/>
+              <a:defRPr sz="2000" kern="1200">
+                <a:solidFill>
+                  <a:schemeClr val="tx1"/>
+                </a:solidFill>
+                <a:latin typeface="+mn-lt"/>
+                <a:ea typeface="+mn-ea"/>
+                <a:cs typeface="+mn-cs"/>
+              </a:defRPr>
+            </a:lvl9pPr>
+          </a:lstStyle>
+          <a:p>
+            <a:pPr marL="0" indent="0">
+              <a:buNone/>
+            </a:pPr>
+            <a:r>
+              <a:rPr lang="en-US" dirty="0" smtClean="0"/>
+              <a:t>What features does </a:t>
+            </a:r>
+            <a:r>
+              <a:rPr lang="en-US" dirty="0" err="1" smtClean="0"/>
+              <a:t>Xtend</a:t>
+            </a:r>
+            <a:r>
+              <a:rPr lang="en-US" dirty="0" smtClean="0"/>
+              <a:t> provide that can help?</a:t>
+            </a:r>
+          </a:p>
+          <a:p>
+            <a:r>
+              <a:rPr lang="en-US" dirty="0" smtClean="0"/>
+              <a:t>Extension methods</a:t>
+            </a:r>
+            <a:endParaRPr lang="en-US" dirty="0"/>
+          </a:p>
+        </p:txBody>
+      </p:sp>
     </p:spTree>
     <p:extLst>
       <p:ext uri="{BB962C8B-B14F-4D97-AF65-F5344CB8AC3E}">
-        <p14:creationId xmlns:p14="http://schemas.microsoft.com/office/powerpoint/2010/main" val="2572114849"/>
+        <p14:creationId xmlns:p14="http://schemas.microsoft.com/office/powerpoint/2010/main" val="277150896"/>
       </p:ext>
     </p:extLst>
   </p:cSld>
@@ -9312,15 +9221,7 @@
           <a:p>
             <a:r>
               <a:rPr lang="en-US" dirty="0" smtClean="0"/>
-              <a:t>What is Missing in Java 8 </a:t>
-            </a:r>
-            <a:r>
-              <a:rPr lang="en-US" dirty="0" err="1" smtClean="0"/>
-              <a:t>Optionals</a:t>
-            </a:r>
-            <a:r>
-              <a:rPr lang="en-US" dirty="0" smtClean="0"/>
-              <a:t>?</a:t>
+              <a:t>Provided Extensions</a:t>
             </a:r>
             <a:endParaRPr lang="en-US" dirty="0"/>
           </a:p>
@@ -9339,16 +9240,25 @@
         <p:spPr>
           <a:xfrm>
             <a:off x="454194" y="1837637"/>
-            <a:ext cx="8235122" cy="1225603"/>
+            <a:ext cx="8235122" cy="3988027"/>
           </a:xfrm>
         </p:spPr>
         <p:txBody>
           <a:bodyPr/>
           <a:lstStyle/>
           <a:p>
+            <a:pPr marL="0" indent="0">
+              <a:buNone/>
+            </a:pPr>
             <a:r>
               <a:rPr lang="en-US" dirty="0" smtClean="0"/>
-              <a:t>Primitive </a:t>
+              <a:t>Added mapping/filter functions</a:t>
+            </a:r>
+          </a:p>
+          <a:p>
+            <a:r>
+              <a:rPr lang="en-US" dirty="0" smtClean="0"/>
+              <a:t>All </a:t>
             </a:r>
             <a:r>
               <a:rPr lang="en-US" dirty="0" err="1" smtClean="0"/>
@@ -9356,17 +9266,386 @@
             </a:r>
             <a:r>
               <a:rPr lang="en-US" dirty="0" smtClean="0"/>
-              <a:t> do not have map and filter functions</a:t>
-            </a:r>
-          </a:p>
-          <a:p>
+              <a:t> now have </a:t>
+            </a:r>
+            <a:r>
+              <a:rPr lang="en-US" dirty="0" smtClean="0">
+                <a:latin typeface="Consolas" panose="020B0609020204030204" pitchFamily="49" charset="0"/>
+                <a:cs typeface="Consolas" panose="020B0609020204030204" pitchFamily="49" charset="0"/>
+              </a:rPr>
+              <a:t>map</a:t>
+            </a:r>
             <a:r>
               <a:rPr lang="en-US" dirty="0" smtClean="0"/>
-              <a:t>No map to primitive optional (only map to boxed version)</a:t>
-            </a:r>
-          </a:p>
-          <a:p>
-            <a:endParaRPr lang="en-US" dirty="0"/>
+              <a:t> / </a:t>
+            </a:r>
+            <a:r>
+              <a:rPr lang="en-US" dirty="0" err="1" smtClean="0">
+                <a:latin typeface="Consolas" panose="020B0609020204030204" pitchFamily="49" charset="0"/>
+                <a:cs typeface="Consolas" panose="020B0609020204030204" pitchFamily="49" charset="0"/>
+              </a:rPr>
+              <a:t>mapInt</a:t>
+            </a:r>
+            <a:r>
+              <a:rPr lang="en-US" dirty="0" smtClean="0"/>
+              <a:t> / </a:t>
+            </a:r>
+            <a:r>
+              <a:rPr lang="en-US" dirty="0" err="1" smtClean="0">
+                <a:latin typeface="Consolas" panose="020B0609020204030204" pitchFamily="49" charset="0"/>
+                <a:cs typeface="Consolas" panose="020B0609020204030204" pitchFamily="49" charset="0"/>
+              </a:rPr>
+              <a:t>mapLong</a:t>
+            </a:r>
+            <a:r>
+              <a:rPr lang="en-US" dirty="0" smtClean="0"/>
+              <a:t> / </a:t>
+            </a:r>
+            <a:r>
+              <a:rPr lang="en-US" dirty="0" err="1" smtClean="0">
+                <a:latin typeface="Consolas" panose="020B0609020204030204" pitchFamily="49" charset="0"/>
+                <a:cs typeface="Consolas" panose="020B0609020204030204" pitchFamily="49" charset="0"/>
+              </a:rPr>
+              <a:t>mapDouble</a:t>
+            </a:r>
+            <a:r>
+              <a:rPr lang="en-US" dirty="0" smtClean="0">
+                <a:latin typeface="Consolas" panose="020B0609020204030204" pitchFamily="49" charset="0"/>
+                <a:cs typeface="Consolas" panose="020B0609020204030204" pitchFamily="49" charset="0"/>
+              </a:rPr>
+              <a:t> </a:t>
+            </a:r>
+            <a:r>
+              <a:rPr lang="en-US" dirty="0" smtClean="0">
+                <a:latin typeface="+mj-lt"/>
+                <a:cs typeface="Consolas" panose="020B0609020204030204" pitchFamily="49" charset="0"/>
+              </a:rPr>
+              <a:t>methods</a:t>
+            </a:r>
+          </a:p>
+          <a:p>
+            <a:r>
+              <a:rPr lang="en-US" dirty="0" smtClean="0">
+                <a:latin typeface="+mj-lt"/>
+                <a:cs typeface="Consolas" panose="020B0609020204030204" pitchFamily="49" charset="0"/>
+              </a:rPr>
+              <a:t>All </a:t>
+            </a:r>
+            <a:r>
+              <a:rPr lang="en-US" dirty="0" err="1" smtClean="0">
+                <a:latin typeface="+mj-lt"/>
+                <a:cs typeface="Consolas" panose="020B0609020204030204" pitchFamily="49" charset="0"/>
+              </a:rPr>
+              <a:t>optionals</a:t>
+            </a:r>
+            <a:r>
+              <a:rPr lang="en-US" dirty="0" smtClean="0">
+                <a:latin typeface="+mj-lt"/>
+                <a:cs typeface="Consolas" panose="020B0609020204030204" pitchFamily="49" charset="0"/>
+              </a:rPr>
+              <a:t> now have </a:t>
+            </a:r>
+            <a:r>
+              <a:rPr lang="en-US" dirty="0" smtClean="0">
+                <a:latin typeface="Consolas" panose="020B0609020204030204" pitchFamily="49" charset="0"/>
+                <a:cs typeface="Consolas" panose="020B0609020204030204" pitchFamily="49" charset="0"/>
+              </a:rPr>
+              <a:t>filter</a:t>
+            </a:r>
+            <a:r>
+              <a:rPr lang="en-US" dirty="0" smtClean="0">
+                <a:latin typeface="+mj-lt"/>
+                <a:cs typeface="Consolas" panose="020B0609020204030204" pitchFamily="49" charset="0"/>
+              </a:rPr>
+              <a:t> method</a:t>
+            </a:r>
+          </a:p>
+          <a:p>
+            <a:r>
+              <a:rPr lang="de-DE" dirty="0" smtClean="0">
+                <a:latin typeface="+mj-lt"/>
+                <a:cs typeface="Consolas" panose="020B0609020204030204" pitchFamily="49" charset="0"/>
+              </a:rPr>
+              <a:t>Filter </a:t>
+            </a:r>
+            <a:r>
+              <a:rPr lang="de-DE" dirty="0" err="1" smtClean="0">
+                <a:latin typeface="+mj-lt"/>
+                <a:cs typeface="Consolas" panose="020B0609020204030204" pitchFamily="49" charset="0"/>
+              </a:rPr>
+              <a:t>by</a:t>
+            </a:r>
+            <a:r>
+              <a:rPr lang="de-DE" dirty="0" smtClean="0">
+                <a:latin typeface="+mj-lt"/>
+                <a:cs typeface="Consolas" panose="020B0609020204030204" pitchFamily="49" charset="0"/>
+              </a:rPr>
+              <a:t> type </a:t>
+            </a:r>
+            <a:r>
+              <a:rPr lang="de-DE" dirty="0" err="1" smtClean="0">
+                <a:latin typeface="+mj-lt"/>
+                <a:cs typeface="Consolas" panose="020B0609020204030204" pitchFamily="49" charset="0"/>
+              </a:rPr>
+              <a:t>for</a:t>
+            </a:r>
+            <a:r>
+              <a:rPr lang="de-DE" dirty="0" smtClean="0">
+                <a:latin typeface="+mj-lt"/>
+                <a:cs typeface="Consolas" panose="020B0609020204030204" pitchFamily="49" charset="0"/>
+              </a:rPr>
+              <a:t> Optional</a:t>
+            </a:r>
+            <a:endParaRPr lang="en-US" dirty="0" smtClean="0">
+              <a:latin typeface="+mj-lt"/>
+              <a:cs typeface="Consolas" panose="020B0609020204030204" pitchFamily="49" charset="0"/>
+            </a:endParaRPr>
+          </a:p>
+          <a:p>
+            <a:pPr lvl="1"/>
+            <a:endParaRPr lang="de-DE" dirty="0" smtClean="0">
+              <a:latin typeface="Consolas" panose="020B0609020204030204" pitchFamily="49" charset="0"/>
+              <a:cs typeface="Consolas" panose="020B0609020204030204" pitchFamily="49" charset="0"/>
+            </a:endParaRPr>
+          </a:p>
+          <a:p>
+            <a:pPr lvl="1"/>
+            <a:endParaRPr lang="en-US" dirty="0" smtClean="0">
+              <a:latin typeface="Consolas" panose="020B0609020204030204" pitchFamily="49" charset="0"/>
+              <a:cs typeface="Consolas" panose="020B0609020204030204" pitchFamily="49" charset="0"/>
+            </a:endParaRPr>
+          </a:p>
+          <a:p>
+            <a:pPr marL="0" indent="0">
+              <a:lnSpc>
+                <a:spcPct val="107000"/>
+              </a:lnSpc>
+              <a:spcAft>
+                <a:spcPts val="800"/>
+              </a:spcAft>
+              <a:buNone/>
+            </a:pPr>
+            <a:r>
+              <a:rPr lang="en-US" i="1" dirty="0">
+                <a:solidFill>
+                  <a:srgbClr val="000000"/>
+                </a:solidFill>
+                <a:latin typeface="Consolas" panose="020B0609020204030204" pitchFamily="49" charset="0"/>
+                <a:ea typeface="Calibri" panose="020F0502020204030204" pitchFamily="34" charset="0"/>
+                <a:cs typeface="Times New Roman" panose="02020603050405020304" pitchFamily="18" charset="0"/>
+              </a:rPr>
+              <a:t>some</a:t>
+            </a:r>
+            <a:r>
+              <a:rPr lang="en-US" dirty="0">
+                <a:solidFill>
+                  <a:srgbClr val="000000"/>
+                </a:solidFill>
+                <a:latin typeface="Consolas" panose="020B0609020204030204" pitchFamily="49" charset="0"/>
+                <a:ea typeface="Calibri" panose="020F0502020204030204" pitchFamily="34" charset="0"/>
+                <a:cs typeface="Times New Roman" panose="02020603050405020304" pitchFamily="18" charset="0"/>
+              </a:rPr>
+              <a:t>(</a:t>
+            </a:r>
+            <a:r>
+              <a:rPr lang="en-US" dirty="0">
+                <a:solidFill>
+                  <a:srgbClr val="2A00FF"/>
+                </a:solidFill>
+                <a:latin typeface="Consolas" panose="020B0609020204030204" pitchFamily="49" charset="0"/>
+                <a:ea typeface="Calibri" panose="020F0502020204030204" pitchFamily="34" charset="0"/>
+                <a:cs typeface="Times New Roman" panose="02020603050405020304" pitchFamily="18" charset="0"/>
+              </a:rPr>
+              <a:t>"foo"</a:t>
+            </a:r>
+            <a:r>
+              <a:rPr lang="en-US" dirty="0">
+                <a:solidFill>
+                  <a:srgbClr val="000000"/>
+                </a:solidFill>
+                <a:latin typeface="Consolas" panose="020B0609020204030204" pitchFamily="49" charset="0"/>
+                <a:ea typeface="Calibri" panose="020F0502020204030204" pitchFamily="34" charset="0"/>
+                <a:cs typeface="Times New Roman" panose="02020603050405020304" pitchFamily="18" charset="0"/>
+              </a:rPr>
+              <a:t>).</a:t>
+            </a:r>
+            <a:r>
+              <a:rPr lang="en-US" i="1" dirty="0" err="1">
+                <a:solidFill>
+                  <a:srgbClr val="AB3000"/>
+                </a:solidFill>
+                <a:latin typeface="Consolas" panose="020B0609020204030204" pitchFamily="49" charset="0"/>
+                <a:ea typeface="Calibri" panose="020F0502020204030204" pitchFamily="34" charset="0"/>
+                <a:cs typeface="Times New Roman" panose="02020603050405020304" pitchFamily="18" charset="0"/>
+              </a:rPr>
+              <a:t>mapInt</a:t>
+            </a:r>
+            <a:r>
+              <a:rPr lang="en-US" dirty="0">
+                <a:solidFill>
+                  <a:srgbClr val="000000"/>
+                </a:solidFill>
+                <a:latin typeface="Consolas" panose="020B0609020204030204" pitchFamily="49" charset="0"/>
+                <a:ea typeface="Calibri" panose="020F0502020204030204" pitchFamily="34" charset="0"/>
+                <a:cs typeface="Times New Roman" panose="02020603050405020304" pitchFamily="18" charset="0"/>
+              </a:rPr>
+              <a:t>[length]</a:t>
+            </a:r>
+            <a:endParaRPr lang="en-US" sz="2000" dirty="0">
+              <a:latin typeface="Calibri" panose="020F0502020204030204" pitchFamily="34" charset="0"/>
+              <a:ea typeface="Calibri" panose="020F0502020204030204" pitchFamily="34" charset="0"/>
+              <a:cs typeface="Times New Roman" panose="02020603050405020304" pitchFamily="18" charset="0"/>
+            </a:endParaRPr>
+          </a:p>
+          <a:p>
+            <a:pPr marL="0" indent="-5668">
+              <a:buNone/>
+            </a:pPr>
+            <a:endParaRPr lang="de-DE" dirty="0">
+              <a:latin typeface="Consolas" panose="020B0609020204030204" pitchFamily="49" charset="0"/>
+              <a:cs typeface="Consolas" panose="020B0609020204030204" pitchFamily="49" charset="0"/>
+            </a:endParaRPr>
+          </a:p>
+          <a:p>
+            <a:pPr marL="0" indent="0">
+              <a:lnSpc>
+                <a:spcPct val="107000"/>
+              </a:lnSpc>
+              <a:spcAft>
+                <a:spcPts val="800"/>
+              </a:spcAft>
+              <a:buNone/>
+            </a:pPr>
+            <a:r>
+              <a:rPr lang="en-US" i="1" dirty="0">
+                <a:solidFill>
+                  <a:srgbClr val="000000"/>
+                </a:solidFill>
+                <a:latin typeface="Consolas" panose="020B0609020204030204" pitchFamily="49" charset="0"/>
+                <a:ea typeface="Calibri" panose="020F0502020204030204" pitchFamily="34" charset="0"/>
+                <a:cs typeface="Times New Roman" panose="02020603050405020304" pitchFamily="18" charset="0"/>
+              </a:rPr>
+              <a:t>some</a:t>
+            </a:r>
+            <a:r>
+              <a:rPr lang="en-US" dirty="0">
+                <a:solidFill>
+                  <a:srgbClr val="000000"/>
+                </a:solidFill>
+                <a:latin typeface="Consolas" panose="020B0609020204030204" pitchFamily="49" charset="0"/>
+                <a:ea typeface="Calibri" panose="020F0502020204030204" pitchFamily="34" charset="0"/>
+                <a:cs typeface="Times New Roman" panose="02020603050405020304" pitchFamily="18" charset="0"/>
+              </a:rPr>
+              <a:t>(</a:t>
+            </a:r>
+            <a:r>
+              <a:rPr lang="en-US" dirty="0">
+                <a:solidFill>
+                  <a:srgbClr val="7D7D7D"/>
+                </a:solidFill>
+                <a:latin typeface="Consolas" panose="020B0609020204030204" pitchFamily="49" charset="0"/>
+                <a:ea typeface="Calibri" panose="020F0502020204030204" pitchFamily="34" charset="0"/>
+                <a:cs typeface="Times New Roman" panose="02020603050405020304" pitchFamily="18" charset="0"/>
+              </a:rPr>
+              <a:t>42</a:t>
+            </a:r>
+            <a:r>
+              <a:rPr lang="en-US" dirty="0">
+                <a:solidFill>
+                  <a:srgbClr val="000000"/>
+                </a:solidFill>
+                <a:latin typeface="Consolas" panose="020B0609020204030204" pitchFamily="49" charset="0"/>
+                <a:ea typeface="Calibri" panose="020F0502020204030204" pitchFamily="34" charset="0"/>
+                <a:cs typeface="Times New Roman" panose="02020603050405020304" pitchFamily="18" charset="0"/>
+              </a:rPr>
+              <a:t>).</a:t>
+            </a:r>
+            <a:r>
+              <a:rPr lang="en-US" i="1" dirty="0">
+                <a:solidFill>
+                  <a:srgbClr val="AB3000"/>
+                </a:solidFill>
+                <a:latin typeface="Consolas" panose="020B0609020204030204" pitchFamily="49" charset="0"/>
+                <a:ea typeface="Calibri" panose="020F0502020204030204" pitchFamily="34" charset="0"/>
+                <a:cs typeface="Times New Roman" panose="02020603050405020304" pitchFamily="18" charset="0"/>
+              </a:rPr>
+              <a:t>filter</a:t>
+            </a:r>
+            <a:r>
+              <a:rPr lang="en-US" dirty="0">
+                <a:solidFill>
+                  <a:srgbClr val="000000"/>
+                </a:solidFill>
+                <a:latin typeface="Consolas" panose="020B0609020204030204" pitchFamily="49" charset="0"/>
+                <a:ea typeface="Calibri" panose="020F0502020204030204" pitchFamily="34" charset="0"/>
+                <a:cs typeface="Times New Roman" panose="02020603050405020304" pitchFamily="18" charset="0"/>
+              </a:rPr>
+              <a:t>[</a:t>
+            </a:r>
+            <a:r>
+              <a:rPr lang="en-US" b="1" dirty="0">
+                <a:solidFill>
+                  <a:srgbClr val="7F0055"/>
+                </a:solidFill>
+                <a:latin typeface="Consolas" panose="020B0609020204030204" pitchFamily="49" charset="0"/>
+                <a:ea typeface="Calibri" panose="020F0502020204030204" pitchFamily="34" charset="0"/>
+                <a:cs typeface="Times New Roman" panose="02020603050405020304" pitchFamily="18" charset="0"/>
+              </a:rPr>
+              <a:t>it</a:t>
+            </a:r>
+            <a:r>
+              <a:rPr lang="en-US" dirty="0">
+                <a:solidFill>
+                  <a:srgbClr val="000000"/>
+                </a:solidFill>
+                <a:latin typeface="Consolas" panose="020B0609020204030204" pitchFamily="49" charset="0"/>
+                <a:ea typeface="Calibri" panose="020F0502020204030204" pitchFamily="34" charset="0"/>
+                <a:cs typeface="Times New Roman" panose="02020603050405020304" pitchFamily="18" charset="0"/>
+              </a:rPr>
+              <a:t>&gt;</a:t>
+            </a:r>
+            <a:r>
+              <a:rPr lang="en-US" dirty="0">
+                <a:solidFill>
+                  <a:srgbClr val="7D7D7D"/>
+                </a:solidFill>
+                <a:latin typeface="Consolas" panose="020B0609020204030204" pitchFamily="49" charset="0"/>
+                <a:ea typeface="Calibri" panose="020F0502020204030204" pitchFamily="34" charset="0"/>
+                <a:cs typeface="Times New Roman" panose="02020603050405020304" pitchFamily="18" charset="0"/>
+              </a:rPr>
+              <a:t>0</a:t>
+            </a:r>
+            <a:r>
+              <a:rPr lang="en-US" dirty="0">
+                <a:solidFill>
+                  <a:srgbClr val="000000"/>
+                </a:solidFill>
+                <a:latin typeface="Consolas" panose="020B0609020204030204" pitchFamily="49" charset="0"/>
+                <a:ea typeface="Calibri" panose="020F0502020204030204" pitchFamily="34" charset="0"/>
+                <a:cs typeface="Times New Roman" panose="02020603050405020304" pitchFamily="18" charset="0"/>
+              </a:rPr>
+              <a:t>]</a:t>
+            </a:r>
+            <a:endParaRPr lang="en-US" sz="2000" dirty="0">
+              <a:latin typeface="Calibri" panose="020F0502020204030204" pitchFamily="34" charset="0"/>
+              <a:ea typeface="Calibri" panose="020F0502020204030204" pitchFamily="34" charset="0"/>
+              <a:cs typeface="Times New Roman" panose="02020603050405020304" pitchFamily="18" charset="0"/>
+            </a:endParaRPr>
+          </a:p>
+          <a:p>
+            <a:pPr marL="0" indent="-5668">
+              <a:buNone/>
+            </a:pPr>
+            <a:endParaRPr lang="en-US" dirty="0" smtClean="0">
+              <a:latin typeface="Consolas" panose="020B0609020204030204" pitchFamily="49" charset="0"/>
+              <a:cs typeface="Consolas" panose="020B0609020204030204" pitchFamily="49" charset="0"/>
+            </a:endParaRPr>
+          </a:p>
+          <a:p>
+            <a:endParaRPr lang="en-US" dirty="0">
+              <a:latin typeface="Consolas" panose="020B0609020204030204" pitchFamily="49" charset="0"/>
+              <a:cs typeface="Consolas" panose="020B0609020204030204" pitchFamily="49" charset="0"/>
+            </a:endParaRPr>
           </a:p>
         </p:txBody>
       </p:sp>
@@ -9432,409 +9711,10 @@
           </a:p>
         </p:txBody>
       </p:sp>
-      <p:sp>
-        <p:nvSpPr>
-          <p:cNvPr id="6" name="Textplatzhalter 1"/>
-          <p:cNvSpPr txBox="1">
-            <a:spLocks/>
-          </p:cNvSpPr>
-          <p:nvPr/>
-        </p:nvSpPr>
-        <p:spPr>
-          <a:xfrm>
-            <a:off x="448288" y="3460590"/>
-            <a:ext cx="8235037" cy="605317"/>
-          </a:xfrm>
-          <a:prstGeom prst="rect">
-            <a:avLst/>
-          </a:prstGeom>
-        </p:spPr>
-        <p:txBody>
-          <a:bodyPr vert="horz" lIns="107968" tIns="0" rIns="0" bIns="0" rtlCol="0">
-            <a:noAutofit/>
-          </a:bodyPr>
-          <a:lstStyle>
-            <a:lvl1pPr marL="0" indent="0" algn="l" defTabSz="914126" rtl="0" eaLnBrk="1" latinLnBrk="0" hangingPunct="1">
-              <a:lnSpc>
-                <a:spcPts val="2020"/>
-              </a:lnSpc>
-              <a:spcBef>
-                <a:spcPct val="20000"/>
-              </a:spcBef>
-              <a:buClrTx/>
-              <a:buFont typeface="Symbol" charset="2"/>
-              <a:buNone/>
-              <a:tabLst/>
-              <a:defRPr lang="de-DE" sz="1800" b="1" kern="1200" dirty="0" smtClean="0">
-                <a:solidFill>
-                  <a:schemeClr val="tx2"/>
-                </a:solidFill>
-                <a:latin typeface="+mn-lt"/>
-                <a:ea typeface="+mn-ea"/>
-                <a:cs typeface="+mn-cs"/>
-              </a:defRPr>
-            </a:lvl1pPr>
-            <a:lvl2pPr marL="257326" indent="-257326" algn="l" defTabSz="914126" rtl="0" eaLnBrk="1" latinLnBrk="0" hangingPunct="1">
-              <a:spcBef>
-                <a:spcPct val="20000"/>
-              </a:spcBef>
-              <a:buClrTx/>
-              <a:buFont typeface="Symbol" charset="2"/>
-              <a:buChar char="-"/>
-              <a:tabLst/>
-              <a:defRPr lang="de-DE" sz="1800" b="1" kern="1200" dirty="0" smtClean="0">
-                <a:solidFill>
-                  <a:srgbClr val="FBBA00"/>
-                </a:solidFill>
-                <a:latin typeface="+mn-lt"/>
-                <a:ea typeface="+mn-ea"/>
-                <a:cs typeface="+mn-cs"/>
-              </a:defRPr>
-            </a:lvl2pPr>
-            <a:lvl3pPr marL="716428" indent="-240321" algn="l" defTabSz="914126" rtl="0" eaLnBrk="1" latinLnBrk="0" hangingPunct="1">
-              <a:lnSpc>
-                <a:spcPts val="2020"/>
-              </a:lnSpc>
-              <a:spcBef>
-                <a:spcPct val="20000"/>
-              </a:spcBef>
-              <a:buClrTx/>
-              <a:buFont typeface="Symbol" charset="2"/>
-              <a:buChar char="-"/>
-              <a:defRPr lang="de-DE" sz="1600" kern="1200" dirty="0" smtClean="0">
-                <a:solidFill>
-                  <a:schemeClr val="tx1">
-                    <a:lumMod val="85000"/>
-                    <a:lumOff val="15000"/>
-                  </a:schemeClr>
-                </a:solidFill>
-                <a:latin typeface="Arial" pitchFamily="34" charset="0"/>
-                <a:ea typeface="+mn-ea"/>
-                <a:cs typeface="Arial" pitchFamily="34" charset="0"/>
-              </a:defRPr>
-            </a:lvl3pPr>
-            <a:lvl4pPr marL="501046" indent="-266394" algn="l" defTabSz="914126" rtl="0" eaLnBrk="1" latinLnBrk="0" hangingPunct="1">
-              <a:lnSpc>
-                <a:spcPts val="2020"/>
-              </a:lnSpc>
-              <a:spcBef>
-                <a:spcPct val="20000"/>
-              </a:spcBef>
-              <a:buFont typeface="Arial" pitchFamily="34" charset="0"/>
-              <a:buChar char="–"/>
-              <a:defRPr sz="1600" kern="1200">
-                <a:solidFill>
-                  <a:schemeClr val="tx1"/>
-                </a:solidFill>
-                <a:latin typeface="Arial" pitchFamily="34" charset="0"/>
-                <a:ea typeface="+mn-ea"/>
-                <a:cs typeface="Arial" pitchFamily="34" charset="0"/>
-              </a:defRPr>
-            </a:lvl4pPr>
-            <a:lvl5pPr marL="2056782" indent="-228531" algn="l" defTabSz="914126" rtl="0" eaLnBrk="1" latinLnBrk="0" hangingPunct="1">
-              <a:spcBef>
-                <a:spcPct val="20000"/>
-              </a:spcBef>
-              <a:buFont typeface="Arial" pitchFamily="34" charset="0"/>
-              <a:buChar char="»"/>
-              <a:defRPr sz="2400" kern="1200">
-                <a:solidFill>
-                  <a:schemeClr val="tx1"/>
-                </a:solidFill>
-                <a:latin typeface="Arial" pitchFamily="34" charset="0"/>
-                <a:ea typeface="+mn-ea"/>
-                <a:cs typeface="Arial" pitchFamily="34" charset="0"/>
-              </a:defRPr>
-            </a:lvl5pPr>
-            <a:lvl6pPr marL="2513845" indent="-228531" algn="l" defTabSz="914126" rtl="0" eaLnBrk="1" latinLnBrk="0" hangingPunct="1">
-              <a:spcBef>
-                <a:spcPct val="20000"/>
-              </a:spcBef>
-              <a:buFont typeface="Arial" pitchFamily="34" charset="0"/>
-              <a:buChar char="•"/>
-              <a:defRPr sz="2000" kern="1200">
-                <a:solidFill>
-                  <a:schemeClr val="tx1"/>
-                </a:solidFill>
-                <a:latin typeface="+mn-lt"/>
-                <a:ea typeface="+mn-ea"/>
-                <a:cs typeface="+mn-cs"/>
-              </a:defRPr>
-            </a:lvl6pPr>
-            <a:lvl7pPr marL="2970908" indent="-228531" algn="l" defTabSz="914126" rtl="0" eaLnBrk="1" latinLnBrk="0" hangingPunct="1">
-              <a:spcBef>
-                <a:spcPct val="20000"/>
-              </a:spcBef>
-              <a:buFont typeface="Arial" pitchFamily="34" charset="0"/>
-              <a:buChar char="•"/>
-              <a:defRPr sz="2000" kern="1200">
-                <a:solidFill>
-                  <a:schemeClr val="tx1"/>
-                </a:solidFill>
-                <a:latin typeface="+mn-lt"/>
-                <a:ea typeface="+mn-ea"/>
-                <a:cs typeface="+mn-cs"/>
-              </a:defRPr>
-            </a:lvl7pPr>
-            <a:lvl8pPr marL="3427970" indent="-228531" algn="l" defTabSz="914126" rtl="0" eaLnBrk="1" latinLnBrk="0" hangingPunct="1">
-              <a:spcBef>
-                <a:spcPct val="20000"/>
-              </a:spcBef>
-              <a:buFont typeface="Arial" pitchFamily="34" charset="0"/>
-              <a:buChar char="•"/>
-              <a:defRPr sz="2000" kern="1200">
-                <a:solidFill>
-                  <a:schemeClr val="tx1"/>
-                </a:solidFill>
-                <a:latin typeface="+mn-lt"/>
-                <a:ea typeface="+mn-ea"/>
-                <a:cs typeface="+mn-cs"/>
-              </a:defRPr>
-            </a:lvl8pPr>
-            <a:lvl9pPr marL="3885033" indent="-228531" algn="l" defTabSz="914126" rtl="0" eaLnBrk="1" latinLnBrk="0" hangingPunct="1">
-              <a:spcBef>
-                <a:spcPct val="20000"/>
-              </a:spcBef>
-              <a:buFont typeface="Arial" pitchFamily="34" charset="0"/>
-              <a:buChar char="•"/>
-              <a:defRPr sz="2000" kern="1200">
-                <a:solidFill>
-                  <a:schemeClr val="tx1"/>
-                </a:solidFill>
-                <a:latin typeface="+mn-lt"/>
-                <a:ea typeface="+mn-ea"/>
-                <a:cs typeface="+mn-cs"/>
-              </a:defRPr>
-            </a:lvl9pPr>
-          </a:lstStyle>
-          <a:p>
-            <a:r>
-              <a:rPr lang="en-US" dirty="0" smtClean="0"/>
-              <a:t>Can we Add Missing Functions in </a:t>
-            </a:r>
-            <a:r>
-              <a:rPr lang="en-US" dirty="0" err="1" smtClean="0"/>
-              <a:t>Xtend</a:t>
-            </a:r>
-            <a:r>
-              <a:rPr lang="en-US" dirty="0" smtClean="0"/>
-              <a:t>?</a:t>
-            </a:r>
-            <a:endParaRPr lang="en-US" dirty="0"/>
-          </a:p>
-        </p:txBody>
-      </p:sp>
-      <p:sp>
-        <p:nvSpPr>
-          <p:cNvPr id="7" name="Inhaltsplatzhalter 2"/>
-          <p:cNvSpPr txBox="1">
-            <a:spLocks/>
-          </p:cNvSpPr>
-          <p:nvPr/>
-        </p:nvSpPr>
-        <p:spPr>
-          <a:xfrm>
-            <a:off x="448062" y="4077917"/>
-            <a:ext cx="8235122" cy="1622953"/>
-          </a:xfrm>
-          <a:prstGeom prst="rect">
-            <a:avLst/>
-          </a:prstGeom>
-        </p:spPr>
-        <p:txBody>
-          <a:bodyPr vert="horz" lIns="102826" tIns="0" rIns="0" bIns="0" rtlCol="0">
-            <a:noAutofit/>
-          </a:bodyPr>
-          <a:lstStyle>
-            <a:lvl1pPr marL="209714" indent="-209714" algn="l" defTabSz="914126" rtl="0" eaLnBrk="1" latinLnBrk="0" hangingPunct="1">
-              <a:lnSpc>
-                <a:spcPts val="2020"/>
-              </a:lnSpc>
-              <a:spcBef>
-                <a:spcPct val="20000"/>
-              </a:spcBef>
-              <a:buClrTx/>
-              <a:buFont typeface="Symbol" charset="2"/>
-              <a:buChar char="-"/>
-              <a:tabLst/>
-              <a:defRPr lang="de-DE" sz="1600" kern="1200">
-                <a:solidFill>
-                  <a:schemeClr val="tx1">
-                    <a:lumMod val="85000"/>
-                    <a:lumOff val="15000"/>
-                  </a:schemeClr>
-                </a:solidFill>
-                <a:latin typeface="Arial" pitchFamily="34" charset="0"/>
-                <a:ea typeface="+mn-ea"/>
-                <a:cs typeface="Arial" pitchFamily="34" charset="0"/>
-              </a:defRPr>
-            </a:lvl1pPr>
-            <a:lvl2pPr marL="469306" indent="-215382" algn="l" defTabSz="914126" rtl="0" eaLnBrk="1" latinLnBrk="0" hangingPunct="1">
-              <a:spcBef>
-                <a:spcPct val="20000"/>
-              </a:spcBef>
-              <a:buClrTx/>
-              <a:buFont typeface="Symbol" charset="2"/>
-              <a:buChar char="-"/>
-              <a:tabLst/>
-              <a:defRPr lang="de-DE" sz="1600" kern="1200">
-                <a:solidFill>
-                  <a:schemeClr val="tx1">
-                    <a:lumMod val="85000"/>
-                    <a:lumOff val="15000"/>
-                  </a:schemeClr>
-                </a:solidFill>
-                <a:latin typeface="Arial" pitchFamily="34" charset="0"/>
-                <a:ea typeface="+mn-ea"/>
-                <a:cs typeface="Arial" pitchFamily="34" charset="0"/>
-              </a:defRPr>
-            </a:lvl2pPr>
-            <a:lvl3pPr marL="697156" indent="-221050" algn="l" defTabSz="914126" rtl="0" eaLnBrk="1" latinLnBrk="0" hangingPunct="1">
-              <a:lnSpc>
-                <a:spcPts val="2020"/>
-              </a:lnSpc>
-              <a:spcBef>
-                <a:spcPct val="20000"/>
-              </a:spcBef>
-              <a:buClrTx/>
-              <a:buFont typeface="Symbol" charset="2"/>
-              <a:buChar char="-"/>
-              <a:defRPr lang="de-DE" sz="1600" kern="1200">
-                <a:solidFill>
-                  <a:schemeClr val="tx1">
-                    <a:lumMod val="85000"/>
-                    <a:lumOff val="15000"/>
-                  </a:schemeClr>
-                </a:solidFill>
-                <a:latin typeface="Arial" pitchFamily="34" charset="0"/>
-                <a:ea typeface="+mn-ea"/>
-                <a:cs typeface="Arial" pitchFamily="34" charset="0"/>
-              </a:defRPr>
-            </a:lvl3pPr>
-            <a:lvl4pPr marL="501046" indent="-266394" algn="l" defTabSz="914126" rtl="0" eaLnBrk="1" latinLnBrk="0" hangingPunct="1">
-              <a:lnSpc>
-                <a:spcPts val="2020"/>
-              </a:lnSpc>
-              <a:spcBef>
-                <a:spcPct val="20000"/>
-              </a:spcBef>
-              <a:buFont typeface="Arial" pitchFamily="34" charset="0"/>
-              <a:buChar char="–"/>
-              <a:defRPr sz="1600" kern="1200">
-                <a:solidFill>
-                  <a:schemeClr val="tx1"/>
-                </a:solidFill>
-                <a:latin typeface="Arial" pitchFamily="34" charset="0"/>
-                <a:ea typeface="+mn-ea"/>
-                <a:cs typeface="Arial" pitchFamily="34" charset="0"/>
-              </a:defRPr>
-            </a:lvl4pPr>
-            <a:lvl5pPr marL="2056782" indent="-228531" algn="l" defTabSz="914126" rtl="0" eaLnBrk="1" latinLnBrk="0" hangingPunct="1">
-              <a:spcBef>
-                <a:spcPct val="20000"/>
-              </a:spcBef>
-              <a:buFont typeface="Arial" pitchFamily="34" charset="0"/>
-              <a:buChar char="»"/>
-              <a:defRPr sz="2400" kern="1200">
-                <a:solidFill>
-                  <a:schemeClr val="tx1"/>
-                </a:solidFill>
-                <a:latin typeface="Arial" pitchFamily="34" charset="0"/>
-                <a:ea typeface="+mn-ea"/>
-                <a:cs typeface="Arial" pitchFamily="34" charset="0"/>
-              </a:defRPr>
-            </a:lvl5pPr>
-            <a:lvl6pPr marL="2513845" indent="-228531" algn="l" defTabSz="914126" rtl="0" eaLnBrk="1" latinLnBrk="0" hangingPunct="1">
-              <a:spcBef>
-                <a:spcPct val="20000"/>
-              </a:spcBef>
-              <a:buFont typeface="Arial" pitchFamily="34" charset="0"/>
-              <a:buChar char="•"/>
-              <a:defRPr sz="2000" kern="1200">
-                <a:solidFill>
-                  <a:schemeClr val="tx1"/>
-                </a:solidFill>
-                <a:latin typeface="+mn-lt"/>
-                <a:ea typeface="+mn-ea"/>
-                <a:cs typeface="+mn-cs"/>
-              </a:defRPr>
-            </a:lvl6pPr>
-            <a:lvl7pPr marL="2970908" indent="-228531" algn="l" defTabSz="914126" rtl="0" eaLnBrk="1" latinLnBrk="0" hangingPunct="1">
-              <a:spcBef>
-                <a:spcPct val="20000"/>
-              </a:spcBef>
-              <a:buFont typeface="Arial" pitchFamily="34" charset="0"/>
-              <a:buChar char="•"/>
-              <a:defRPr sz="2000" kern="1200">
-                <a:solidFill>
-                  <a:schemeClr val="tx1"/>
-                </a:solidFill>
-                <a:latin typeface="+mn-lt"/>
-                <a:ea typeface="+mn-ea"/>
-                <a:cs typeface="+mn-cs"/>
-              </a:defRPr>
-            </a:lvl7pPr>
-            <a:lvl8pPr marL="3427970" indent="-228531" algn="l" defTabSz="914126" rtl="0" eaLnBrk="1" latinLnBrk="0" hangingPunct="1">
-              <a:spcBef>
-                <a:spcPct val="20000"/>
-              </a:spcBef>
-              <a:buFont typeface="Arial" pitchFamily="34" charset="0"/>
-              <a:buChar char="•"/>
-              <a:defRPr sz="2000" kern="1200">
-                <a:solidFill>
-                  <a:schemeClr val="tx1"/>
-                </a:solidFill>
-                <a:latin typeface="+mn-lt"/>
-                <a:ea typeface="+mn-ea"/>
-                <a:cs typeface="+mn-cs"/>
-              </a:defRPr>
-            </a:lvl8pPr>
-            <a:lvl9pPr marL="3885033" indent="-228531" algn="l" defTabSz="914126" rtl="0" eaLnBrk="1" latinLnBrk="0" hangingPunct="1">
-              <a:spcBef>
-                <a:spcPct val="20000"/>
-              </a:spcBef>
-              <a:buFont typeface="Arial" pitchFamily="34" charset="0"/>
-              <a:buChar char="•"/>
-              <a:defRPr sz="2000" kern="1200">
-                <a:solidFill>
-                  <a:schemeClr val="tx1"/>
-                </a:solidFill>
-                <a:latin typeface="+mn-lt"/>
-                <a:ea typeface="+mn-ea"/>
-                <a:cs typeface="+mn-cs"/>
-              </a:defRPr>
-            </a:lvl9pPr>
-          </a:lstStyle>
-          <a:p>
-            <a:pPr marL="0" indent="0">
-              <a:buNone/>
-            </a:pPr>
-            <a:r>
-              <a:rPr lang="en-US" dirty="0" smtClean="0"/>
-              <a:t>What features does </a:t>
-            </a:r>
-            <a:r>
-              <a:rPr lang="en-US" dirty="0" err="1" smtClean="0"/>
-              <a:t>Xtend</a:t>
-            </a:r>
-            <a:r>
-              <a:rPr lang="en-US" dirty="0" smtClean="0"/>
-              <a:t> provide that can help?</a:t>
-            </a:r>
-          </a:p>
-          <a:p>
-            <a:r>
-              <a:rPr lang="en-US" dirty="0" smtClean="0"/>
-              <a:t>Extension methods</a:t>
-            </a:r>
-            <a:endParaRPr lang="en-US" dirty="0"/>
-          </a:p>
-        </p:txBody>
-      </p:sp>
     </p:spTree>
     <p:extLst>
       <p:ext uri="{BB962C8B-B14F-4D97-AF65-F5344CB8AC3E}">
-        <p14:creationId xmlns:p14="http://schemas.microsoft.com/office/powerpoint/2010/main" val="277150896"/>
+        <p14:creationId xmlns:p14="http://schemas.microsoft.com/office/powerpoint/2010/main" val="15965559"/>
       </p:ext>
     </p:extLst>
   </p:cSld>
@@ -9885,7 +9765,7 @@
           <a:p>
             <a:r>
               <a:rPr lang="en-US" dirty="0" smtClean="0"/>
-              <a:t>Provided Extensions</a:t>
+              <a:t>Additional Stuff</a:t>
             </a:r>
             <a:endParaRPr lang="en-US" dirty="0"/>
           </a:p>
@@ -9903,8 +9783,8 @@
         </p:nvSpPr>
         <p:spPr>
           <a:xfrm>
-            <a:off x="454194" y="1837637"/>
-            <a:ext cx="8235122" cy="3988027"/>
+            <a:off x="454193" y="1837637"/>
+            <a:ext cx="8235263" cy="3988027"/>
           </a:xfrm>
         </p:spPr>
         <p:txBody>
@@ -9916,171 +9796,295 @@
             </a:pPr>
             <a:r>
               <a:rPr lang="en-US" dirty="0" smtClean="0"/>
-              <a:t>Added mapping/filter functions</a:t>
-            </a:r>
-          </a:p>
-          <a:p>
-            <a:r>
-              <a:rPr lang="en-US" dirty="0" smtClean="0"/>
-              <a:t>All </a:t>
-            </a:r>
-            <a:r>
-              <a:rPr lang="en-US" dirty="0" err="1" smtClean="0"/>
-              <a:t>optionals</a:t>
-            </a:r>
-            <a:r>
-              <a:rPr lang="en-US" dirty="0" smtClean="0"/>
-              <a:t> now have </a:t>
-            </a:r>
-            <a:r>
-              <a:rPr lang="en-US" dirty="0" smtClean="0">
-                <a:latin typeface="Consolas" panose="020B0609020204030204" pitchFamily="49" charset="0"/>
-                <a:cs typeface="Consolas" panose="020B0609020204030204" pitchFamily="49" charset="0"/>
-              </a:rPr>
-              <a:t>map</a:t>
-            </a:r>
-            <a:r>
-              <a:rPr lang="en-US" dirty="0" smtClean="0"/>
-              <a:t> / </a:t>
+              <a:t>Looping over </a:t>
+            </a:r>
+            <a:r>
+              <a:rPr lang="en-US" dirty="0" smtClean="0">
+                <a:solidFill>
+                  <a:srgbClr val="000000"/>
+                </a:solidFill>
+                <a:latin typeface="Consolas" panose="020B0609020204030204" pitchFamily="49" charset="0"/>
+                <a:ea typeface="Calibri" panose="020F0502020204030204" pitchFamily="34" charset="0"/>
+                <a:cs typeface="Times New Roman" panose="02020603050405020304" pitchFamily="18" charset="0"/>
+              </a:rPr>
+              <a:t>Optional&lt;? </a:t>
+            </a:r>
+            <a:r>
+              <a:rPr lang="en-US" b="1" dirty="0" smtClean="0">
+                <a:solidFill>
+                  <a:srgbClr val="7F0055"/>
+                </a:solidFill>
+                <a:latin typeface="Consolas" panose="020B0609020204030204" pitchFamily="49" charset="0"/>
+                <a:ea typeface="Calibri" panose="020F0502020204030204" pitchFamily="34" charset="0"/>
+                <a:cs typeface="Times New Roman" panose="02020603050405020304" pitchFamily="18" charset="0"/>
+              </a:rPr>
+              <a:t>extends</a:t>
+            </a:r>
+            <a:r>
+              <a:rPr lang="en-US" dirty="0" smtClean="0">
+                <a:solidFill>
+                  <a:srgbClr val="000000"/>
+                </a:solidFill>
+                <a:latin typeface="Consolas" panose="020B0609020204030204" pitchFamily="49" charset="0"/>
+                <a:ea typeface="Calibri" panose="020F0502020204030204" pitchFamily="34" charset="0"/>
+                <a:cs typeface="Times New Roman" panose="02020603050405020304" pitchFamily="18" charset="0"/>
+              </a:rPr>
+              <a:t> </a:t>
             </a:r>
             <a:r>
               <a:rPr lang="en-US" dirty="0" err="1" smtClean="0">
-                <a:latin typeface="Consolas" panose="020B0609020204030204" pitchFamily="49" charset="0"/>
-                <a:cs typeface="Consolas" panose="020B0609020204030204" pitchFamily="49" charset="0"/>
-              </a:rPr>
-              <a:t>mapInt</a:t>
-            </a:r>
-            <a:r>
-              <a:rPr lang="en-US" dirty="0" smtClean="0"/>
-              <a:t> / </a:t>
+                <a:solidFill>
+                  <a:srgbClr val="000000"/>
+                </a:solidFill>
+                <a:latin typeface="Consolas" panose="020B0609020204030204" pitchFamily="49" charset="0"/>
+                <a:ea typeface="Calibri" panose="020F0502020204030204" pitchFamily="34" charset="0"/>
+                <a:cs typeface="Times New Roman" panose="02020603050405020304" pitchFamily="18" charset="0"/>
+              </a:rPr>
+              <a:t>IntegerRange</a:t>
+            </a:r>
+            <a:r>
+              <a:rPr lang="en-US" dirty="0" smtClean="0">
+                <a:solidFill>
+                  <a:srgbClr val="000000"/>
+                </a:solidFill>
+                <a:latin typeface="Consolas" panose="020B0609020204030204" pitchFamily="49" charset="0"/>
+                <a:ea typeface="Calibri" panose="020F0502020204030204" pitchFamily="34" charset="0"/>
+                <a:cs typeface="Times New Roman" panose="02020603050405020304" pitchFamily="18" charset="0"/>
+              </a:rPr>
+              <a:t>&gt;</a:t>
+            </a:r>
+          </a:p>
+          <a:p>
+            <a:pPr marL="487442" lvl="2" indent="0">
+              <a:lnSpc>
+                <a:spcPct val="107000"/>
+              </a:lnSpc>
+              <a:buNone/>
+            </a:pPr>
+            <a:endParaRPr lang="en-US" i="1" dirty="0" smtClean="0">
+              <a:solidFill>
+                <a:srgbClr val="000000"/>
+              </a:solidFill>
+              <a:latin typeface="Consolas" panose="020B0609020204030204" pitchFamily="49" charset="0"/>
+              <a:ea typeface="Calibri" panose="020F0502020204030204" pitchFamily="34" charset="0"/>
+              <a:cs typeface="Times New Roman" panose="02020603050405020304" pitchFamily="18" charset="0"/>
+            </a:endParaRPr>
+          </a:p>
+          <a:p>
+            <a:pPr marL="259592" lvl="1" indent="0">
+              <a:lnSpc>
+                <a:spcPct val="107000"/>
+              </a:lnSpc>
+              <a:buNone/>
+            </a:pPr>
+            <a:r>
+              <a:rPr lang="en-US" i="1" dirty="0" smtClean="0">
+                <a:solidFill>
+                  <a:srgbClr val="000000"/>
+                </a:solidFill>
+                <a:latin typeface="Consolas" panose="020B0609020204030204" pitchFamily="49" charset="0"/>
+                <a:ea typeface="Calibri" panose="020F0502020204030204" pitchFamily="34" charset="0"/>
+                <a:cs typeface="Times New Roman" panose="02020603050405020304" pitchFamily="18" charset="0"/>
+              </a:rPr>
+              <a:t>some</a:t>
+            </a:r>
+            <a:r>
+              <a:rPr lang="en-US" dirty="0" smtClean="0">
+                <a:solidFill>
+                  <a:srgbClr val="000000"/>
+                </a:solidFill>
+                <a:latin typeface="Consolas" panose="020B0609020204030204" pitchFamily="49" charset="0"/>
+                <a:ea typeface="Calibri" panose="020F0502020204030204" pitchFamily="34" charset="0"/>
+                <a:cs typeface="Times New Roman" panose="02020603050405020304" pitchFamily="18" charset="0"/>
+              </a:rPr>
+              <a:t>(</a:t>
+            </a:r>
+            <a:r>
+              <a:rPr lang="en-US" dirty="0" smtClean="0">
+                <a:solidFill>
+                  <a:srgbClr val="7D7D7D"/>
+                </a:solidFill>
+                <a:latin typeface="Consolas" panose="020B0609020204030204" pitchFamily="49" charset="0"/>
+                <a:ea typeface="Calibri" panose="020F0502020204030204" pitchFamily="34" charset="0"/>
+                <a:cs typeface="Times New Roman" panose="02020603050405020304" pitchFamily="18" charset="0"/>
+              </a:rPr>
+              <a:t>5</a:t>
+            </a:r>
+            <a:r>
+              <a:rPr lang="en-US" dirty="0" smtClean="0">
+                <a:solidFill>
+                  <a:srgbClr val="000000"/>
+                </a:solidFill>
+                <a:latin typeface="Consolas" panose="020B0609020204030204" pitchFamily="49" charset="0"/>
+                <a:ea typeface="Calibri" panose="020F0502020204030204" pitchFamily="34" charset="0"/>
+                <a:cs typeface="Times New Roman" panose="02020603050405020304" pitchFamily="18" charset="0"/>
+              </a:rPr>
+              <a:t>..</a:t>
+            </a:r>
+            <a:r>
+              <a:rPr lang="en-US" dirty="0" smtClean="0">
+                <a:solidFill>
+                  <a:srgbClr val="7D7D7D"/>
+                </a:solidFill>
+                <a:latin typeface="Consolas" panose="020B0609020204030204" pitchFamily="49" charset="0"/>
+                <a:ea typeface="Calibri" panose="020F0502020204030204" pitchFamily="34" charset="0"/>
+                <a:cs typeface="Times New Roman" panose="02020603050405020304" pitchFamily="18" charset="0"/>
+              </a:rPr>
+              <a:t>10</a:t>
+            </a:r>
+            <a:r>
+              <a:rPr lang="en-US" dirty="0" smtClean="0">
+                <a:solidFill>
+                  <a:srgbClr val="000000"/>
+                </a:solidFill>
+                <a:latin typeface="Consolas" panose="020B0609020204030204" pitchFamily="49" charset="0"/>
+                <a:ea typeface="Calibri" panose="020F0502020204030204" pitchFamily="34" charset="0"/>
+                <a:cs typeface="Times New Roman" panose="02020603050405020304" pitchFamily="18" charset="0"/>
+              </a:rPr>
+              <a:t>).</a:t>
+            </a:r>
+            <a:r>
+              <a:rPr lang="en-US" i="1" dirty="0" err="1" smtClean="0">
+                <a:solidFill>
+                  <a:srgbClr val="AB3000"/>
+                </a:solidFill>
+                <a:latin typeface="Consolas" panose="020B0609020204030204" pitchFamily="49" charset="0"/>
+                <a:ea typeface="Calibri" panose="020F0502020204030204" pitchFamily="34" charset="0"/>
+                <a:cs typeface="Times New Roman" panose="02020603050405020304" pitchFamily="18" charset="0"/>
+              </a:rPr>
+              <a:t>forEachInt</a:t>
+            </a:r>
+            <a:r>
+              <a:rPr lang="en-US" dirty="0" smtClean="0">
+                <a:solidFill>
+                  <a:srgbClr val="000000"/>
+                </a:solidFill>
+                <a:latin typeface="Consolas" panose="020B0609020204030204" pitchFamily="49" charset="0"/>
+                <a:ea typeface="Calibri" panose="020F0502020204030204" pitchFamily="34" charset="0"/>
+                <a:cs typeface="Times New Roman" panose="02020603050405020304" pitchFamily="18" charset="0"/>
+              </a:rPr>
+              <a:t> [</a:t>
             </a:r>
             <a:r>
               <a:rPr lang="en-US" dirty="0" err="1" smtClean="0">
-                <a:latin typeface="Consolas" panose="020B0609020204030204" pitchFamily="49" charset="0"/>
-                <a:cs typeface="Consolas" panose="020B0609020204030204" pitchFamily="49" charset="0"/>
-              </a:rPr>
-              <a:t>mapLong</a:t>
-            </a:r>
-            <a:r>
-              <a:rPr lang="en-US" dirty="0" smtClean="0"/>
-              <a:t> / </a:t>
+                <a:solidFill>
+                  <a:srgbClr val="000000"/>
+                </a:solidFill>
+                <a:latin typeface="Consolas" panose="020B0609020204030204" pitchFamily="49" charset="0"/>
+                <a:ea typeface="Calibri" panose="020F0502020204030204" pitchFamily="34" charset="0"/>
+                <a:cs typeface="Times New Roman" panose="02020603050405020304" pitchFamily="18" charset="0"/>
+              </a:rPr>
+              <a:t>num</a:t>
+            </a:r>
+            <a:r>
+              <a:rPr lang="en-US" dirty="0" smtClean="0">
+                <a:solidFill>
+                  <a:srgbClr val="000000"/>
+                </a:solidFill>
+                <a:latin typeface="Consolas" panose="020B0609020204030204" pitchFamily="49" charset="0"/>
+                <a:ea typeface="Calibri" panose="020F0502020204030204" pitchFamily="34" charset="0"/>
+                <a:cs typeface="Times New Roman" panose="02020603050405020304" pitchFamily="18" charset="0"/>
+              </a:rPr>
+              <a:t>, index|</a:t>
+            </a:r>
+            <a:endParaRPr lang="en-US" sz="2000" dirty="0" smtClean="0">
+              <a:latin typeface="Calibri" panose="020F0502020204030204" pitchFamily="34" charset="0"/>
+              <a:ea typeface="Calibri" panose="020F0502020204030204" pitchFamily="34" charset="0"/>
+              <a:cs typeface="Times New Roman" panose="02020603050405020304" pitchFamily="18" charset="0"/>
+            </a:endParaRPr>
+          </a:p>
+          <a:p>
+            <a:pPr marL="259592" lvl="1" indent="0">
+              <a:lnSpc>
+                <a:spcPct val="107000"/>
+              </a:lnSpc>
+              <a:buNone/>
+            </a:pPr>
+            <a:r>
+              <a:rPr lang="en-US" dirty="0" smtClean="0">
+                <a:solidFill>
+                  <a:srgbClr val="000000"/>
+                </a:solidFill>
+                <a:latin typeface="Consolas" panose="020B0609020204030204" pitchFamily="49" charset="0"/>
+                <a:ea typeface="Calibri" panose="020F0502020204030204" pitchFamily="34" charset="0"/>
+                <a:cs typeface="Times New Roman" panose="02020603050405020304" pitchFamily="18" charset="0"/>
+              </a:rPr>
+              <a:t>	</a:t>
+            </a:r>
+            <a:r>
+              <a:rPr lang="en-US" i="1" dirty="0" err="1" smtClean="0">
+                <a:solidFill>
+                  <a:srgbClr val="000000"/>
+                </a:solidFill>
+                <a:latin typeface="Consolas" panose="020B0609020204030204" pitchFamily="49" charset="0"/>
+                <a:ea typeface="Calibri" panose="020F0502020204030204" pitchFamily="34" charset="0"/>
+                <a:cs typeface="Times New Roman" panose="02020603050405020304" pitchFamily="18" charset="0"/>
+              </a:rPr>
+              <a:t>println</a:t>
+            </a:r>
+            <a:r>
+              <a:rPr lang="en-US" dirty="0" smtClean="0">
+                <a:solidFill>
+                  <a:srgbClr val="000000"/>
+                </a:solidFill>
+                <a:latin typeface="Consolas" panose="020B0609020204030204" pitchFamily="49" charset="0"/>
+                <a:ea typeface="Calibri" panose="020F0502020204030204" pitchFamily="34" charset="0"/>
+                <a:cs typeface="Times New Roman" panose="02020603050405020304" pitchFamily="18" charset="0"/>
+              </a:rPr>
+              <a:t>(index + </a:t>
+            </a:r>
+            <a:r>
+              <a:rPr lang="en-US" dirty="0" smtClean="0">
+                <a:solidFill>
+                  <a:srgbClr val="2A00FF"/>
+                </a:solidFill>
+                <a:latin typeface="Consolas" panose="020B0609020204030204" pitchFamily="49" charset="0"/>
+                <a:ea typeface="Calibri" panose="020F0502020204030204" pitchFamily="34" charset="0"/>
+                <a:cs typeface="Times New Roman" panose="02020603050405020304" pitchFamily="18" charset="0"/>
+              </a:rPr>
+              <a:t>": "</a:t>
+            </a:r>
+            <a:r>
+              <a:rPr lang="en-US" dirty="0" smtClean="0">
+                <a:solidFill>
+                  <a:srgbClr val="000000"/>
+                </a:solidFill>
+                <a:latin typeface="Consolas" panose="020B0609020204030204" pitchFamily="49" charset="0"/>
+                <a:ea typeface="Calibri" panose="020F0502020204030204" pitchFamily="34" charset="0"/>
+                <a:cs typeface="Times New Roman" panose="02020603050405020304" pitchFamily="18" charset="0"/>
+              </a:rPr>
+              <a:t>+ </a:t>
             </a:r>
             <a:r>
               <a:rPr lang="en-US" dirty="0" err="1" smtClean="0">
-                <a:latin typeface="Consolas" panose="020B0609020204030204" pitchFamily="49" charset="0"/>
-                <a:cs typeface="Consolas" panose="020B0609020204030204" pitchFamily="49" charset="0"/>
-              </a:rPr>
-              <a:t>mapDouble</a:t>
-            </a:r>
-            <a:r>
-              <a:rPr lang="en-US" dirty="0" smtClean="0">
-                <a:latin typeface="Consolas" panose="020B0609020204030204" pitchFamily="49" charset="0"/>
-                <a:cs typeface="Consolas" panose="020B0609020204030204" pitchFamily="49" charset="0"/>
-              </a:rPr>
-              <a:t> </a:t>
-            </a:r>
-            <a:r>
-              <a:rPr lang="en-US" dirty="0" smtClean="0">
-                <a:latin typeface="+mj-lt"/>
-                <a:cs typeface="Consolas" panose="020B0609020204030204" pitchFamily="49" charset="0"/>
-              </a:rPr>
-              <a:t>methods</a:t>
-            </a:r>
-          </a:p>
-          <a:p>
-            <a:r>
-              <a:rPr lang="en-US" dirty="0" smtClean="0">
-                <a:latin typeface="+mj-lt"/>
-                <a:cs typeface="Consolas" panose="020B0609020204030204" pitchFamily="49" charset="0"/>
-              </a:rPr>
-              <a:t>All </a:t>
-            </a:r>
-            <a:r>
-              <a:rPr lang="en-US" dirty="0" err="1" smtClean="0">
-                <a:latin typeface="+mj-lt"/>
-                <a:cs typeface="Consolas" panose="020B0609020204030204" pitchFamily="49" charset="0"/>
-              </a:rPr>
-              <a:t>optionals</a:t>
-            </a:r>
-            <a:r>
-              <a:rPr lang="en-US" dirty="0" smtClean="0">
-                <a:latin typeface="+mj-lt"/>
-                <a:cs typeface="Consolas" panose="020B0609020204030204" pitchFamily="49" charset="0"/>
-              </a:rPr>
-              <a:t> now have </a:t>
-            </a:r>
-            <a:r>
-              <a:rPr lang="en-US" dirty="0" smtClean="0">
-                <a:latin typeface="Consolas" panose="020B0609020204030204" pitchFamily="49" charset="0"/>
-                <a:cs typeface="Consolas" panose="020B0609020204030204" pitchFamily="49" charset="0"/>
-              </a:rPr>
-              <a:t>filter</a:t>
-            </a:r>
-            <a:r>
-              <a:rPr lang="en-US" dirty="0" smtClean="0">
-                <a:latin typeface="+mj-lt"/>
-                <a:cs typeface="Consolas" panose="020B0609020204030204" pitchFamily="49" charset="0"/>
-              </a:rPr>
-              <a:t> method</a:t>
-            </a:r>
-          </a:p>
-          <a:p>
-            <a:r>
-              <a:rPr lang="de-DE" dirty="0" smtClean="0">
-                <a:latin typeface="+mj-lt"/>
-                <a:cs typeface="Consolas" panose="020B0609020204030204" pitchFamily="49" charset="0"/>
-              </a:rPr>
-              <a:t>Filter </a:t>
-            </a:r>
-            <a:r>
-              <a:rPr lang="de-DE" dirty="0" err="1" smtClean="0">
-                <a:latin typeface="+mj-lt"/>
-                <a:cs typeface="Consolas" panose="020B0609020204030204" pitchFamily="49" charset="0"/>
-              </a:rPr>
-              <a:t>by</a:t>
-            </a:r>
-            <a:r>
-              <a:rPr lang="de-DE" dirty="0" smtClean="0">
-                <a:latin typeface="+mj-lt"/>
-                <a:cs typeface="Consolas" panose="020B0609020204030204" pitchFamily="49" charset="0"/>
-              </a:rPr>
-              <a:t> type </a:t>
-            </a:r>
-            <a:r>
-              <a:rPr lang="de-DE" dirty="0" err="1" smtClean="0">
-                <a:latin typeface="+mj-lt"/>
-                <a:cs typeface="Consolas" panose="020B0609020204030204" pitchFamily="49" charset="0"/>
-              </a:rPr>
-              <a:t>for</a:t>
-            </a:r>
-            <a:r>
-              <a:rPr lang="de-DE" dirty="0" smtClean="0">
-                <a:latin typeface="+mj-lt"/>
-                <a:cs typeface="Consolas" panose="020B0609020204030204" pitchFamily="49" charset="0"/>
-              </a:rPr>
-              <a:t> Optional</a:t>
-            </a:r>
-            <a:endParaRPr lang="en-US" dirty="0" smtClean="0">
-              <a:latin typeface="+mj-lt"/>
-              <a:cs typeface="Consolas" panose="020B0609020204030204" pitchFamily="49" charset="0"/>
+                <a:solidFill>
+                  <a:srgbClr val="000000"/>
+                </a:solidFill>
+                <a:latin typeface="Consolas" panose="020B0609020204030204" pitchFamily="49" charset="0"/>
+                <a:ea typeface="Calibri" panose="020F0502020204030204" pitchFamily="34" charset="0"/>
+                <a:cs typeface="Times New Roman" panose="02020603050405020304" pitchFamily="18" charset="0"/>
+              </a:rPr>
+              <a:t>num</a:t>
+            </a:r>
+            <a:r>
+              <a:rPr lang="en-US" dirty="0" smtClean="0">
+                <a:solidFill>
+                  <a:srgbClr val="000000"/>
+                </a:solidFill>
+                <a:latin typeface="Consolas" panose="020B0609020204030204" pitchFamily="49" charset="0"/>
+                <a:ea typeface="Calibri" panose="020F0502020204030204" pitchFamily="34" charset="0"/>
+                <a:cs typeface="Times New Roman" panose="02020603050405020304" pitchFamily="18" charset="0"/>
+              </a:rPr>
+              <a:t>)</a:t>
+            </a:r>
+            <a:endParaRPr lang="en-US" sz="2000" dirty="0" smtClean="0">
+              <a:latin typeface="Calibri" panose="020F0502020204030204" pitchFamily="34" charset="0"/>
+              <a:ea typeface="Calibri" panose="020F0502020204030204" pitchFamily="34" charset="0"/>
+              <a:cs typeface="Times New Roman" panose="02020603050405020304" pitchFamily="18" charset="0"/>
             </a:endParaRPr>
           </a:p>
           <a:p>
-            <a:pPr lvl="1"/>
-            <a:endParaRPr lang="de-DE" dirty="0" smtClean="0">
-              <a:latin typeface="Consolas" panose="020B0609020204030204" pitchFamily="49" charset="0"/>
-              <a:cs typeface="Consolas" panose="020B0609020204030204" pitchFamily="49" charset="0"/>
-            </a:endParaRPr>
-          </a:p>
-          <a:p>
-            <a:pPr lvl="1"/>
-            <a:endParaRPr lang="en-US" dirty="0" smtClean="0">
-              <a:latin typeface="Consolas" panose="020B0609020204030204" pitchFamily="49" charset="0"/>
-              <a:cs typeface="Consolas" panose="020B0609020204030204" pitchFamily="49" charset="0"/>
-            </a:endParaRPr>
-          </a:p>
-          <a:p>
-            <a:pPr marL="0" indent="0">
+            <a:pPr marL="259592" lvl="1" indent="0">
               <a:lnSpc>
                 <a:spcPct val="107000"/>
               </a:lnSpc>
@@ -10090,225 +10094,80 @@
               <a:buNone/>
             </a:pPr>
             <a:r>
-              <a:rPr lang="en-US" i="1" dirty="0">
-                <a:solidFill>
-                  <a:srgbClr val="000000"/>
-                </a:solidFill>
-                <a:latin typeface="Consolas" panose="020B0609020204030204" pitchFamily="49" charset="0"/>
-                <a:ea typeface="Calibri" panose="020F0502020204030204" pitchFamily="34" charset="0"/>
-                <a:cs typeface="Times New Roman" panose="02020603050405020304" pitchFamily="18" charset="0"/>
-              </a:rPr>
-              <a:t>some</a:t>
-            </a:r>
-            <a:r>
-              <a:rPr lang="en-US" dirty="0">
-                <a:solidFill>
-                  <a:srgbClr val="000000"/>
-                </a:solidFill>
-                <a:latin typeface="Consolas" panose="020B0609020204030204" pitchFamily="49" charset="0"/>
-                <a:ea typeface="Calibri" panose="020F0502020204030204" pitchFamily="34" charset="0"/>
-                <a:cs typeface="Times New Roman" panose="02020603050405020304" pitchFamily="18" charset="0"/>
-              </a:rPr>
-              <a:t>(</a:t>
-            </a:r>
-            <a:r>
-              <a:rPr lang="en-US" dirty="0">
-                <a:solidFill>
-                  <a:srgbClr val="2A00FF"/>
-                </a:solidFill>
-                <a:latin typeface="Consolas" panose="020B0609020204030204" pitchFamily="49" charset="0"/>
-                <a:ea typeface="Calibri" panose="020F0502020204030204" pitchFamily="34" charset="0"/>
-                <a:cs typeface="Times New Roman" panose="02020603050405020304" pitchFamily="18" charset="0"/>
-              </a:rPr>
-              <a:t>"foo"</a:t>
-            </a:r>
-            <a:r>
-              <a:rPr lang="en-US" dirty="0">
-                <a:solidFill>
-                  <a:srgbClr val="000000"/>
-                </a:solidFill>
-                <a:latin typeface="Consolas" panose="020B0609020204030204" pitchFamily="49" charset="0"/>
-                <a:ea typeface="Calibri" panose="020F0502020204030204" pitchFamily="34" charset="0"/>
-                <a:cs typeface="Times New Roman" panose="02020603050405020304" pitchFamily="18" charset="0"/>
-              </a:rPr>
-              <a:t>).</a:t>
-            </a:r>
-            <a:r>
-              <a:rPr lang="en-US" i="1" dirty="0" err="1">
-                <a:solidFill>
-                  <a:srgbClr val="AB3000"/>
-                </a:solidFill>
-                <a:latin typeface="Consolas" panose="020B0609020204030204" pitchFamily="49" charset="0"/>
-                <a:ea typeface="Calibri" panose="020F0502020204030204" pitchFamily="34" charset="0"/>
-                <a:cs typeface="Times New Roman" panose="02020603050405020304" pitchFamily="18" charset="0"/>
-              </a:rPr>
-              <a:t>mapInt</a:t>
-            </a:r>
-            <a:r>
-              <a:rPr lang="en-US" dirty="0">
-                <a:solidFill>
-                  <a:srgbClr val="000000"/>
-                </a:solidFill>
-                <a:latin typeface="Consolas" panose="020B0609020204030204" pitchFamily="49" charset="0"/>
-                <a:ea typeface="Calibri" panose="020F0502020204030204" pitchFamily="34" charset="0"/>
-                <a:cs typeface="Times New Roman" panose="02020603050405020304" pitchFamily="18" charset="0"/>
-              </a:rPr>
-              <a:t>[length]</a:t>
-            </a:r>
-            <a:endParaRPr lang="en-US" sz="2000" dirty="0">
-              <a:latin typeface="Calibri" panose="020F0502020204030204" pitchFamily="34" charset="0"/>
-              <a:ea typeface="Calibri" panose="020F0502020204030204" pitchFamily="34" charset="0"/>
-              <a:cs typeface="Times New Roman" panose="02020603050405020304" pitchFamily="18" charset="0"/>
-            </a:endParaRPr>
-          </a:p>
-          <a:p>
-            <a:pPr marL="0" indent="-5668">
-              <a:buNone/>
-            </a:pPr>
-            <a:endParaRPr lang="de-DE" dirty="0">
-              <a:latin typeface="Consolas" panose="020B0609020204030204" pitchFamily="49" charset="0"/>
-              <a:cs typeface="Consolas" panose="020B0609020204030204" pitchFamily="49" charset="0"/>
-            </a:endParaRPr>
-          </a:p>
-          <a:p>
-            <a:pPr marL="0" indent="0">
+              <a:rPr lang="en-US" dirty="0" smtClean="0">
+                <a:solidFill>
+                  <a:srgbClr val="000000"/>
+                </a:solidFill>
+                <a:latin typeface="Consolas" panose="020B0609020204030204" pitchFamily="49" charset="0"/>
+                <a:ea typeface="Calibri" panose="020F0502020204030204" pitchFamily="34" charset="0"/>
+                <a:cs typeface="Times New Roman" panose="02020603050405020304" pitchFamily="18" charset="0"/>
+              </a:rPr>
+              <a:t>]</a:t>
+            </a:r>
+            <a:endParaRPr lang="en-US" dirty="0" smtClean="0"/>
+          </a:p>
+          <a:p>
+            <a:pPr lvl="1">
               <a:lnSpc>
                 <a:spcPct val="107000"/>
               </a:lnSpc>
               <a:spcAft>
                 <a:spcPts val="800"/>
               </a:spcAft>
-              <a:buNone/>
             </a:pPr>
-            <a:r>
-              <a:rPr lang="en-US" i="1" dirty="0">
-                <a:solidFill>
-                  <a:srgbClr val="000000"/>
-                </a:solidFill>
-                <a:latin typeface="Consolas" panose="020B0609020204030204" pitchFamily="49" charset="0"/>
-                <a:ea typeface="Calibri" panose="020F0502020204030204" pitchFamily="34" charset="0"/>
-                <a:cs typeface="Times New Roman" panose="02020603050405020304" pitchFamily="18" charset="0"/>
-              </a:rPr>
-              <a:t>some</a:t>
-            </a:r>
-            <a:r>
-              <a:rPr lang="en-US" dirty="0">
-                <a:solidFill>
-                  <a:srgbClr val="000000"/>
-                </a:solidFill>
-                <a:latin typeface="Consolas" panose="020B0609020204030204" pitchFamily="49" charset="0"/>
-                <a:ea typeface="Calibri" panose="020F0502020204030204" pitchFamily="34" charset="0"/>
-                <a:cs typeface="Times New Roman" panose="02020603050405020304" pitchFamily="18" charset="0"/>
-              </a:rPr>
-              <a:t>(</a:t>
-            </a:r>
-            <a:r>
-              <a:rPr lang="en-US" dirty="0">
-                <a:solidFill>
-                  <a:srgbClr val="7D7D7D"/>
-                </a:solidFill>
-                <a:latin typeface="Consolas" panose="020B0609020204030204" pitchFamily="49" charset="0"/>
-                <a:ea typeface="Calibri" panose="020F0502020204030204" pitchFamily="34" charset="0"/>
-                <a:cs typeface="Times New Roman" panose="02020603050405020304" pitchFamily="18" charset="0"/>
-              </a:rPr>
-              <a:t>42</a:t>
-            </a:r>
-            <a:r>
-              <a:rPr lang="en-US" dirty="0">
-                <a:solidFill>
-                  <a:srgbClr val="000000"/>
-                </a:solidFill>
-                <a:latin typeface="Consolas" panose="020B0609020204030204" pitchFamily="49" charset="0"/>
-                <a:ea typeface="Calibri" panose="020F0502020204030204" pitchFamily="34" charset="0"/>
-                <a:cs typeface="Times New Roman" panose="02020603050405020304" pitchFamily="18" charset="0"/>
-              </a:rPr>
-              <a:t>).</a:t>
-            </a:r>
-            <a:r>
-              <a:rPr lang="en-US" i="1" dirty="0">
-                <a:solidFill>
-                  <a:srgbClr val="AB3000"/>
-                </a:solidFill>
-                <a:latin typeface="Consolas" panose="020B0609020204030204" pitchFamily="49" charset="0"/>
-                <a:ea typeface="Calibri" panose="020F0502020204030204" pitchFamily="34" charset="0"/>
-                <a:cs typeface="Times New Roman" panose="02020603050405020304" pitchFamily="18" charset="0"/>
-              </a:rPr>
-              <a:t>filter</a:t>
-            </a:r>
-            <a:r>
-              <a:rPr lang="en-US" dirty="0">
-                <a:solidFill>
-                  <a:srgbClr val="000000"/>
-                </a:solidFill>
-                <a:latin typeface="Consolas" panose="020B0609020204030204" pitchFamily="49" charset="0"/>
-                <a:ea typeface="Calibri" panose="020F0502020204030204" pitchFamily="34" charset="0"/>
-                <a:cs typeface="Times New Roman" panose="02020603050405020304" pitchFamily="18" charset="0"/>
-              </a:rPr>
-              <a:t>[</a:t>
-            </a:r>
-            <a:r>
-              <a:rPr lang="en-US" b="1" dirty="0">
-                <a:solidFill>
-                  <a:srgbClr val="7F0055"/>
-                </a:solidFill>
-                <a:latin typeface="Consolas" panose="020B0609020204030204" pitchFamily="49" charset="0"/>
-                <a:ea typeface="Calibri" panose="020F0502020204030204" pitchFamily="34" charset="0"/>
-                <a:cs typeface="Times New Roman" panose="02020603050405020304" pitchFamily="18" charset="0"/>
-              </a:rPr>
-              <a:t>it</a:t>
-            </a:r>
-            <a:r>
-              <a:rPr lang="en-US" dirty="0">
-                <a:solidFill>
-                  <a:srgbClr val="000000"/>
-                </a:solidFill>
-                <a:latin typeface="Consolas" panose="020B0609020204030204" pitchFamily="49" charset="0"/>
-                <a:ea typeface="Calibri" panose="020F0502020204030204" pitchFamily="34" charset="0"/>
-                <a:cs typeface="Times New Roman" panose="02020603050405020304" pitchFamily="18" charset="0"/>
-              </a:rPr>
-              <a:t>&gt;</a:t>
-            </a:r>
-            <a:r>
-              <a:rPr lang="en-US" dirty="0">
-                <a:solidFill>
-                  <a:srgbClr val="7D7D7D"/>
-                </a:solidFill>
-                <a:latin typeface="Consolas" panose="020B0609020204030204" pitchFamily="49" charset="0"/>
-                <a:ea typeface="Calibri" panose="020F0502020204030204" pitchFamily="34" charset="0"/>
-                <a:cs typeface="Times New Roman" panose="02020603050405020304" pitchFamily="18" charset="0"/>
-              </a:rPr>
-              <a:t>0</a:t>
-            </a:r>
-            <a:r>
-              <a:rPr lang="en-US" dirty="0">
-                <a:solidFill>
-                  <a:srgbClr val="000000"/>
-                </a:solidFill>
-                <a:latin typeface="Consolas" panose="020B0609020204030204" pitchFamily="49" charset="0"/>
-                <a:ea typeface="Calibri" panose="020F0502020204030204" pitchFamily="34" charset="0"/>
-                <a:cs typeface="Times New Roman" panose="02020603050405020304" pitchFamily="18" charset="0"/>
-              </a:rPr>
-              <a:t>]</a:t>
-            </a:r>
-            <a:endParaRPr lang="en-US" sz="2000" dirty="0">
+            <a:endParaRPr lang="en-US" sz="2000" dirty="0" smtClean="0">
+              <a:solidFill>
+                <a:srgbClr val="000000"/>
+              </a:solidFill>
+              <a:latin typeface="Consolas" panose="020B0609020204030204" pitchFamily="49" charset="0"/>
+              <a:ea typeface="Calibri" panose="020F0502020204030204" pitchFamily="34" charset="0"/>
+              <a:cs typeface="Times New Roman" panose="02020603050405020304" pitchFamily="18" charset="0"/>
+            </a:endParaRPr>
+          </a:p>
+          <a:p>
+            <a:pPr lvl="1">
+              <a:lnSpc>
+                <a:spcPct val="107000"/>
+              </a:lnSpc>
+              <a:spcAft>
+                <a:spcPts val="800"/>
+              </a:spcAft>
+            </a:pPr>
+            <a:endParaRPr lang="en-US" sz="2000" dirty="0" smtClean="0">
               <a:latin typeface="Calibri" panose="020F0502020204030204" pitchFamily="34" charset="0"/>
               <a:ea typeface="Calibri" panose="020F0502020204030204" pitchFamily="34" charset="0"/>
               <a:cs typeface="Times New Roman" panose="02020603050405020304" pitchFamily="18" charset="0"/>
             </a:endParaRPr>
           </a:p>
           <a:p>
-            <a:pPr marL="0" indent="-5668">
-              <a:buNone/>
+            <a:pPr lvl="1">
+              <a:lnSpc>
+                <a:spcPct val="107000"/>
+              </a:lnSpc>
+              <a:spcAft>
+                <a:spcPts val="800"/>
+              </a:spcAft>
             </a:pPr>
-            <a:endParaRPr lang="en-US" dirty="0" smtClean="0">
-              <a:latin typeface="Consolas" panose="020B0609020204030204" pitchFamily="49" charset="0"/>
-              <a:cs typeface="Consolas" panose="020B0609020204030204" pitchFamily="49" charset="0"/>
+            <a:endParaRPr lang="en-US" sz="2000" dirty="0" smtClean="0">
+              <a:latin typeface="Calibri" panose="020F0502020204030204" pitchFamily="34" charset="0"/>
+              <a:ea typeface="Calibri" panose="020F0502020204030204" pitchFamily="34" charset="0"/>
+              <a:cs typeface="Times New Roman" panose="02020603050405020304" pitchFamily="18" charset="0"/>
             </a:endParaRPr>
           </a:p>
           <a:p>
-            <a:endParaRPr lang="en-US" dirty="0">
-              <a:latin typeface="Consolas" panose="020B0609020204030204" pitchFamily="49" charset="0"/>
-              <a:cs typeface="Consolas" panose="020B0609020204030204" pitchFamily="49" charset="0"/>
+            <a:pPr lvl="1">
+              <a:lnSpc>
+                <a:spcPct val="107000"/>
+              </a:lnSpc>
+              <a:spcAft>
+                <a:spcPts val="800"/>
+              </a:spcAft>
+            </a:pPr>
+            <a:endParaRPr lang="en-US" sz="2000" dirty="0">
+              <a:effectLst/>
+              <a:latin typeface="Calibri" panose="020F0502020204030204" pitchFamily="34" charset="0"/>
+              <a:ea typeface="Calibri" panose="020F0502020204030204" pitchFamily="34" charset="0"/>
+              <a:cs typeface="Times New Roman" panose="02020603050405020304" pitchFamily="18" charset="0"/>
             </a:endParaRPr>
           </a:p>
         </p:txBody>
@@ -10329,7 +10188,7 @@
           <a:lstStyle/>
           <a:p>
             <a:r>
-              <a:rPr lang="de-DE" smtClean="0">
+              <a:rPr lang="de-DE" dirty="0" smtClean="0">
                 <a:latin typeface="Arial"/>
               </a:rPr>
               <a:t>© Fraunhofer FOKUS</a:t>
@@ -10378,7 +10237,7 @@
     </p:spTree>
     <p:extLst>
       <p:ext uri="{BB962C8B-B14F-4D97-AF65-F5344CB8AC3E}">
-        <p14:creationId xmlns:p14="http://schemas.microsoft.com/office/powerpoint/2010/main" val="15965559"/>
+        <p14:creationId xmlns:p14="http://schemas.microsoft.com/office/powerpoint/2010/main" val="3540041144"/>
       </p:ext>
     </p:extLst>
   </p:cSld>
@@ -10455,45 +10314,62 @@
           <a:bodyPr/>
           <a:lstStyle/>
           <a:p>
-            <a:pPr marL="0" indent="0">
-              <a:buNone/>
+            <a:pPr>
+              <a:lnSpc>
+                <a:spcPct val="150000"/>
+              </a:lnSpc>
+              <a:spcAft>
+                <a:spcPts val="0"/>
+              </a:spcAft>
             </a:pPr>
             <a:r>
               <a:rPr lang="en-US" dirty="0" smtClean="0"/>
-              <a:t>Looping over </a:t>
-            </a:r>
-            <a:r>
-              <a:rPr lang="en-US" dirty="0" smtClean="0">
-                <a:solidFill>
-                  <a:srgbClr val="000000"/>
-                </a:solidFill>
-                <a:latin typeface="Consolas" panose="020B0609020204030204" pitchFamily="49" charset="0"/>
-                <a:ea typeface="Calibri" panose="020F0502020204030204" pitchFamily="34" charset="0"/>
-                <a:cs typeface="Times New Roman" panose="02020603050405020304" pitchFamily="18" charset="0"/>
-              </a:rPr>
-              <a:t>Optional</a:t>
-            </a:r>
-            <a:r>
-              <a:rPr lang="en-US" dirty="0" smtClean="0">
-                <a:solidFill>
-                  <a:srgbClr val="000000"/>
-                </a:solidFill>
-                <a:latin typeface="Consolas" panose="020B0609020204030204" pitchFamily="49" charset="0"/>
-                <a:ea typeface="Calibri" panose="020F0502020204030204" pitchFamily="34" charset="0"/>
-                <a:cs typeface="Times New Roman" panose="02020603050405020304" pitchFamily="18" charset="0"/>
-              </a:rPr>
-              <a:t>&lt;? </a:t>
-            </a:r>
-            <a:r>
-              <a:rPr lang="en-US" b="1" dirty="0" smtClean="0">
-                <a:solidFill>
-                  <a:srgbClr val="7F0055"/>
-                </a:solidFill>
-                <a:latin typeface="Consolas" panose="020B0609020204030204" pitchFamily="49" charset="0"/>
-                <a:ea typeface="Calibri" panose="020F0502020204030204" pitchFamily="34" charset="0"/>
-                <a:cs typeface="Times New Roman" panose="02020603050405020304" pitchFamily="18" charset="0"/>
-              </a:rPr>
-              <a:t>extends</a:t>
+              <a:t>“</a:t>
+            </a:r>
+            <a:r>
+              <a:rPr lang="en-US" dirty="0" smtClean="0"/>
+              <a:t>or operator” </a:t>
+            </a:r>
+            <a:r>
+              <a:rPr lang="en-US" dirty="0" smtClean="0">
+                <a:latin typeface="Consolas" panose="020B0609020204030204" pitchFamily="49" charset="0"/>
+                <a:cs typeface="Consolas" panose="020B0609020204030204" pitchFamily="49" charset="0"/>
+              </a:rPr>
+              <a:t>||</a:t>
+            </a:r>
+            <a:r>
+              <a:rPr lang="en-US" dirty="0" smtClean="0"/>
+              <a:t> between </a:t>
+            </a:r>
+            <a:r>
+              <a:rPr lang="en-US" dirty="0" err="1" smtClean="0"/>
+              <a:t>Optionals</a:t>
+            </a:r>
+            <a:r>
+              <a:rPr lang="en-US" dirty="0" smtClean="0"/>
+              <a:t> (take the first non-empty optional, or empty)</a:t>
+            </a:r>
+            <a:br>
+              <a:rPr lang="en-US" dirty="0" smtClean="0"/>
+            </a:br>
+            <a:r>
+              <a:rPr lang="en-US" dirty="0">
+                <a:latin typeface="Consolas" panose="020B0609020204030204" pitchFamily="49" charset="0"/>
+                <a:ea typeface="Calibri" panose="020F0502020204030204" pitchFamily="34" charset="0"/>
+                <a:cs typeface="Times New Roman" panose="02020603050405020304" pitchFamily="18" charset="0"/>
+              </a:rPr>
+              <a:t> </a:t>
+            </a:r>
+            <a:r>
+              <a:rPr lang="en-US" i="1" dirty="0" smtClean="0">
+                <a:solidFill>
+                  <a:srgbClr val="000000"/>
+                </a:solidFill>
+                <a:latin typeface="Consolas" panose="020B0609020204030204" pitchFamily="49" charset="0"/>
+                <a:ea typeface="Calibri" panose="020F0502020204030204" pitchFamily="34" charset="0"/>
+                <a:cs typeface="Times New Roman" panose="02020603050405020304" pitchFamily="18" charset="0"/>
+              </a:rPr>
+              <a:t>none</a:t>
             </a:r>
             <a:r>
               <a:rPr lang="en-US" dirty="0" smtClean="0">
@@ -10507,59 +10383,158 @@
               <a:t> </a:t>
             </a:r>
             <a:r>
-              <a:rPr lang="en-US" dirty="0" err="1" smtClean="0">
-                <a:solidFill>
-                  <a:srgbClr val="000000"/>
-                </a:solidFill>
-                <a:latin typeface="Consolas" panose="020B0609020204030204" pitchFamily="49" charset="0"/>
-                <a:ea typeface="Calibri" panose="020F0502020204030204" pitchFamily="34" charset="0"/>
-                <a:cs typeface="Times New Roman" panose="02020603050405020304" pitchFamily="18" charset="0"/>
-              </a:rPr>
-              <a:t>IntegerRange</a:t>
-            </a:r>
-            <a:r>
-              <a:rPr lang="en-US" dirty="0" smtClean="0">
-                <a:solidFill>
-                  <a:srgbClr val="000000"/>
-                </a:solidFill>
-                <a:latin typeface="Consolas" panose="020B0609020204030204" pitchFamily="49" charset="0"/>
-                <a:ea typeface="Calibri" panose="020F0502020204030204" pitchFamily="34" charset="0"/>
-                <a:cs typeface="Times New Roman" panose="02020603050405020304" pitchFamily="18" charset="0"/>
-              </a:rPr>
-              <a:t>&gt;</a:t>
-            </a:r>
-            <a:endParaRPr lang="en-US" dirty="0" smtClean="0">
-              <a:solidFill>
-                <a:srgbClr val="000000"/>
-              </a:solidFill>
-              <a:latin typeface="Consolas" panose="020B0609020204030204" pitchFamily="49" charset="0"/>
-              <a:ea typeface="Calibri" panose="020F0502020204030204" pitchFamily="34" charset="0"/>
-              <a:cs typeface="Times New Roman" panose="02020603050405020304" pitchFamily="18" charset="0"/>
-            </a:endParaRPr>
-          </a:p>
-          <a:p>
-            <a:pPr marL="487442" lvl="2" indent="0">
-              <a:lnSpc>
-                <a:spcPct val="107000"/>
-              </a:lnSpc>
-              <a:buNone/>
-            </a:pPr>
-            <a:endParaRPr lang="en-US" i="1" dirty="0" smtClean="0">
-              <a:solidFill>
-                <a:srgbClr val="000000"/>
-              </a:solidFill>
-              <a:latin typeface="Consolas" panose="020B0609020204030204" pitchFamily="49" charset="0"/>
-              <a:ea typeface="Calibri" panose="020F0502020204030204" pitchFamily="34" charset="0"/>
-              <a:cs typeface="Times New Roman" panose="02020603050405020304" pitchFamily="18" charset="0"/>
-            </a:endParaRPr>
-          </a:p>
-          <a:p>
-            <a:pPr marL="259592" lvl="1" indent="0">
-              <a:lnSpc>
-                <a:spcPct val="107000"/>
-              </a:lnSpc>
-              <a:buNone/>
-            </a:pPr>
+              <a:rPr lang="en-US" dirty="0">
+                <a:solidFill>
+                  <a:srgbClr val="000000"/>
+                </a:solidFill>
+                <a:latin typeface="Consolas" panose="020B0609020204030204" pitchFamily="49" charset="0"/>
+                <a:ea typeface="Calibri" panose="020F0502020204030204" pitchFamily="34" charset="0"/>
+                <a:cs typeface="Times New Roman" panose="02020603050405020304" pitchFamily="18" charset="0"/>
+              </a:rPr>
+              <a:t>|| </a:t>
+            </a:r>
+            <a:r>
+              <a:rPr lang="en-US" i="1" dirty="0">
+                <a:solidFill>
+                  <a:srgbClr val="000000"/>
+                </a:solidFill>
+                <a:latin typeface="Consolas" panose="020B0609020204030204" pitchFamily="49" charset="0"/>
+                <a:ea typeface="Calibri" panose="020F0502020204030204" pitchFamily="34" charset="0"/>
+                <a:cs typeface="Times New Roman" panose="02020603050405020304" pitchFamily="18" charset="0"/>
+              </a:rPr>
+              <a:t>some</a:t>
+            </a:r>
+            <a:r>
+              <a:rPr lang="en-US" dirty="0">
+                <a:solidFill>
+                  <a:srgbClr val="000000"/>
+                </a:solidFill>
+                <a:latin typeface="Consolas" panose="020B0609020204030204" pitchFamily="49" charset="0"/>
+                <a:ea typeface="Calibri" panose="020F0502020204030204" pitchFamily="34" charset="0"/>
+                <a:cs typeface="Times New Roman" panose="02020603050405020304" pitchFamily="18" charset="0"/>
+              </a:rPr>
+              <a:t>(</a:t>
+            </a:r>
+            <a:r>
+              <a:rPr lang="en-US" dirty="0">
+                <a:solidFill>
+                  <a:srgbClr val="2A00FF"/>
+                </a:solidFill>
+                <a:latin typeface="Consolas" panose="020B0609020204030204" pitchFamily="49" charset="0"/>
+                <a:ea typeface="Calibri" panose="020F0502020204030204" pitchFamily="34" charset="0"/>
+                <a:cs typeface="Times New Roman" panose="02020603050405020304" pitchFamily="18" charset="0"/>
+              </a:rPr>
+              <a:t>"foo"</a:t>
+            </a:r>
+            <a:r>
+              <a:rPr lang="en-US" dirty="0">
+                <a:solidFill>
+                  <a:srgbClr val="000000"/>
+                </a:solidFill>
+                <a:latin typeface="Consolas" panose="020B0609020204030204" pitchFamily="49" charset="0"/>
+                <a:ea typeface="Calibri" panose="020F0502020204030204" pitchFamily="34" charset="0"/>
+                <a:cs typeface="Times New Roman" panose="02020603050405020304" pitchFamily="18" charset="0"/>
+              </a:rPr>
+              <a:t>) </a:t>
+            </a:r>
+            <a:r>
+              <a:rPr lang="en-US" dirty="0" smtClean="0">
+                <a:solidFill>
+                  <a:srgbClr val="000000"/>
+                </a:solidFill>
+                <a:latin typeface="Consolas" panose="020B0609020204030204" pitchFamily="49" charset="0"/>
+                <a:ea typeface="Calibri" panose="020F0502020204030204" pitchFamily="34" charset="0"/>
+                <a:cs typeface="Times New Roman" panose="02020603050405020304" pitchFamily="18" charset="0"/>
+              </a:rPr>
+              <a:t>|| </a:t>
+            </a:r>
+            <a:r>
+              <a:rPr lang="en-US" i="1" dirty="0">
+                <a:solidFill>
+                  <a:srgbClr val="000000"/>
+                </a:solidFill>
+                <a:latin typeface="Consolas" panose="020B0609020204030204" pitchFamily="49" charset="0"/>
+                <a:ea typeface="Calibri" panose="020F0502020204030204" pitchFamily="34" charset="0"/>
+                <a:cs typeface="Times New Roman" panose="02020603050405020304" pitchFamily="18" charset="0"/>
+              </a:rPr>
+              <a:t>some</a:t>
+            </a:r>
+            <a:r>
+              <a:rPr lang="en-US" dirty="0" smtClean="0">
+                <a:solidFill>
+                  <a:srgbClr val="000000"/>
+                </a:solidFill>
+                <a:latin typeface="Consolas" panose="020B0609020204030204" pitchFamily="49" charset="0"/>
+                <a:ea typeface="Calibri" panose="020F0502020204030204" pitchFamily="34" charset="0"/>
+                <a:cs typeface="Times New Roman" panose="02020603050405020304" pitchFamily="18" charset="0"/>
+              </a:rPr>
+              <a:t>(</a:t>
+            </a:r>
+            <a:r>
+              <a:rPr lang="en-US" dirty="0" smtClean="0">
+                <a:solidFill>
+                  <a:srgbClr val="2A00FF"/>
+                </a:solidFill>
+                <a:latin typeface="Consolas" panose="020B0609020204030204" pitchFamily="49" charset="0"/>
+                <a:ea typeface="Calibri" panose="020F0502020204030204" pitchFamily="34" charset="0"/>
+                <a:cs typeface="Times New Roman" panose="02020603050405020304" pitchFamily="18" charset="0"/>
+              </a:rPr>
+              <a:t>"bar"</a:t>
+            </a:r>
+            <a:r>
+              <a:rPr lang="en-US" dirty="0" smtClean="0">
+                <a:solidFill>
+                  <a:srgbClr val="000000"/>
+                </a:solidFill>
+                <a:latin typeface="Consolas" panose="020B0609020204030204" pitchFamily="49" charset="0"/>
+                <a:ea typeface="Calibri" panose="020F0502020204030204" pitchFamily="34" charset="0"/>
+                <a:cs typeface="Times New Roman" panose="02020603050405020304" pitchFamily="18" charset="0"/>
+              </a:rPr>
+              <a:t>) </a:t>
+            </a:r>
+            <a:r>
+              <a:rPr lang="en-US" dirty="0">
+                <a:solidFill>
+                  <a:srgbClr val="3F7F5F"/>
+                </a:solidFill>
+                <a:latin typeface="Consolas" panose="020B0609020204030204" pitchFamily="49" charset="0"/>
+                <a:ea typeface="Calibri" panose="020F0502020204030204" pitchFamily="34" charset="0"/>
+                <a:cs typeface="Times New Roman" panose="02020603050405020304" pitchFamily="18" charset="0"/>
+              </a:rPr>
+              <a:t>// =&gt; some("foo</a:t>
+            </a:r>
+            <a:r>
+              <a:rPr lang="en-US" dirty="0" smtClean="0">
+                <a:solidFill>
+                  <a:srgbClr val="3F7F5F"/>
+                </a:solidFill>
+                <a:latin typeface="Consolas" panose="020B0609020204030204" pitchFamily="49" charset="0"/>
+                <a:ea typeface="Calibri" panose="020F0502020204030204" pitchFamily="34" charset="0"/>
+                <a:cs typeface="Times New Roman" panose="02020603050405020304" pitchFamily="18" charset="0"/>
+              </a:rPr>
+              <a:t>")</a:t>
+            </a:r>
+            <a:br>
+              <a:rPr lang="en-US" dirty="0" smtClean="0">
+                <a:solidFill>
+                  <a:srgbClr val="3F7F5F"/>
+                </a:solidFill>
+                <a:latin typeface="Consolas" panose="020B0609020204030204" pitchFamily="49" charset="0"/>
+                <a:ea typeface="Calibri" panose="020F0502020204030204" pitchFamily="34" charset="0"/>
+                <a:cs typeface="Times New Roman" panose="02020603050405020304" pitchFamily="18" charset="0"/>
+              </a:rPr>
+            </a:br>
+            <a:r>
+              <a:rPr lang="en-US" dirty="0" smtClean="0">
+                <a:solidFill>
+                  <a:srgbClr val="3F7F5F"/>
+                </a:solidFill>
+                <a:latin typeface="Consolas" panose="020B0609020204030204" pitchFamily="49" charset="0"/>
+                <a:ea typeface="Calibri" panose="020F0502020204030204" pitchFamily="34" charset="0"/>
+                <a:cs typeface="Times New Roman" panose="02020603050405020304" pitchFamily="18" charset="0"/>
+              </a:rPr>
+              <a:t> </a:t>
+            </a:r>
             <a:r>
               <a:rPr lang="en-US" i="1" dirty="0" smtClean="0">
                 <a:solidFill>
@@ -10569,224 +10544,117 @@
                 <a:ea typeface="Calibri" panose="020F0502020204030204" pitchFamily="34" charset="0"/>
                 <a:cs typeface="Times New Roman" panose="02020603050405020304" pitchFamily="18" charset="0"/>
               </a:rPr>
-              <a:t>some</a:t>
-            </a:r>
-            <a:r>
-              <a:rPr lang="en-US" dirty="0" smtClean="0">
-                <a:solidFill>
-                  <a:srgbClr val="000000"/>
-                </a:solidFill>
-                <a:latin typeface="Consolas" panose="020B0609020204030204" pitchFamily="49" charset="0"/>
-                <a:ea typeface="Calibri" panose="020F0502020204030204" pitchFamily="34" charset="0"/>
-                <a:cs typeface="Times New Roman" panose="02020603050405020304" pitchFamily="18" charset="0"/>
-              </a:rPr>
-              <a:t>(</a:t>
-            </a:r>
-            <a:r>
-              <a:rPr lang="en-US" dirty="0" smtClean="0">
-                <a:solidFill>
-                  <a:srgbClr val="7D7D7D"/>
-                </a:solidFill>
-                <a:latin typeface="Consolas" panose="020B0609020204030204" pitchFamily="49" charset="0"/>
-                <a:ea typeface="Calibri" panose="020F0502020204030204" pitchFamily="34" charset="0"/>
-                <a:cs typeface="Times New Roman" panose="02020603050405020304" pitchFamily="18" charset="0"/>
-              </a:rPr>
-              <a:t>5</a:t>
-            </a:r>
-            <a:r>
-              <a:rPr lang="en-US" dirty="0" smtClean="0">
-                <a:solidFill>
-                  <a:srgbClr val="000000"/>
-                </a:solidFill>
-                <a:latin typeface="Consolas" panose="020B0609020204030204" pitchFamily="49" charset="0"/>
-                <a:ea typeface="Calibri" panose="020F0502020204030204" pitchFamily="34" charset="0"/>
-                <a:cs typeface="Times New Roman" panose="02020603050405020304" pitchFamily="18" charset="0"/>
-              </a:rPr>
-              <a:t>..</a:t>
-            </a:r>
-            <a:r>
-              <a:rPr lang="en-US" dirty="0" smtClean="0">
-                <a:solidFill>
-                  <a:srgbClr val="7D7D7D"/>
-                </a:solidFill>
-                <a:latin typeface="Consolas" panose="020B0609020204030204" pitchFamily="49" charset="0"/>
-                <a:ea typeface="Calibri" panose="020F0502020204030204" pitchFamily="34" charset="0"/>
-                <a:cs typeface="Times New Roman" panose="02020603050405020304" pitchFamily="18" charset="0"/>
-              </a:rPr>
-              <a:t>10</a:t>
-            </a:r>
-            <a:r>
-              <a:rPr lang="en-US" dirty="0" smtClean="0">
-                <a:solidFill>
-                  <a:srgbClr val="000000"/>
-                </a:solidFill>
-                <a:latin typeface="Consolas" panose="020B0609020204030204" pitchFamily="49" charset="0"/>
-                <a:ea typeface="Calibri" panose="020F0502020204030204" pitchFamily="34" charset="0"/>
-                <a:cs typeface="Times New Roman" panose="02020603050405020304" pitchFamily="18" charset="0"/>
-              </a:rPr>
-              <a:t>).</a:t>
-            </a:r>
-            <a:r>
-              <a:rPr lang="en-US" i="1" dirty="0" err="1" smtClean="0">
-                <a:solidFill>
-                  <a:srgbClr val="AB3000"/>
-                </a:solidFill>
-                <a:latin typeface="Consolas" panose="020B0609020204030204" pitchFamily="49" charset="0"/>
-                <a:ea typeface="Calibri" panose="020F0502020204030204" pitchFamily="34" charset="0"/>
-                <a:cs typeface="Times New Roman" panose="02020603050405020304" pitchFamily="18" charset="0"/>
-              </a:rPr>
-              <a:t>forEachInt</a:t>
-            </a:r>
-            <a:r>
-              <a:rPr lang="en-US" dirty="0" smtClean="0">
-                <a:solidFill>
-                  <a:srgbClr val="000000"/>
-                </a:solidFill>
-                <a:latin typeface="Consolas" panose="020B0609020204030204" pitchFamily="49" charset="0"/>
-                <a:ea typeface="Calibri" panose="020F0502020204030204" pitchFamily="34" charset="0"/>
-                <a:cs typeface="Times New Roman" panose="02020603050405020304" pitchFamily="18" charset="0"/>
-              </a:rPr>
-              <a:t> [</a:t>
-            </a:r>
-            <a:r>
-              <a:rPr lang="en-US" dirty="0" err="1" smtClean="0">
-                <a:solidFill>
-                  <a:srgbClr val="000000"/>
-                </a:solidFill>
-                <a:latin typeface="Consolas" panose="020B0609020204030204" pitchFamily="49" charset="0"/>
-                <a:ea typeface="Calibri" panose="020F0502020204030204" pitchFamily="34" charset="0"/>
-                <a:cs typeface="Times New Roman" panose="02020603050405020304" pitchFamily="18" charset="0"/>
-              </a:rPr>
-              <a:t>num</a:t>
-            </a:r>
-            <a:r>
-              <a:rPr lang="en-US" dirty="0" smtClean="0">
-                <a:solidFill>
-                  <a:srgbClr val="000000"/>
-                </a:solidFill>
-                <a:latin typeface="Consolas" panose="020B0609020204030204" pitchFamily="49" charset="0"/>
-                <a:ea typeface="Calibri" panose="020F0502020204030204" pitchFamily="34" charset="0"/>
-                <a:cs typeface="Times New Roman" panose="02020603050405020304" pitchFamily="18" charset="0"/>
-              </a:rPr>
-              <a:t>, index|</a:t>
-            </a:r>
-            <a:endParaRPr lang="en-US" sz="2000" dirty="0" smtClean="0">
-              <a:latin typeface="Calibri" panose="020F0502020204030204" pitchFamily="34" charset="0"/>
-              <a:ea typeface="Calibri" panose="020F0502020204030204" pitchFamily="34" charset="0"/>
-              <a:cs typeface="Times New Roman" panose="02020603050405020304" pitchFamily="18" charset="0"/>
-            </a:endParaRPr>
-          </a:p>
-          <a:p>
-            <a:pPr marL="259592" lvl="1" indent="0">
-              <a:lnSpc>
-                <a:spcPct val="107000"/>
-              </a:lnSpc>
-              <a:buNone/>
-            </a:pPr>
-            <a:r>
-              <a:rPr lang="en-US" dirty="0" smtClean="0">
-                <a:solidFill>
-                  <a:srgbClr val="000000"/>
-                </a:solidFill>
-                <a:latin typeface="Consolas" panose="020B0609020204030204" pitchFamily="49" charset="0"/>
-                <a:ea typeface="Calibri" panose="020F0502020204030204" pitchFamily="34" charset="0"/>
-                <a:cs typeface="Times New Roman" panose="02020603050405020304" pitchFamily="18" charset="0"/>
-              </a:rPr>
-              <a:t>	</a:t>
-            </a:r>
-            <a:r>
-              <a:rPr lang="en-US" i="1" dirty="0" err="1" smtClean="0">
-                <a:solidFill>
-                  <a:srgbClr val="000000"/>
-                </a:solidFill>
-                <a:latin typeface="Consolas" panose="020B0609020204030204" pitchFamily="49" charset="0"/>
-                <a:ea typeface="Calibri" panose="020F0502020204030204" pitchFamily="34" charset="0"/>
-                <a:cs typeface="Times New Roman" panose="02020603050405020304" pitchFamily="18" charset="0"/>
-              </a:rPr>
-              <a:t>println</a:t>
-            </a:r>
-            <a:r>
-              <a:rPr lang="en-US" dirty="0" smtClean="0">
-                <a:solidFill>
-                  <a:srgbClr val="000000"/>
-                </a:solidFill>
-                <a:latin typeface="Consolas" panose="020B0609020204030204" pitchFamily="49" charset="0"/>
-                <a:ea typeface="Calibri" panose="020F0502020204030204" pitchFamily="34" charset="0"/>
-                <a:cs typeface="Times New Roman" panose="02020603050405020304" pitchFamily="18" charset="0"/>
-              </a:rPr>
-              <a:t>(index + </a:t>
-            </a:r>
-            <a:r>
-              <a:rPr lang="en-US" dirty="0" smtClean="0">
-                <a:solidFill>
-                  <a:srgbClr val="2A00FF"/>
-                </a:solidFill>
-                <a:latin typeface="Consolas" panose="020B0609020204030204" pitchFamily="49" charset="0"/>
-                <a:ea typeface="Calibri" panose="020F0502020204030204" pitchFamily="34" charset="0"/>
-                <a:cs typeface="Times New Roman" panose="02020603050405020304" pitchFamily="18" charset="0"/>
-              </a:rPr>
-              <a:t>": "</a:t>
-            </a:r>
-            <a:r>
-              <a:rPr lang="en-US" dirty="0" smtClean="0">
-                <a:solidFill>
-                  <a:srgbClr val="000000"/>
-                </a:solidFill>
-                <a:latin typeface="Consolas" panose="020B0609020204030204" pitchFamily="49" charset="0"/>
-                <a:ea typeface="Calibri" panose="020F0502020204030204" pitchFamily="34" charset="0"/>
-                <a:cs typeface="Times New Roman" panose="02020603050405020304" pitchFamily="18" charset="0"/>
-              </a:rPr>
-              <a:t>+ </a:t>
-            </a:r>
-            <a:r>
-              <a:rPr lang="en-US" dirty="0" err="1" smtClean="0">
-                <a:solidFill>
-                  <a:srgbClr val="000000"/>
-                </a:solidFill>
-                <a:latin typeface="Consolas" panose="020B0609020204030204" pitchFamily="49" charset="0"/>
-                <a:ea typeface="Calibri" panose="020F0502020204030204" pitchFamily="34" charset="0"/>
-                <a:cs typeface="Times New Roman" panose="02020603050405020304" pitchFamily="18" charset="0"/>
-              </a:rPr>
-              <a:t>num</a:t>
-            </a:r>
-            <a:r>
-              <a:rPr lang="en-US" dirty="0" smtClean="0">
-                <a:solidFill>
-                  <a:srgbClr val="000000"/>
-                </a:solidFill>
-                <a:latin typeface="Consolas" panose="020B0609020204030204" pitchFamily="49" charset="0"/>
-                <a:ea typeface="Calibri" panose="020F0502020204030204" pitchFamily="34" charset="0"/>
-                <a:cs typeface="Times New Roman" panose="02020603050405020304" pitchFamily="18" charset="0"/>
-              </a:rPr>
-              <a:t>)</a:t>
-            </a:r>
-            <a:endParaRPr lang="en-US" sz="2000" dirty="0" smtClean="0">
-              <a:latin typeface="Calibri" panose="020F0502020204030204" pitchFamily="34" charset="0"/>
-              <a:ea typeface="Calibri" panose="020F0502020204030204" pitchFamily="34" charset="0"/>
-              <a:cs typeface="Times New Roman" panose="02020603050405020304" pitchFamily="18" charset="0"/>
-            </a:endParaRPr>
-          </a:p>
-          <a:p>
-            <a:pPr marL="259592" lvl="1" indent="0">
+              <a:t>none</a:t>
+            </a:r>
+            <a:r>
+              <a:rPr lang="en-US" dirty="0" smtClean="0">
+                <a:solidFill>
+                  <a:srgbClr val="000000"/>
+                </a:solidFill>
+                <a:latin typeface="Consolas" panose="020B0609020204030204" pitchFamily="49" charset="0"/>
+                <a:ea typeface="Calibri" panose="020F0502020204030204" pitchFamily="34" charset="0"/>
+                <a:cs typeface="Times New Roman" panose="02020603050405020304" pitchFamily="18" charset="0"/>
+              </a:rPr>
+              <a:t> </a:t>
+            </a:r>
+            <a:r>
+              <a:rPr lang="en-US" dirty="0">
+                <a:solidFill>
+                  <a:srgbClr val="000000"/>
+                </a:solidFill>
+                <a:latin typeface="Consolas" panose="020B0609020204030204" pitchFamily="49" charset="0"/>
+                <a:ea typeface="Calibri" panose="020F0502020204030204" pitchFamily="34" charset="0"/>
+                <a:cs typeface="Times New Roman" panose="02020603050405020304" pitchFamily="18" charset="0"/>
+              </a:rPr>
+              <a:t>|| </a:t>
+            </a:r>
+            <a:r>
+              <a:rPr lang="en-US" i="1" dirty="0" smtClean="0">
+                <a:solidFill>
+                  <a:srgbClr val="000000"/>
+                </a:solidFill>
+                <a:latin typeface="Consolas" panose="020B0609020204030204" pitchFamily="49" charset="0"/>
+                <a:ea typeface="Calibri" panose="020F0502020204030204" pitchFamily="34" charset="0"/>
+                <a:cs typeface="Times New Roman" panose="02020603050405020304" pitchFamily="18" charset="0"/>
+              </a:rPr>
+              <a:t>none</a:t>
+            </a:r>
+            <a:r>
+              <a:rPr lang="en-US" dirty="0" smtClean="0">
+                <a:solidFill>
+                  <a:srgbClr val="000000"/>
+                </a:solidFill>
+                <a:latin typeface="Consolas" panose="020B0609020204030204" pitchFamily="49" charset="0"/>
+                <a:ea typeface="Calibri" panose="020F0502020204030204" pitchFamily="34" charset="0"/>
+                <a:cs typeface="Times New Roman" panose="02020603050405020304" pitchFamily="18" charset="0"/>
+              </a:rPr>
+              <a:t>                       </a:t>
+            </a:r>
+            <a:r>
+              <a:rPr lang="en-US" dirty="0" smtClean="0">
+                <a:solidFill>
+                  <a:srgbClr val="3F7F5F"/>
+                </a:solidFill>
+                <a:latin typeface="Consolas" panose="020B0609020204030204" pitchFamily="49" charset="0"/>
+                <a:ea typeface="Calibri" panose="020F0502020204030204" pitchFamily="34" charset="0"/>
+                <a:cs typeface="Times New Roman" panose="02020603050405020304" pitchFamily="18" charset="0"/>
+              </a:rPr>
+              <a:t>// </a:t>
+            </a:r>
+            <a:r>
+              <a:rPr lang="en-US" dirty="0">
+                <a:solidFill>
+                  <a:srgbClr val="3F7F5F"/>
+                </a:solidFill>
+                <a:latin typeface="Consolas" panose="020B0609020204030204" pitchFamily="49" charset="0"/>
+                <a:ea typeface="Calibri" panose="020F0502020204030204" pitchFamily="34" charset="0"/>
+                <a:cs typeface="Times New Roman" panose="02020603050405020304" pitchFamily="18" charset="0"/>
+              </a:rPr>
+              <a:t>=&gt; </a:t>
+            </a:r>
+            <a:r>
+              <a:rPr lang="en-US" dirty="0" smtClean="0">
+                <a:solidFill>
+                  <a:srgbClr val="3F7F5F"/>
+                </a:solidFill>
+                <a:latin typeface="Consolas" panose="020B0609020204030204" pitchFamily="49" charset="0"/>
+                <a:ea typeface="Calibri" panose="020F0502020204030204" pitchFamily="34" charset="0"/>
+                <a:cs typeface="Times New Roman" panose="02020603050405020304" pitchFamily="18" charset="0"/>
+              </a:rPr>
+              <a:t>none</a:t>
+            </a:r>
+            <a:r>
+              <a:rPr lang="en-US" dirty="0" smtClean="0"/>
+              <a:t/>
+            </a:r>
+            <a:br>
+              <a:rPr lang="en-US" dirty="0" smtClean="0"/>
+            </a:br>
+            <a:endParaRPr lang="en-US" dirty="0" smtClean="0"/>
+          </a:p>
+          <a:p>
+            <a:pPr>
               <a:lnSpc>
                 <a:spcPct val="107000"/>
               </a:lnSpc>
               <a:spcAft>
                 <a:spcPts val="800"/>
               </a:spcAft>
-              <a:buNone/>
             </a:pPr>
             <a:r>
-              <a:rPr lang="en-US" dirty="0" smtClean="0">
-                <a:solidFill>
-                  <a:srgbClr val="000000"/>
-                </a:solidFill>
-                <a:latin typeface="Consolas" panose="020B0609020204030204" pitchFamily="49" charset="0"/>
-                <a:ea typeface="Calibri" panose="020F0502020204030204" pitchFamily="34" charset="0"/>
-                <a:cs typeface="Times New Roman" panose="02020603050405020304" pitchFamily="18" charset="0"/>
-              </a:rPr>
-              <a:t>]</a:t>
-            </a:r>
+              <a:rPr lang="en-US" dirty="0" smtClean="0"/>
+              <a:t>Fun fact: With extensions optional is now an additive monad and idempotent monoid*</a:t>
+            </a:r>
+          </a:p>
+          <a:p>
+            <a:pPr>
+              <a:lnSpc>
+                <a:spcPct val="107000"/>
+              </a:lnSpc>
+              <a:spcAft>
+                <a:spcPts val="800"/>
+              </a:spcAft>
+            </a:pPr>
             <a:endParaRPr lang="en-US" dirty="0" smtClean="0"/>
           </a:p>
           <a:p>
@@ -10917,10 +10785,58 @@
           </a:p>
         </p:txBody>
       </p:sp>
+      <p:sp>
+        <p:nvSpPr>
+          <p:cNvPr id="6" name="Textfeld 5"/>
+          <p:cNvSpPr txBox="1"/>
+          <p:nvPr/>
+        </p:nvSpPr>
+        <p:spPr>
+          <a:xfrm>
+            <a:off x="2397058" y="6062648"/>
+            <a:ext cx="4343401" cy="342900"/>
+          </a:xfrm>
+          <a:prstGeom prst="rect">
+            <a:avLst/>
+          </a:prstGeom>
+        </p:spPr>
+        <p:txBody>
+          <a:bodyPr vert="horz" wrap="none" lIns="151200" tIns="0" rIns="0" bIns="0" rtlCol="0">
+            <a:noAutofit/>
+          </a:bodyPr>
+          <a:lstStyle/>
+          <a:p>
+            <a:pPr>
+              <a:lnSpc>
+                <a:spcPts val="2800"/>
+              </a:lnSpc>
+              <a:spcBef>
+                <a:spcPts val="560"/>
+              </a:spcBef>
+              <a:buClr>
+                <a:schemeClr val="tx1"/>
+              </a:buClr>
+            </a:pPr>
+            <a:r>
+              <a:rPr lang="en-US" sz="1100" dirty="0" smtClean="0"/>
+              <a:t>*</a:t>
+            </a:r>
+            <a:r>
+              <a:rPr lang="en-US" sz="1100" baseline="30000" dirty="0" smtClean="0"/>
+              <a:t>) </a:t>
+            </a:r>
+            <a:r>
+              <a:rPr lang="en-US" sz="1100" dirty="0" smtClean="0"/>
+              <a:t>according to Wikipedia: https://en.wikipedia.org/wiki/Option_type</a:t>
+            </a:r>
+            <a:endParaRPr lang="en-US" sz="1100" dirty="0"/>
+          </a:p>
+        </p:txBody>
+      </p:sp>
     </p:spTree>
     <p:extLst>
       <p:ext uri="{BB962C8B-B14F-4D97-AF65-F5344CB8AC3E}">
-        <p14:creationId xmlns:p14="http://schemas.microsoft.com/office/powerpoint/2010/main" val="3540041144"/>
+        <p14:creationId xmlns:p14="http://schemas.microsoft.com/office/powerpoint/2010/main" val="509027307"/>
       </p:ext>
     </p:extLst>
   </p:cSld>
@@ -11148,2133 +11064,6 @@
 </file>
 
 <file path=ppt/slides/slide20.xml><?xml version="1.0" encoding="utf-8"?>
-<p:sld xmlns:a="http://schemas.openxmlformats.org/drawingml/2006/main" xmlns:r="http://schemas.openxmlformats.org/officeDocument/2006/relationships" xmlns:p="http://schemas.openxmlformats.org/presentationml/2006/main">
-  <p:cSld>
-    <p:spTree>
-      <p:nvGrpSpPr>
-        <p:cNvPr id="1" name=""/>
-        <p:cNvGrpSpPr/>
-        <p:nvPr/>
-      </p:nvGrpSpPr>
-      <p:grpSpPr>
-        <a:xfrm>
-          <a:off x="0" y="0"/>
-          <a:ext cx="0" cy="0"/>
-          <a:chOff x="0" y="0"/>
-          <a:chExt cx="0" cy="0"/>
-        </a:xfrm>
-      </p:grpSpPr>
-      <p:sp>
-        <p:nvSpPr>
-          <p:cNvPr id="2" name="Textplatzhalter 1"/>
-          <p:cNvSpPr>
-            <a:spLocks noGrp="1"/>
-          </p:cNvSpPr>
-          <p:nvPr>
-            <p:ph type="body" sz="quarter" idx="10"/>
-          </p:nvPr>
-        </p:nvSpPr>
-        <p:spPr/>
-        <p:txBody>
-          <a:bodyPr/>
-          <a:lstStyle/>
-          <a:p>
-            <a:r>
-              <a:rPr lang="en-US" dirty="0" smtClean="0"/>
-              <a:t>Additional Stuff</a:t>
-            </a:r>
-            <a:endParaRPr lang="en-US" dirty="0"/>
-          </a:p>
-        </p:txBody>
-      </p:sp>
-      <p:sp>
-        <p:nvSpPr>
-          <p:cNvPr id="3" name="Inhaltsplatzhalter 2"/>
-          <p:cNvSpPr>
-            <a:spLocks noGrp="1"/>
-          </p:cNvSpPr>
-          <p:nvPr>
-            <p:ph sz="quarter" idx="13"/>
-          </p:nvPr>
-        </p:nvSpPr>
-        <p:spPr>
-          <a:xfrm>
-            <a:off x="454193" y="1837637"/>
-            <a:ext cx="8235263" cy="3988027"/>
-          </a:xfrm>
-        </p:spPr>
-        <p:txBody>
-          <a:bodyPr/>
-          <a:lstStyle/>
-          <a:p>
-            <a:pPr>
-              <a:lnSpc>
-                <a:spcPct val="150000"/>
-              </a:lnSpc>
-              <a:spcAft>
-                <a:spcPts val="800"/>
-              </a:spcAft>
-            </a:pPr>
-            <a:r>
-              <a:rPr lang="en-US" dirty="0" smtClean="0"/>
-              <a:t>Collecting element with </a:t>
-            </a:r>
-            <a:r>
-              <a:rPr lang="en-US" dirty="0" err="1" smtClean="0">
-                <a:solidFill>
-                  <a:srgbClr val="000000"/>
-                </a:solidFill>
-                <a:latin typeface="Consolas" panose="020B0609020204030204" pitchFamily="49" charset="0"/>
-                <a:ea typeface="Calibri" panose="020F0502020204030204" pitchFamily="34" charset="0"/>
-              </a:rPr>
-              <a:t>java.util.stream.Collector</a:t>
-            </a:r>
-            <a:r>
-              <a:rPr lang="en-US" dirty="0" smtClean="0"/>
-              <a:t/>
-            </a:r>
-            <a:br>
-              <a:rPr lang="en-US" dirty="0" smtClean="0"/>
-            </a:br>
-            <a:r>
-              <a:rPr lang="en-US" b="1" dirty="0" err="1" smtClean="0">
-                <a:solidFill>
-                  <a:srgbClr val="7F0055"/>
-                </a:solidFill>
-                <a:latin typeface="Consolas" panose="020B0609020204030204" pitchFamily="49" charset="0"/>
-                <a:ea typeface="Calibri" panose="020F0502020204030204" pitchFamily="34" charset="0"/>
-              </a:rPr>
-              <a:t>val</a:t>
-            </a:r>
-            <a:r>
-              <a:rPr lang="en-US" dirty="0" smtClean="0">
-                <a:solidFill>
-                  <a:srgbClr val="000000"/>
-                </a:solidFill>
-                <a:latin typeface="Consolas" panose="020B0609020204030204" pitchFamily="49" charset="0"/>
-                <a:ea typeface="Calibri" panose="020F0502020204030204" pitchFamily="34" charset="0"/>
-              </a:rPr>
-              <a:t> list = </a:t>
-            </a:r>
-            <a:r>
-              <a:rPr lang="en-US" i="1" dirty="0" smtClean="0">
-                <a:solidFill>
-                  <a:srgbClr val="000000"/>
-                </a:solidFill>
-                <a:latin typeface="Consolas" panose="020B0609020204030204" pitchFamily="49" charset="0"/>
-                <a:ea typeface="Calibri" panose="020F0502020204030204" pitchFamily="34" charset="0"/>
-              </a:rPr>
-              <a:t>some</a:t>
-            </a:r>
-            <a:r>
-              <a:rPr lang="en-US" dirty="0" smtClean="0">
-                <a:solidFill>
-                  <a:srgbClr val="000000"/>
-                </a:solidFill>
-                <a:latin typeface="Consolas" panose="020B0609020204030204" pitchFamily="49" charset="0"/>
-                <a:ea typeface="Calibri" panose="020F0502020204030204" pitchFamily="34" charset="0"/>
-              </a:rPr>
-              <a:t>(</a:t>
-            </a:r>
-            <a:r>
-              <a:rPr lang="en-US" dirty="0" smtClean="0">
-                <a:solidFill>
-                  <a:srgbClr val="2A00FF"/>
-                </a:solidFill>
-                <a:latin typeface="Consolas" panose="020B0609020204030204" pitchFamily="49" charset="0"/>
-                <a:ea typeface="Calibri" panose="020F0502020204030204" pitchFamily="34" charset="0"/>
-              </a:rPr>
-              <a:t>"hui"</a:t>
-            </a:r>
-            <a:r>
-              <a:rPr lang="en-US" dirty="0" smtClean="0">
-                <a:solidFill>
-                  <a:srgbClr val="000000"/>
-                </a:solidFill>
-                <a:latin typeface="Consolas" panose="020B0609020204030204" pitchFamily="49" charset="0"/>
-                <a:ea typeface="Calibri" panose="020F0502020204030204" pitchFamily="34" charset="0"/>
-              </a:rPr>
-              <a:t>) &gt;&gt;&gt; </a:t>
-            </a:r>
-            <a:r>
-              <a:rPr lang="en-US" dirty="0" err="1" smtClean="0">
-                <a:solidFill>
-                  <a:srgbClr val="000000"/>
-                </a:solidFill>
-                <a:latin typeface="Consolas" panose="020B0609020204030204" pitchFamily="49" charset="0"/>
-                <a:ea typeface="Calibri" panose="020F0502020204030204" pitchFamily="34" charset="0"/>
-              </a:rPr>
-              <a:t>Collectors.</a:t>
-            </a:r>
-            <a:r>
-              <a:rPr lang="en-US" i="1" dirty="0" err="1" smtClean="0">
-                <a:solidFill>
-                  <a:srgbClr val="000000"/>
-                </a:solidFill>
-                <a:latin typeface="Consolas" panose="020B0609020204030204" pitchFamily="49" charset="0"/>
-                <a:ea typeface="Calibri" panose="020F0502020204030204" pitchFamily="34" charset="0"/>
-              </a:rPr>
-              <a:t>toList</a:t>
-            </a:r>
-            <a:r>
-              <a:rPr lang="en-US" i="1" dirty="0" smtClean="0">
-                <a:solidFill>
-                  <a:srgbClr val="000000"/>
-                </a:solidFill>
-                <a:latin typeface="Consolas" panose="020B0609020204030204" pitchFamily="49" charset="0"/>
-                <a:ea typeface="Calibri" panose="020F0502020204030204" pitchFamily="34" charset="0"/>
-              </a:rPr>
-              <a:t/>
-            </a:r>
-            <a:br>
-              <a:rPr lang="en-US" i="1" dirty="0" smtClean="0">
-                <a:solidFill>
-                  <a:srgbClr val="000000"/>
-                </a:solidFill>
-                <a:latin typeface="Consolas" panose="020B0609020204030204" pitchFamily="49" charset="0"/>
-                <a:ea typeface="Calibri" panose="020F0502020204030204" pitchFamily="34" charset="0"/>
-              </a:rPr>
-            </a:br>
-            <a:endParaRPr lang="en-US" i="1" dirty="0" smtClean="0">
-              <a:solidFill>
-                <a:srgbClr val="000000"/>
-              </a:solidFill>
-              <a:latin typeface="Consolas" panose="020B0609020204030204" pitchFamily="49" charset="0"/>
-              <a:ea typeface="Calibri" panose="020F0502020204030204" pitchFamily="34" charset="0"/>
-            </a:endParaRPr>
-          </a:p>
-          <a:p>
-            <a:pPr>
-              <a:lnSpc>
-                <a:spcPct val="150000"/>
-              </a:lnSpc>
-              <a:spcAft>
-                <a:spcPts val="0"/>
-              </a:spcAft>
-            </a:pPr>
-            <a:r>
-              <a:rPr lang="en-US" dirty="0" smtClean="0"/>
-              <a:t>“or operator” </a:t>
-            </a:r>
-            <a:r>
-              <a:rPr lang="en-US" dirty="0" smtClean="0">
-                <a:latin typeface="Consolas" panose="020B0609020204030204" pitchFamily="49" charset="0"/>
-                <a:cs typeface="Consolas" panose="020B0609020204030204" pitchFamily="49" charset="0"/>
-              </a:rPr>
-              <a:t>||</a:t>
-            </a:r>
-            <a:r>
-              <a:rPr lang="en-US" dirty="0" smtClean="0"/>
-              <a:t> between </a:t>
-            </a:r>
-            <a:r>
-              <a:rPr lang="en-US" dirty="0" err="1" smtClean="0"/>
-              <a:t>Optionals</a:t>
-            </a:r>
-            <a:r>
-              <a:rPr lang="en-US" dirty="0" smtClean="0"/>
-              <a:t> (take the first non-empty optional, or empty)</a:t>
-            </a:r>
-            <a:br>
-              <a:rPr lang="en-US" dirty="0" smtClean="0"/>
-            </a:br>
-            <a:r>
-              <a:rPr lang="en-US" dirty="0">
-                <a:latin typeface="Consolas" panose="020B0609020204030204" pitchFamily="49" charset="0"/>
-                <a:ea typeface="Calibri" panose="020F0502020204030204" pitchFamily="34" charset="0"/>
-                <a:cs typeface="Times New Roman" panose="02020603050405020304" pitchFamily="18" charset="0"/>
-              </a:rPr>
-              <a:t> </a:t>
-            </a:r>
-            <a:r>
-              <a:rPr lang="en-US" i="1" dirty="0" smtClean="0">
-                <a:solidFill>
-                  <a:srgbClr val="000000"/>
-                </a:solidFill>
-                <a:latin typeface="Consolas" panose="020B0609020204030204" pitchFamily="49" charset="0"/>
-                <a:ea typeface="Calibri" panose="020F0502020204030204" pitchFamily="34" charset="0"/>
-                <a:cs typeface="Times New Roman" panose="02020603050405020304" pitchFamily="18" charset="0"/>
-              </a:rPr>
-              <a:t>none</a:t>
-            </a:r>
-            <a:r>
-              <a:rPr lang="en-US" dirty="0" smtClean="0">
-                <a:solidFill>
-                  <a:srgbClr val="000000"/>
-                </a:solidFill>
-                <a:latin typeface="Consolas" panose="020B0609020204030204" pitchFamily="49" charset="0"/>
-                <a:ea typeface="Calibri" panose="020F0502020204030204" pitchFamily="34" charset="0"/>
-                <a:cs typeface="Times New Roman" panose="02020603050405020304" pitchFamily="18" charset="0"/>
-              </a:rPr>
-              <a:t> </a:t>
-            </a:r>
-            <a:r>
-              <a:rPr lang="en-US" dirty="0">
-                <a:solidFill>
-                  <a:srgbClr val="000000"/>
-                </a:solidFill>
-                <a:latin typeface="Consolas" panose="020B0609020204030204" pitchFamily="49" charset="0"/>
-                <a:ea typeface="Calibri" panose="020F0502020204030204" pitchFamily="34" charset="0"/>
-                <a:cs typeface="Times New Roman" panose="02020603050405020304" pitchFamily="18" charset="0"/>
-              </a:rPr>
-              <a:t>|| </a:t>
-            </a:r>
-            <a:r>
-              <a:rPr lang="en-US" i="1" dirty="0">
-                <a:solidFill>
-                  <a:srgbClr val="000000"/>
-                </a:solidFill>
-                <a:latin typeface="Consolas" panose="020B0609020204030204" pitchFamily="49" charset="0"/>
-                <a:ea typeface="Calibri" panose="020F0502020204030204" pitchFamily="34" charset="0"/>
-                <a:cs typeface="Times New Roman" panose="02020603050405020304" pitchFamily="18" charset="0"/>
-              </a:rPr>
-              <a:t>some</a:t>
-            </a:r>
-            <a:r>
-              <a:rPr lang="en-US" dirty="0">
-                <a:solidFill>
-                  <a:srgbClr val="000000"/>
-                </a:solidFill>
-                <a:latin typeface="Consolas" panose="020B0609020204030204" pitchFamily="49" charset="0"/>
-                <a:ea typeface="Calibri" panose="020F0502020204030204" pitchFamily="34" charset="0"/>
-                <a:cs typeface="Times New Roman" panose="02020603050405020304" pitchFamily="18" charset="0"/>
-              </a:rPr>
-              <a:t>(</a:t>
-            </a:r>
-            <a:r>
-              <a:rPr lang="en-US" dirty="0">
-                <a:solidFill>
-                  <a:srgbClr val="2A00FF"/>
-                </a:solidFill>
-                <a:latin typeface="Consolas" panose="020B0609020204030204" pitchFamily="49" charset="0"/>
-                <a:ea typeface="Calibri" panose="020F0502020204030204" pitchFamily="34" charset="0"/>
-                <a:cs typeface="Times New Roman" panose="02020603050405020304" pitchFamily="18" charset="0"/>
-              </a:rPr>
-              <a:t>"foo"</a:t>
-            </a:r>
-            <a:r>
-              <a:rPr lang="en-US" dirty="0">
-                <a:solidFill>
-                  <a:srgbClr val="000000"/>
-                </a:solidFill>
-                <a:latin typeface="Consolas" panose="020B0609020204030204" pitchFamily="49" charset="0"/>
-                <a:ea typeface="Calibri" panose="020F0502020204030204" pitchFamily="34" charset="0"/>
-                <a:cs typeface="Times New Roman" panose="02020603050405020304" pitchFamily="18" charset="0"/>
-              </a:rPr>
-              <a:t>) </a:t>
-            </a:r>
-            <a:r>
-              <a:rPr lang="en-US" dirty="0" smtClean="0">
-                <a:solidFill>
-                  <a:srgbClr val="000000"/>
-                </a:solidFill>
-                <a:latin typeface="Consolas" panose="020B0609020204030204" pitchFamily="49" charset="0"/>
-                <a:ea typeface="Calibri" panose="020F0502020204030204" pitchFamily="34" charset="0"/>
-                <a:cs typeface="Times New Roman" panose="02020603050405020304" pitchFamily="18" charset="0"/>
-              </a:rPr>
-              <a:t>|| </a:t>
-            </a:r>
-            <a:r>
-              <a:rPr lang="en-US" i="1" dirty="0">
-                <a:solidFill>
-                  <a:srgbClr val="000000"/>
-                </a:solidFill>
-                <a:latin typeface="Consolas" panose="020B0609020204030204" pitchFamily="49" charset="0"/>
-                <a:ea typeface="Calibri" panose="020F0502020204030204" pitchFamily="34" charset="0"/>
-                <a:cs typeface="Times New Roman" panose="02020603050405020304" pitchFamily="18" charset="0"/>
-              </a:rPr>
-              <a:t>some</a:t>
-            </a:r>
-            <a:r>
-              <a:rPr lang="en-US" dirty="0" smtClean="0">
-                <a:solidFill>
-                  <a:srgbClr val="000000"/>
-                </a:solidFill>
-                <a:latin typeface="Consolas" panose="020B0609020204030204" pitchFamily="49" charset="0"/>
-                <a:ea typeface="Calibri" panose="020F0502020204030204" pitchFamily="34" charset="0"/>
-                <a:cs typeface="Times New Roman" panose="02020603050405020304" pitchFamily="18" charset="0"/>
-              </a:rPr>
-              <a:t>(</a:t>
-            </a:r>
-            <a:r>
-              <a:rPr lang="en-US" dirty="0" smtClean="0">
-                <a:solidFill>
-                  <a:srgbClr val="2A00FF"/>
-                </a:solidFill>
-                <a:latin typeface="Consolas" panose="020B0609020204030204" pitchFamily="49" charset="0"/>
-                <a:ea typeface="Calibri" panose="020F0502020204030204" pitchFamily="34" charset="0"/>
-                <a:cs typeface="Times New Roman" panose="02020603050405020304" pitchFamily="18" charset="0"/>
-              </a:rPr>
-              <a:t>"bar"</a:t>
-            </a:r>
-            <a:r>
-              <a:rPr lang="en-US" dirty="0" smtClean="0">
-                <a:solidFill>
-                  <a:srgbClr val="000000"/>
-                </a:solidFill>
-                <a:latin typeface="Consolas" panose="020B0609020204030204" pitchFamily="49" charset="0"/>
-                <a:ea typeface="Calibri" panose="020F0502020204030204" pitchFamily="34" charset="0"/>
-                <a:cs typeface="Times New Roman" panose="02020603050405020304" pitchFamily="18" charset="0"/>
-              </a:rPr>
-              <a:t>) </a:t>
-            </a:r>
-            <a:r>
-              <a:rPr lang="en-US" dirty="0">
-                <a:solidFill>
-                  <a:srgbClr val="3F7F5F"/>
-                </a:solidFill>
-                <a:latin typeface="Consolas" panose="020B0609020204030204" pitchFamily="49" charset="0"/>
-                <a:ea typeface="Calibri" panose="020F0502020204030204" pitchFamily="34" charset="0"/>
-                <a:cs typeface="Times New Roman" panose="02020603050405020304" pitchFamily="18" charset="0"/>
-              </a:rPr>
-              <a:t>// =&gt; some("foo</a:t>
-            </a:r>
-            <a:r>
-              <a:rPr lang="en-US" dirty="0" smtClean="0">
-                <a:solidFill>
-                  <a:srgbClr val="3F7F5F"/>
-                </a:solidFill>
-                <a:latin typeface="Consolas" panose="020B0609020204030204" pitchFamily="49" charset="0"/>
-                <a:ea typeface="Calibri" panose="020F0502020204030204" pitchFamily="34" charset="0"/>
-                <a:cs typeface="Times New Roman" panose="02020603050405020304" pitchFamily="18" charset="0"/>
-              </a:rPr>
-              <a:t>")</a:t>
-            </a:r>
-            <a:br>
-              <a:rPr lang="en-US" dirty="0" smtClean="0">
-                <a:solidFill>
-                  <a:srgbClr val="3F7F5F"/>
-                </a:solidFill>
-                <a:latin typeface="Consolas" panose="020B0609020204030204" pitchFamily="49" charset="0"/>
-                <a:ea typeface="Calibri" panose="020F0502020204030204" pitchFamily="34" charset="0"/>
-                <a:cs typeface="Times New Roman" panose="02020603050405020304" pitchFamily="18" charset="0"/>
-              </a:rPr>
-            </a:br>
-            <a:r>
-              <a:rPr lang="en-US" dirty="0" smtClean="0">
-                <a:solidFill>
-                  <a:srgbClr val="3F7F5F"/>
-                </a:solidFill>
-                <a:latin typeface="Consolas" panose="020B0609020204030204" pitchFamily="49" charset="0"/>
-                <a:ea typeface="Calibri" panose="020F0502020204030204" pitchFamily="34" charset="0"/>
-                <a:cs typeface="Times New Roman" panose="02020603050405020304" pitchFamily="18" charset="0"/>
-              </a:rPr>
-              <a:t> </a:t>
-            </a:r>
-            <a:r>
-              <a:rPr lang="en-US" i="1" dirty="0" smtClean="0">
-                <a:solidFill>
-                  <a:srgbClr val="000000"/>
-                </a:solidFill>
-                <a:latin typeface="Consolas" panose="020B0609020204030204" pitchFamily="49" charset="0"/>
-                <a:ea typeface="Calibri" panose="020F0502020204030204" pitchFamily="34" charset="0"/>
-                <a:cs typeface="Times New Roman" panose="02020603050405020304" pitchFamily="18" charset="0"/>
-              </a:rPr>
-              <a:t>none</a:t>
-            </a:r>
-            <a:r>
-              <a:rPr lang="en-US" dirty="0" smtClean="0">
-                <a:solidFill>
-                  <a:srgbClr val="000000"/>
-                </a:solidFill>
-                <a:latin typeface="Consolas" panose="020B0609020204030204" pitchFamily="49" charset="0"/>
-                <a:ea typeface="Calibri" panose="020F0502020204030204" pitchFamily="34" charset="0"/>
-                <a:cs typeface="Times New Roman" panose="02020603050405020304" pitchFamily="18" charset="0"/>
-              </a:rPr>
-              <a:t> </a:t>
-            </a:r>
-            <a:r>
-              <a:rPr lang="en-US" dirty="0">
-                <a:solidFill>
-                  <a:srgbClr val="000000"/>
-                </a:solidFill>
-                <a:latin typeface="Consolas" panose="020B0609020204030204" pitchFamily="49" charset="0"/>
-                <a:ea typeface="Calibri" panose="020F0502020204030204" pitchFamily="34" charset="0"/>
-                <a:cs typeface="Times New Roman" panose="02020603050405020304" pitchFamily="18" charset="0"/>
-              </a:rPr>
-              <a:t>|| </a:t>
-            </a:r>
-            <a:r>
-              <a:rPr lang="en-US" i="1" dirty="0" smtClean="0">
-                <a:solidFill>
-                  <a:srgbClr val="000000"/>
-                </a:solidFill>
-                <a:latin typeface="Consolas" panose="020B0609020204030204" pitchFamily="49" charset="0"/>
-                <a:ea typeface="Calibri" panose="020F0502020204030204" pitchFamily="34" charset="0"/>
-                <a:cs typeface="Times New Roman" panose="02020603050405020304" pitchFamily="18" charset="0"/>
-              </a:rPr>
-              <a:t>none</a:t>
-            </a:r>
-            <a:r>
-              <a:rPr lang="en-US" dirty="0" smtClean="0">
-                <a:solidFill>
-                  <a:srgbClr val="000000"/>
-                </a:solidFill>
-                <a:latin typeface="Consolas" panose="020B0609020204030204" pitchFamily="49" charset="0"/>
-                <a:ea typeface="Calibri" panose="020F0502020204030204" pitchFamily="34" charset="0"/>
-                <a:cs typeface="Times New Roman" panose="02020603050405020304" pitchFamily="18" charset="0"/>
-              </a:rPr>
-              <a:t>                       </a:t>
-            </a:r>
-            <a:r>
-              <a:rPr lang="en-US" dirty="0" smtClean="0">
-                <a:solidFill>
-                  <a:srgbClr val="3F7F5F"/>
-                </a:solidFill>
-                <a:latin typeface="Consolas" panose="020B0609020204030204" pitchFamily="49" charset="0"/>
-                <a:ea typeface="Calibri" panose="020F0502020204030204" pitchFamily="34" charset="0"/>
-                <a:cs typeface="Times New Roman" panose="02020603050405020304" pitchFamily="18" charset="0"/>
-              </a:rPr>
-              <a:t>// </a:t>
-            </a:r>
-            <a:r>
-              <a:rPr lang="en-US" dirty="0">
-                <a:solidFill>
-                  <a:srgbClr val="3F7F5F"/>
-                </a:solidFill>
-                <a:latin typeface="Consolas" panose="020B0609020204030204" pitchFamily="49" charset="0"/>
-                <a:ea typeface="Calibri" panose="020F0502020204030204" pitchFamily="34" charset="0"/>
-                <a:cs typeface="Times New Roman" panose="02020603050405020304" pitchFamily="18" charset="0"/>
-              </a:rPr>
-              <a:t>=&gt; </a:t>
-            </a:r>
-            <a:r>
-              <a:rPr lang="en-US" dirty="0" smtClean="0">
-                <a:solidFill>
-                  <a:srgbClr val="3F7F5F"/>
-                </a:solidFill>
-                <a:latin typeface="Consolas" panose="020B0609020204030204" pitchFamily="49" charset="0"/>
-                <a:ea typeface="Calibri" panose="020F0502020204030204" pitchFamily="34" charset="0"/>
-                <a:cs typeface="Times New Roman" panose="02020603050405020304" pitchFamily="18" charset="0"/>
-              </a:rPr>
-              <a:t>none</a:t>
-            </a:r>
-            <a:r>
-              <a:rPr lang="en-US" dirty="0" smtClean="0"/>
-              <a:t/>
-            </a:r>
-            <a:br>
-              <a:rPr lang="en-US" dirty="0" smtClean="0"/>
-            </a:br>
-            <a:endParaRPr lang="en-US" dirty="0" smtClean="0"/>
-          </a:p>
-          <a:p>
-            <a:pPr>
-              <a:lnSpc>
-                <a:spcPct val="107000"/>
-              </a:lnSpc>
-              <a:spcAft>
-                <a:spcPts val="800"/>
-              </a:spcAft>
-            </a:pPr>
-            <a:r>
-              <a:rPr lang="en-US" dirty="0" smtClean="0"/>
-              <a:t>Fun fact: With extensions optional is now an additive monad and idempotent monoid*</a:t>
-            </a:r>
-          </a:p>
-          <a:p>
-            <a:pPr>
-              <a:lnSpc>
-                <a:spcPct val="107000"/>
-              </a:lnSpc>
-              <a:spcAft>
-                <a:spcPts val="800"/>
-              </a:spcAft>
-            </a:pPr>
-            <a:endParaRPr lang="en-US" dirty="0" smtClean="0"/>
-          </a:p>
-          <a:p>
-            <a:pPr lvl="1">
-              <a:lnSpc>
-                <a:spcPct val="107000"/>
-              </a:lnSpc>
-              <a:spcAft>
-                <a:spcPts val="800"/>
-              </a:spcAft>
-            </a:pPr>
-            <a:endParaRPr lang="en-US" sz="2000" dirty="0" smtClean="0">
-              <a:solidFill>
-                <a:srgbClr val="000000"/>
-              </a:solidFill>
-              <a:latin typeface="Consolas" panose="020B0609020204030204" pitchFamily="49" charset="0"/>
-              <a:ea typeface="Calibri" panose="020F0502020204030204" pitchFamily="34" charset="0"/>
-              <a:cs typeface="Times New Roman" panose="02020603050405020304" pitchFamily="18" charset="0"/>
-            </a:endParaRPr>
-          </a:p>
-          <a:p>
-            <a:pPr lvl="1">
-              <a:lnSpc>
-                <a:spcPct val="107000"/>
-              </a:lnSpc>
-              <a:spcAft>
-                <a:spcPts val="800"/>
-              </a:spcAft>
-            </a:pPr>
-            <a:endParaRPr lang="en-US" sz="2000" dirty="0" smtClean="0">
-              <a:latin typeface="Calibri" panose="020F0502020204030204" pitchFamily="34" charset="0"/>
-              <a:ea typeface="Calibri" panose="020F0502020204030204" pitchFamily="34" charset="0"/>
-              <a:cs typeface="Times New Roman" panose="02020603050405020304" pitchFamily="18" charset="0"/>
-            </a:endParaRPr>
-          </a:p>
-          <a:p>
-            <a:pPr lvl="1">
-              <a:lnSpc>
-                <a:spcPct val="107000"/>
-              </a:lnSpc>
-              <a:spcAft>
-                <a:spcPts val="800"/>
-              </a:spcAft>
-            </a:pPr>
-            <a:endParaRPr lang="en-US" sz="2000" dirty="0" smtClean="0">
-              <a:latin typeface="Calibri" panose="020F0502020204030204" pitchFamily="34" charset="0"/>
-              <a:ea typeface="Calibri" panose="020F0502020204030204" pitchFamily="34" charset="0"/>
-              <a:cs typeface="Times New Roman" panose="02020603050405020304" pitchFamily="18" charset="0"/>
-            </a:endParaRPr>
-          </a:p>
-          <a:p>
-            <a:pPr lvl="1">
-              <a:lnSpc>
-                <a:spcPct val="107000"/>
-              </a:lnSpc>
-              <a:spcAft>
-                <a:spcPts val="800"/>
-              </a:spcAft>
-            </a:pPr>
-            <a:endParaRPr lang="en-US" sz="2000" dirty="0">
-              <a:effectLst/>
-              <a:latin typeface="Calibri" panose="020F0502020204030204" pitchFamily="34" charset="0"/>
-              <a:ea typeface="Calibri" panose="020F0502020204030204" pitchFamily="34" charset="0"/>
-              <a:cs typeface="Times New Roman" panose="02020603050405020304" pitchFamily="18" charset="0"/>
-            </a:endParaRPr>
-          </a:p>
-        </p:txBody>
-      </p:sp>
-      <p:sp>
-        <p:nvSpPr>
-          <p:cNvPr id="4" name="Fußzeilenplatzhalter 3"/>
-          <p:cNvSpPr>
-            <a:spLocks noGrp="1"/>
-          </p:cNvSpPr>
-          <p:nvPr>
-            <p:ph type="ftr" sz="quarter" idx="3"/>
-          </p:nvPr>
-        </p:nvSpPr>
-        <p:spPr/>
-        <p:txBody>
-          <a:bodyPr/>
-          <a:lstStyle/>
-          <a:p>
-            <a:r>
-              <a:rPr lang="de-DE" dirty="0" smtClean="0">
-                <a:latin typeface="Arial"/>
-              </a:rPr>
-              <a:t>© Fraunhofer FOKUS</a:t>
-            </a:r>
-            <a:endParaRPr lang="de-DE" dirty="0">
-              <a:latin typeface="Arial"/>
-            </a:endParaRPr>
-          </a:p>
-        </p:txBody>
-      </p:sp>
-      <p:sp>
-        <p:nvSpPr>
-          <p:cNvPr id="5" name="Titel 4"/>
-          <p:cNvSpPr>
-            <a:spLocks noGrp="1"/>
-          </p:cNvSpPr>
-          <p:nvPr>
-            <p:ph type="ctrTitle"/>
-          </p:nvPr>
-        </p:nvSpPr>
-        <p:spPr/>
-        <p:txBody>
-          <a:bodyPr/>
-          <a:lstStyle/>
-          <a:p>
-            <a:r>
-              <a:rPr lang="en-US" dirty="0" smtClean="0"/>
-              <a:t>Java 8 </a:t>
-            </a:r>
-            <a:r>
-              <a:rPr lang="en-US" dirty="0" err="1" smtClean="0"/>
-              <a:t>Optionals</a:t>
-            </a:r>
-            <a:r>
-              <a:rPr lang="en-US" dirty="0" smtClean="0"/>
-              <a:t> with </a:t>
-            </a:r>
-            <a:r>
-              <a:rPr lang="en-US" dirty="0" err="1" smtClean="0"/>
-              <a:t>XTend</a:t>
-            </a:r>
-            <a:endParaRPr lang="en-US" dirty="0"/>
-          </a:p>
-        </p:txBody>
-      </p:sp>
-      <p:sp>
-        <p:nvSpPr>
-          <p:cNvPr id="6" name="Textfeld 5"/>
-          <p:cNvSpPr txBox="1"/>
-          <p:nvPr/>
-        </p:nvSpPr>
-        <p:spPr>
-          <a:xfrm>
-            <a:off x="2397058" y="6062648"/>
-            <a:ext cx="4343401" cy="342900"/>
-          </a:xfrm>
-          <a:prstGeom prst="rect">
-            <a:avLst/>
-          </a:prstGeom>
-        </p:spPr>
-        <p:txBody>
-          <a:bodyPr vert="horz" wrap="none" lIns="151200" tIns="0" rIns="0" bIns="0" rtlCol="0">
-            <a:noAutofit/>
-          </a:bodyPr>
-          <a:lstStyle/>
-          <a:p>
-            <a:pPr>
-              <a:lnSpc>
-                <a:spcPts val="2800"/>
-              </a:lnSpc>
-              <a:spcBef>
-                <a:spcPts val="560"/>
-              </a:spcBef>
-              <a:buClr>
-                <a:schemeClr val="tx1"/>
-              </a:buClr>
-            </a:pPr>
-            <a:r>
-              <a:rPr lang="en-US" sz="1100" dirty="0" smtClean="0"/>
-              <a:t>*</a:t>
-            </a:r>
-            <a:r>
-              <a:rPr lang="en-US" sz="1100" baseline="30000" dirty="0" smtClean="0"/>
-              <a:t>) </a:t>
-            </a:r>
-            <a:r>
-              <a:rPr lang="en-US" sz="1100" dirty="0" smtClean="0"/>
-              <a:t>according to Wikipedia: https://en.wikipedia.org/wiki/Option_type</a:t>
-            </a:r>
-            <a:endParaRPr lang="en-US" sz="1100" dirty="0"/>
-          </a:p>
-        </p:txBody>
-      </p:sp>
-    </p:spTree>
-    <p:extLst>
-      <p:ext uri="{BB962C8B-B14F-4D97-AF65-F5344CB8AC3E}">
-        <p14:creationId xmlns:p14="http://schemas.microsoft.com/office/powerpoint/2010/main" val="509027307"/>
-      </p:ext>
-    </p:extLst>
-  </p:cSld>
-  <p:clrMapOvr>
-    <a:masterClrMapping/>
-  </p:clrMapOvr>
-  <p:timing>
-    <p:tnLst>
-      <p:par>
-        <p:cTn id="1" dur="indefinite" restart="never" nodeType="tmRoot"/>
-      </p:par>
-    </p:tnLst>
-  </p:timing>
-</p:sld>
-</file>
-
-<file path=ppt/slides/slide21.xml><?xml version="1.0" encoding="utf-8"?>
-<p:sld xmlns:a="http://schemas.openxmlformats.org/drawingml/2006/main" xmlns:r="http://schemas.openxmlformats.org/officeDocument/2006/relationships" xmlns:p="http://schemas.openxmlformats.org/presentationml/2006/main">
-  <p:cSld>
-    <p:spTree>
-      <p:nvGrpSpPr>
-        <p:cNvPr id="1" name=""/>
-        <p:cNvGrpSpPr/>
-        <p:nvPr/>
-      </p:nvGrpSpPr>
-      <p:grpSpPr>
-        <a:xfrm>
-          <a:off x="0" y="0"/>
-          <a:ext cx="0" cy="0"/>
-          <a:chOff x="0" y="0"/>
-          <a:chExt cx="0" cy="0"/>
-        </a:xfrm>
-      </p:grpSpPr>
-      <p:sp>
-        <p:nvSpPr>
-          <p:cNvPr id="2" name="Textplatzhalter 1"/>
-          <p:cNvSpPr>
-            <a:spLocks noGrp="1"/>
-          </p:cNvSpPr>
-          <p:nvPr>
-            <p:ph type="body" sz="quarter" idx="10"/>
-          </p:nvPr>
-        </p:nvSpPr>
-        <p:spPr/>
-        <p:txBody>
-          <a:bodyPr/>
-          <a:lstStyle/>
-          <a:p>
-            <a:r>
-              <a:rPr lang="en-US" dirty="0" err="1" smtClean="0"/>
-              <a:t>Optionals</a:t>
-            </a:r>
-            <a:r>
-              <a:rPr lang="en-US" dirty="0" smtClean="0"/>
-              <a:t> Use Case</a:t>
-            </a:r>
-            <a:endParaRPr lang="en-US" dirty="0"/>
-          </a:p>
-        </p:txBody>
-      </p:sp>
-      <p:sp>
-        <p:nvSpPr>
-          <p:cNvPr id="3" name="Inhaltsplatzhalter 2"/>
-          <p:cNvSpPr>
-            <a:spLocks noGrp="1"/>
-          </p:cNvSpPr>
-          <p:nvPr>
-            <p:ph sz="quarter" idx="13"/>
-          </p:nvPr>
-        </p:nvSpPr>
-        <p:spPr>
-          <a:xfrm>
-            <a:off x="454193" y="1837637"/>
-            <a:ext cx="8235263" cy="3988027"/>
-          </a:xfrm>
-        </p:spPr>
-        <p:txBody>
-          <a:bodyPr/>
-          <a:lstStyle/>
-          <a:p>
-            <a:pPr marL="0" indent="0">
-              <a:lnSpc>
-                <a:spcPct val="107000"/>
-              </a:lnSpc>
-              <a:spcAft>
-                <a:spcPts val="0"/>
-              </a:spcAft>
-              <a:buNone/>
-            </a:pPr>
-            <a:r>
-              <a:rPr lang="en-US" dirty="0" smtClean="0"/>
-              <a:t>Exceptions to </a:t>
-            </a:r>
-            <a:r>
-              <a:rPr lang="en-US" dirty="0" err="1" smtClean="0"/>
-              <a:t>Optionals</a:t>
-            </a:r>
-            <a:r>
-              <a:rPr lang="en-US" dirty="0" smtClean="0"/>
-              <a:t/>
-            </a:r>
-            <a:br>
-              <a:rPr lang="en-US" dirty="0" smtClean="0"/>
-            </a:br>
-            <a:r>
-              <a:rPr lang="en-US" dirty="0" smtClean="0"/>
-              <a:t/>
-            </a:r>
-            <a:br>
-              <a:rPr lang="en-US" dirty="0" smtClean="0"/>
-            </a:br>
-            <a:r>
-              <a:rPr lang="en-US" b="1" dirty="0" err="1">
-                <a:solidFill>
-                  <a:srgbClr val="7F0055"/>
-                </a:solidFill>
-                <a:latin typeface="Consolas" panose="020B0609020204030204" pitchFamily="49" charset="0"/>
-                <a:ea typeface="Calibri" panose="020F0502020204030204" pitchFamily="34" charset="0"/>
-                <a:cs typeface="Times New Roman" panose="02020603050405020304" pitchFamily="18" charset="0"/>
-              </a:rPr>
-              <a:t>val</a:t>
-            </a:r>
-            <a:r>
-              <a:rPr lang="en-US" dirty="0">
-                <a:solidFill>
-                  <a:srgbClr val="000000"/>
-                </a:solidFill>
-                <a:latin typeface="Consolas" panose="020B0609020204030204" pitchFamily="49" charset="0"/>
-                <a:ea typeface="Calibri" panose="020F0502020204030204" pitchFamily="34" charset="0"/>
-                <a:cs typeface="Times New Roman" panose="02020603050405020304" pitchFamily="18" charset="0"/>
-              </a:rPr>
-              <a:t> boo = [|</a:t>
-            </a:r>
-            <a:r>
-              <a:rPr lang="en-US" i="1" dirty="0" err="1">
-                <a:solidFill>
-                  <a:srgbClr val="000000"/>
-                </a:solidFill>
-                <a:latin typeface="Consolas" panose="020B0609020204030204" pitchFamily="49" charset="0"/>
-                <a:ea typeface="Calibri" panose="020F0502020204030204" pitchFamily="34" charset="0"/>
-                <a:cs typeface="Times New Roman" panose="02020603050405020304" pitchFamily="18" charset="0"/>
-              </a:rPr>
-              <a:t>somethingDangerous</a:t>
-            </a:r>
-            <a:r>
-              <a:rPr lang="en-US" i="1" dirty="0">
-                <a:solidFill>
-                  <a:srgbClr val="000000"/>
-                </a:solidFill>
-                <a:latin typeface="Consolas" panose="020B0609020204030204" pitchFamily="49" charset="0"/>
-                <a:ea typeface="Calibri" panose="020F0502020204030204" pitchFamily="34" charset="0"/>
-                <a:cs typeface="Times New Roman" panose="02020603050405020304" pitchFamily="18" charset="0"/>
-              </a:rPr>
-              <a:t>()</a:t>
-            </a:r>
-            <a:r>
-              <a:rPr lang="en-US" dirty="0">
-                <a:solidFill>
-                  <a:srgbClr val="000000"/>
-                </a:solidFill>
-                <a:latin typeface="Consolas" panose="020B0609020204030204" pitchFamily="49" charset="0"/>
-                <a:ea typeface="Calibri" panose="020F0502020204030204" pitchFamily="34" charset="0"/>
-                <a:cs typeface="Times New Roman" panose="02020603050405020304" pitchFamily="18" charset="0"/>
-              </a:rPr>
-              <a:t>].</a:t>
-            </a:r>
-            <a:r>
-              <a:rPr lang="en-US" i="1" dirty="0" err="1">
-                <a:solidFill>
-                  <a:srgbClr val="AB3000"/>
-                </a:solidFill>
-                <a:latin typeface="Consolas" panose="020B0609020204030204" pitchFamily="49" charset="0"/>
-                <a:ea typeface="Calibri" panose="020F0502020204030204" pitchFamily="34" charset="0"/>
-                <a:cs typeface="Times New Roman" panose="02020603050405020304" pitchFamily="18" charset="0"/>
-              </a:rPr>
-              <a:t>doCatch</a:t>
-            </a:r>
-            <a:r>
-              <a:rPr lang="en-US" i="1" dirty="0">
-                <a:solidFill>
-                  <a:srgbClr val="AB3000"/>
-                </a:solidFill>
-                <a:latin typeface="Consolas" panose="020B0609020204030204" pitchFamily="49" charset="0"/>
-                <a:ea typeface="Calibri" panose="020F0502020204030204" pitchFamily="34" charset="0"/>
-                <a:cs typeface="Times New Roman" panose="02020603050405020304" pitchFamily="18" charset="0"/>
-              </a:rPr>
-              <a:t> </a:t>
-            </a:r>
-            <a:endParaRPr lang="en-US" i="1" dirty="0" smtClean="0">
-              <a:solidFill>
-                <a:srgbClr val="AB3000"/>
-              </a:solidFill>
-              <a:latin typeface="Consolas" panose="020B0609020204030204" pitchFamily="49" charset="0"/>
-              <a:ea typeface="Calibri" panose="020F0502020204030204" pitchFamily="34" charset="0"/>
-              <a:cs typeface="Times New Roman" panose="02020603050405020304" pitchFamily="18" charset="0"/>
-            </a:endParaRPr>
-          </a:p>
-          <a:p>
-            <a:pPr marL="0" indent="0">
-              <a:lnSpc>
-                <a:spcPct val="107000"/>
-              </a:lnSpc>
-              <a:spcAft>
-                <a:spcPts val="0"/>
-              </a:spcAft>
-              <a:buNone/>
-            </a:pPr>
-            <a:r>
-              <a:rPr lang="en-US" dirty="0">
-                <a:latin typeface="Consolas" panose="020B0609020204030204" pitchFamily="49" charset="0"/>
-                <a:ea typeface="Calibri" panose="020F0502020204030204" pitchFamily="34" charset="0"/>
-                <a:cs typeface="Times New Roman" panose="02020603050405020304" pitchFamily="18" charset="0"/>
-              </a:rPr>
-              <a:t> </a:t>
-            </a:r>
-            <a:endParaRPr lang="en-US" dirty="0">
-              <a:latin typeface="Calibri" panose="020F0502020204030204" pitchFamily="34" charset="0"/>
-              <a:ea typeface="Calibri" panose="020F0502020204030204" pitchFamily="34" charset="0"/>
-              <a:cs typeface="Times New Roman" panose="02020603050405020304" pitchFamily="18" charset="0"/>
-            </a:endParaRPr>
-          </a:p>
-          <a:p>
-            <a:pPr marL="0" indent="0">
-              <a:lnSpc>
-                <a:spcPct val="107000"/>
-              </a:lnSpc>
-              <a:spcAft>
-                <a:spcPts val="0"/>
-              </a:spcAft>
-              <a:buNone/>
-            </a:pPr>
-            <a:r>
-              <a:rPr lang="en-US" b="1" dirty="0" err="1">
-                <a:solidFill>
-                  <a:srgbClr val="7F0055"/>
-                </a:solidFill>
-                <a:latin typeface="Consolas" panose="020B0609020204030204" pitchFamily="49" charset="0"/>
-                <a:ea typeface="Calibri" panose="020F0502020204030204" pitchFamily="34" charset="0"/>
-                <a:cs typeface="Times New Roman" panose="02020603050405020304" pitchFamily="18" charset="0"/>
-              </a:rPr>
-              <a:t>val</a:t>
-            </a:r>
-            <a:r>
-              <a:rPr lang="en-US" dirty="0">
-                <a:solidFill>
-                  <a:srgbClr val="000000"/>
-                </a:solidFill>
-                <a:latin typeface="Consolas" panose="020B0609020204030204" pitchFamily="49" charset="0"/>
-                <a:ea typeface="Calibri" panose="020F0502020204030204" pitchFamily="34" charset="0"/>
-                <a:cs typeface="Times New Roman" panose="02020603050405020304" pitchFamily="18" charset="0"/>
-              </a:rPr>
-              <a:t> foo = [|</a:t>
-            </a:r>
-            <a:r>
-              <a:rPr lang="en-US" i="1" dirty="0" err="1" smtClean="0">
-                <a:solidFill>
-                  <a:srgbClr val="000000"/>
-                </a:solidFill>
-                <a:latin typeface="Consolas" panose="020B0609020204030204" pitchFamily="49" charset="0"/>
-                <a:ea typeface="Calibri" panose="020F0502020204030204" pitchFamily="34" charset="0"/>
-                <a:cs typeface="Times New Roman" panose="02020603050405020304" pitchFamily="18" charset="0"/>
-              </a:rPr>
-              <a:t>somethingDangerous</a:t>
-            </a:r>
-            <a:r>
-              <a:rPr lang="en-US" i="1" dirty="0" smtClean="0">
-                <a:solidFill>
-                  <a:srgbClr val="000000"/>
-                </a:solidFill>
-                <a:latin typeface="Consolas" panose="020B0609020204030204" pitchFamily="49" charset="0"/>
-                <a:ea typeface="Calibri" panose="020F0502020204030204" pitchFamily="34" charset="0"/>
-                <a:cs typeface="Times New Roman" panose="02020603050405020304" pitchFamily="18" charset="0"/>
-              </a:rPr>
-              <a:t>()</a:t>
-            </a:r>
-            <a:r>
-              <a:rPr lang="en-US" dirty="0" smtClean="0">
-                <a:solidFill>
-                  <a:srgbClr val="000000"/>
-                </a:solidFill>
-                <a:latin typeface="Consolas" panose="020B0609020204030204" pitchFamily="49" charset="0"/>
-                <a:ea typeface="Calibri" panose="020F0502020204030204" pitchFamily="34" charset="0"/>
-                <a:cs typeface="Times New Roman" panose="02020603050405020304" pitchFamily="18" charset="0"/>
-              </a:rPr>
-              <a:t>].</a:t>
-            </a:r>
-            <a:r>
-              <a:rPr lang="en-US" i="1" dirty="0" err="1" smtClean="0">
-                <a:solidFill>
-                  <a:srgbClr val="AB3000"/>
-                </a:solidFill>
-                <a:latin typeface="Consolas" panose="020B0609020204030204" pitchFamily="49" charset="0"/>
-                <a:ea typeface="Calibri" panose="020F0502020204030204" pitchFamily="34" charset="0"/>
-                <a:cs typeface="Times New Roman" panose="02020603050405020304" pitchFamily="18" charset="0"/>
-              </a:rPr>
-              <a:t>doCatch</a:t>
-            </a:r>
-            <a:r>
-              <a:rPr lang="en-US" dirty="0" smtClean="0">
-                <a:solidFill>
-                  <a:srgbClr val="000000"/>
-                </a:solidFill>
-                <a:latin typeface="Consolas" panose="020B0609020204030204" pitchFamily="49" charset="0"/>
-                <a:ea typeface="Calibri" panose="020F0502020204030204" pitchFamily="34" charset="0"/>
-                <a:cs typeface="Times New Roman" panose="02020603050405020304" pitchFamily="18" charset="0"/>
-              </a:rPr>
-              <a:t> </a:t>
-            </a:r>
-            <a:r>
-              <a:rPr lang="en-US" dirty="0">
-                <a:solidFill>
-                  <a:srgbClr val="000000"/>
-                </a:solidFill>
-                <a:latin typeface="Consolas" panose="020B0609020204030204" pitchFamily="49" charset="0"/>
-                <a:ea typeface="Calibri" panose="020F0502020204030204" pitchFamily="34" charset="0"/>
-                <a:cs typeface="Times New Roman" panose="02020603050405020304" pitchFamily="18" charset="0"/>
-              </a:rPr>
-              <a:t>[</a:t>
-            </a:r>
-            <a:endParaRPr lang="en-US" dirty="0">
-              <a:latin typeface="Calibri" panose="020F0502020204030204" pitchFamily="34" charset="0"/>
-              <a:ea typeface="Calibri" panose="020F0502020204030204" pitchFamily="34" charset="0"/>
-              <a:cs typeface="Times New Roman" panose="02020603050405020304" pitchFamily="18" charset="0"/>
-            </a:endParaRPr>
-          </a:p>
-          <a:p>
-            <a:pPr marL="0" indent="0">
-              <a:lnSpc>
-                <a:spcPct val="107000"/>
-              </a:lnSpc>
-              <a:spcAft>
-                <a:spcPts val="0"/>
-              </a:spcAft>
-              <a:buNone/>
-            </a:pPr>
-            <a:r>
-              <a:rPr lang="en-US" dirty="0">
-                <a:solidFill>
-                  <a:srgbClr val="000000"/>
-                </a:solidFill>
-                <a:latin typeface="Consolas" panose="020B0609020204030204" pitchFamily="49" charset="0"/>
-                <a:ea typeface="Calibri" panose="020F0502020204030204" pitchFamily="34" charset="0"/>
-                <a:cs typeface="Times New Roman" panose="02020603050405020304" pitchFamily="18" charset="0"/>
-              </a:rPr>
-              <a:t>	</a:t>
-            </a:r>
-            <a:r>
-              <a:rPr lang="en-US" dirty="0" err="1">
-                <a:solidFill>
-                  <a:srgbClr val="000000"/>
-                </a:solidFill>
-                <a:latin typeface="Consolas" panose="020B0609020204030204" pitchFamily="49" charset="0"/>
-                <a:ea typeface="Calibri" panose="020F0502020204030204" pitchFamily="34" charset="0"/>
-                <a:cs typeface="Times New Roman" panose="02020603050405020304" pitchFamily="18" charset="0"/>
-              </a:rPr>
-              <a:t>printStackTrace</a:t>
-            </a:r>
-            <a:endParaRPr lang="en-US" dirty="0">
-              <a:latin typeface="Calibri" panose="020F0502020204030204" pitchFamily="34" charset="0"/>
-              <a:ea typeface="Calibri" panose="020F0502020204030204" pitchFamily="34" charset="0"/>
-              <a:cs typeface="Times New Roman" panose="02020603050405020304" pitchFamily="18" charset="0"/>
-            </a:endParaRPr>
-          </a:p>
-          <a:p>
-            <a:pPr marL="0" indent="0">
-              <a:lnSpc>
-                <a:spcPct val="107000"/>
-              </a:lnSpc>
-              <a:spcAft>
-                <a:spcPts val="0"/>
-              </a:spcAft>
-              <a:buNone/>
-            </a:pPr>
-            <a:r>
-              <a:rPr lang="en-US" dirty="0">
-                <a:solidFill>
-                  <a:srgbClr val="000000"/>
-                </a:solidFill>
-                <a:latin typeface="Consolas" panose="020B0609020204030204" pitchFamily="49" charset="0"/>
-                <a:ea typeface="Calibri" panose="020F0502020204030204" pitchFamily="34" charset="0"/>
-                <a:cs typeface="Times New Roman" panose="02020603050405020304" pitchFamily="18" charset="0"/>
-              </a:rPr>
-              <a:t>]</a:t>
-            </a:r>
-            <a:r>
-              <a:rPr lang="en-US" sz="1200" dirty="0">
-                <a:latin typeface="Consolas" panose="020B0609020204030204" pitchFamily="49" charset="0"/>
-                <a:ea typeface="Calibri" panose="020F0502020204030204" pitchFamily="34" charset="0"/>
-                <a:cs typeface="Times New Roman" panose="02020603050405020304" pitchFamily="18" charset="0"/>
-              </a:rPr>
-              <a:t/>
-            </a:r>
-            <a:br>
-              <a:rPr lang="en-US" sz="1200" dirty="0">
-                <a:latin typeface="Consolas" panose="020B0609020204030204" pitchFamily="49" charset="0"/>
-                <a:ea typeface="Calibri" panose="020F0502020204030204" pitchFamily="34" charset="0"/>
-                <a:cs typeface="Times New Roman" panose="02020603050405020304" pitchFamily="18" charset="0"/>
-              </a:rPr>
-            </a:br>
-            <a:endParaRPr lang="en-US" sz="1200" dirty="0">
-              <a:latin typeface="Calibri" panose="020F0502020204030204" pitchFamily="34" charset="0"/>
-              <a:ea typeface="Calibri" panose="020F0502020204030204" pitchFamily="34" charset="0"/>
-              <a:cs typeface="Times New Roman" panose="02020603050405020304" pitchFamily="18" charset="0"/>
-            </a:endParaRPr>
-          </a:p>
-          <a:p>
-            <a:endParaRPr lang="en-US" dirty="0" smtClean="0"/>
-          </a:p>
-          <a:p>
-            <a:pPr>
-              <a:lnSpc>
-                <a:spcPct val="107000"/>
-              </a:lnSpc>
-              <a:spcAft>
-                <a:spcPts val="800"/>
-              </a:spcAft>
-            </a:pPr>
-            <a:endParaRPr lang="en-US" dirty="0" smtClean="0"/>
-          </a:p>
-          <a:p>
-            <a:pPr lvl="1">
-              <a:lnSpc>
-                <a:spcPct val="107000"/>
-              </a:lnSpc>
-              <a:spcAft>
-                <a:spcPts val="800"/>
-              </a:spcAft>
-            </a:pPr>
-            <a:endParaRPr lang="en-US" sz="2000" dirty="0" smtClean="0">
-              <a:solidFill>
-                <a:srgbClr val="000000"/>
-              </a:solidFill>
-              <a:latin typeface="Consolas" panose="020B0609020204030204" pitchFamily="49" charset="0"/>
-              <a:ea typeface="Calibri" panose="020F0502020204030204" pitchFamily="34" charset="0"/>
-              <a:cs typeface="Times New Roman" panose="02020603050405020304" pitchFamily="18" charset="0"/>
-            </a:endParaRPr>
-          </a:p>
-          <a:p>
-            <a:pPr lvl="1">
-              <a:lnSpc>
-                <a:spcPct val="107000"/>
-              </a:lnSpc>
-              <a:spcAft>
-                <a:spcPts val="800"/>
-              </a:spcAft>
-            </a:pPr>
-            <a:endParaRPr lang="en-US" sz="2000" dirty="0" smtClean="0">
-              <a:latin typeface="Calibri" panose="020F0502020204030204" pitchFamily="34" charset="0"/>
-              <a:ea typeface="Calibri" panose="020F0502020204030204" pitchFamily="34" charset="0"/>
-              <a:cs typeface="Times New Roman" panose="02020603050405020304" pitchFamily="18" charset="0"/>
-            </a:endParaRPr>
-          </a:p>
-          <a:p>
-            <a:pPr lvl="1">
-              <a:lnSpc>
-                <a:spcPct val="107000"/>
-              </a:lnSpc>
-              <a:spcAft>
-                <a:spcPts val="800"/>
-              </a:spcAft>
-            </a:pPr>
-            <a:endParaRPr lang="en-US" sz="2000" dirty="0" smtClean="0">
-              <a:latin typeface="Calibri" panose="020F0502020204030204" pitchFamily="34" charset="0"/>
-              <a:ea typeface="Calibri" panose="020F0502020204030204" pitchFamily="34" charset="0"/>
-              <a:cs typeface="Times New Roman" panose="02020603050405020304" pitchFamily="18" charset="0"/>
-            </a:endParaRPr>
-          </a:p>
-          <a:p>
-            <a:pPr lvl="1">
-              <a:lnSpc>
-                <a:spcPct val="107000"/>
-              </a:lnSpc>
-              <a:spcAft>
-                <a:spcPts val="800"/>
-              </a:spcAft>
-            </a:pPr>
-            <a:endParaRPr lang="en-US" sz="2000" dirty="0">
-              <a:effectLst/>
-              <a:latin typeface="Calibri" panose="020F0502020204030204" pitchFamily="34" charset="0"/>
-              <a:ea typeface="Calibri" panose="020F0502020204030204" pitchFamily="34" charset="0"/>
-              <a:cs typeface="Times New Roman" panose="02020603050405020304" pitchFamily="18" charset="0"/>
-            </a:endParaRPr>
-          </a:p>
-        </p:txBody>
-      </p:sp>
-      <p:sp>
-        <p:nvSpPr>
-          <p:cNvPr id="4" name="Fußzeilenplatzhalter 3"/>
-          <p:cNvSpPr>
-            <a:spLocks noGrp="1"/>
-          </p:cNvSpPr>
-          <p:nvPr>
-            <p:ph type="ftr" sz="quarter" idx="3"/>
-          </p:nvPr>
-        </p:nvSpPr>
-        <p:spPr/>
-        <p:txBody>
-          <a:bodyPr/>
-          <a:lstStyle/>
-          <a:p>
-            <a:r>
-              <a:rPr lang="de-DE" dirty="0" smtClean="0">
-                <a:latin typeface="Arial"/>
-              </a:rPr>
-              <a:t>© Fraunhofer FOKUS</a:t>
-            </a:r>
-            <a:endParaRPr lang="de-DE" dirty="0">
-              <a:latin typeface="Arial"/>
-            </a:endParaRPr>
-          </a:p>
-        </p:txBody>
-      </p:sp>
-      <p:sp>
-        <p:nvSpPr>
-          <p:cNvPr id="5" name="Titel 4"/>
-          <p:cNvSpPr>
-            <a:spLocks noGrp="1"/>
-          </p:cNvSpPr>
-          <p:nvPr>
-            <p:ph type="ctrTitle"/>
-          </p:nvPr>
-        </p:nvSpPr>
-        <p:spPr/>
-        <p:txBody>
-          <a:bodyPr/>
-          <a:lstStyle/>
-          <a:p>
-            <a:r>
-              <a:rPr lang="en-US" dirty="0" smtClean="0"/>
-              <a:t>Java 8 </a:t>
-            </a:r>
-            <a:r>
-              <a:rPr lang="en-US" dirty="0" err="1" smtClean="0"/>
-              <a:t>Optionals</a:t>
-            </a:r>
-            <a:r>
-              <a:rPr lang="en-US" dirty="0" smtClean="0"/>
-              <a:t> with </a:t>
-            </a:r>
-            <a:r>
-              <a:rPr lang="en-US" dirty="0" err="1" smtClean="0"/>
-              <a:t>XTend</a:t>
-            </a:r>
-            <a:endParaRPr lang="en-US" dirty="0"/>
-          </a:p>
-        </p:txBody>
-      </p:sp>
-    </p:spTree>
-    <p:extLst>
-      <p:ext uri="{BB962C8B-B14F-4D97-AF65-F5344CB8AC3E}">
-        <p14:creationId xmlns:p14="http://schemas.microsoft.com/office/powerpoint/2010/main" val="1971605887"/>
-      </p:ext>
-    </p:extLst>
-  </p:cSld>
-  <p:clrMapOvr>
-    <a:masterClrMapping/>
-  </p:clrMapOvr>
-  <p:timing>
-    <p:tnLst>
-      <p:par>
-        <p:cTn id="1" dur="indefinite" restart="never" nodeType="tmRoot"/>
-      </p:par>
-    </p:tnLst>
-  </p:timing>
-</p:sld>
-</file>
-
-<file path=ppt/slides/slide22.xml><?xml version="1.0" encoding="utf-8"?>
-<p:sld xmlns:a="http://schemas.openxmlformats.org/drawingml/2006/main" xmlns:r="http://schemas.openxmlformats.org/officeDocument/2006/relationships" xmlns:p="http://schemas.openxmlformats.org/presentationml/2006/main">
-  <p:cSld>
-    <p:spTree>
-      <p:nvGrpSpPr>
-        <p:cNvPr id="1" name=""/>
-        <p:cNvGrpSpPr/>
-        <p:nvPr/>
-      </p:nvGrpSpPr>
-      <p:grpSpPr>
-        <a:xfrm>
-          <a:off x="0" y="0"/>
-          <a:ext cx="0" cy="0"/>
-          <a:chOff x="0" y="0"/>
-          <a:chExt cx="0" cy="0"/>
-        </a:xfrm>
-      </p:grpSpPr>
-      <p:sp>
-        <p:nvSpPr>
-          <p:cNvPr id="2" name="Textplatzhalter 1"/>
-          <p:cNvSpPr>
-            <a:spLocks noGrp="1"/>
-          </p:cNvSpPr>
-          <p:nvPr>
-            <p:ph type="body" sz="quarter" idx="10"/>
-          </p:nvPr>
-        </p:nvSpPr>
-        <p:spPr/>
-        <p:txBody>
-          <a:bodyPr/>
-          <a:lstStyle/>
-          <a:p>
-            <a:r>
-              <a:rPr lang="en-US" dirty="0" err="1"/>
-              <a:t>Optionals</a:t>
-            </a:r>
-            <a:r>
-              <a:rPr lang="en-US" dirty="0"/>
-              <a:t> Use Case</a:t>
-            </a:r>
-          </a:p>
-        </p:txBody>
-      </p:sp>
-      <p:sp>
-        <p:nvSpPr>
-          <p:cNvPr id="3" name="Inhaltsplatzhalter 2"/>
-          <p:cNvSpPr>
-            <a:spLocks noGrp="1"/>
-          </p:cNvSpPr>
-          <p:nvPr>
-            <p:ph sz="quarter" idx="13"/>
-          </p:nvPr>
-        </p:nvSpPr>
-        <p:spPr>
-          <a:xfrm>
-            <a:off x="454193" y="1837637"/>
-            <a:ext cx="8235263" cy="3988027"/>
-          </a:xfrm>
-        </p:spPr>
-        <p:txBody>
-          <a:bodyPr/>
-          <a:lstStyle/>
-          <a:p>
-            <a:pPr marL="0" indent="0">
-              <a:lnSpc>
-                <a:spcPct val="107000"/>
-              </a:lnSpc>
-              <a:spcAft>
-                <a:spcPts val="0"/>
-              </a:spcAft>
-              <a:buNone/>
-            </a:pPr>
-            <a:r>
-              <a:rPr lang="en-US" dirty="0" smtClean="0"/>
-              <a:t>Exceptions to </a:t>
-            </a:r>
-            <a:r>
-              <a:rPr lang="en-US" dirty="0" err="1" smtClean="0"/>
-              <a:t>Optionals</a:t>
-            </a:r>
-            <a:r>
-              <a:rPr lang="en-US" dirty="0" smtClean="0"/>
-              <a:t/>
-            </a:r>
-            <a:br>
-              <a:rPr lang="en-US" dirty="0" smtClean="0"/>
-            </a:br>
-            <a:r>
-              <a:rPr lang="en-US" dirty="0" smtClean="0"/>
-              <a:t/>
-            </a:r>
-            <a:br>
-              <a:rPr lang="en-US" dirty="0" smtClean="0"/>
-            </a:br>
-            <a:r>
-              <a:rPr lang="en-US" b="1" dirty="0" err="1">
-                <a:solidFill>
-                  <a:srgbClr val="7F0055"/>
-                </a:solidFill>
-                <a:latin typeface="Consolas" panose="020B0609020204030204" pitchFamily="49" charset="0"/>
-                <a:ea typeface="Calibri" panose="020F0502020204030204" pitchFamily="34" charset="0"/>
-                <a:cs typeface="Times New Roman" panose="02020603050405020304" pitchFamily="18" charset="0"/>
-              </a:rPr>
-              <a:t>val</a:t>
-            </a:r>
-            <a:r>
-              <a:rPr lang="en-US" dirty="0">
-                <a:solidFill>
-                  <a:srgbClr val="000000"/>
-                </a:solidFill>
-                <a:latin typeface="Consolas" panose="020B0609020204030204" pitchFamily="49" charset="0"/>
-                <a:ea typeface="Calibri" panose="020F0502020204030204" pitchFamily="34" charset="0"/>
-                <a:cs typeface="Times New Roman" panose="02020603050405020304" pitchFamily="18" charset="0"/>
-              </a:rPr>
-              <a:t> </a:t>
-            </a:r>
-            <a:r>
-              <a:rPr lang="en-US" dirty="0" err="1">
-                <a:solidFill>
-                  <a:srgbClr val="000000"/>
-                </a:solidFill>
-                <a:latin typeface="Consolas" panose="020B0609020204030204" pitchFamily="49" charset="0"/>
-                <a:ea typeface="Calibri" panose="020F0502020204030204" pitchFamily="34" charset="0"/>
-                <a:cs typeface="Times New Roman" panose="02020603050405020304" pitchFamily="18" charset="0"/>
-              </a:rPr>
-              <a:t>baz</a:t>
-            </a:r>
-            <a:r>
-              <a:rPr lang="en-US" dirty="0">
-                <a:solidFill>
-                  <a:srgbClr val="000000"/>
-                </a:solidFill>
-                <a:latin typeface="Consolas" panose="020B0609020204030204" pitchFamily="49" charset="0"/>
-                <a:ea typeface="Calibri" panose="020F0502020204030204" pitchFamily="34" charset="0"/>
-                <a:cs typeface="Times New Roman" panose="02020603050405020304" pitchFamily="18" charset="0"/>
-              </a:rPr>
-              <a:t> = </a:t>
-            </a:r>
-            <a:r>
-              <a:rPr lang="en-US" i="1" dirty="0" err="1">
-                <a:solidFill>
-                  <a:srgbClr val="000000"/>
-                </a:solidFill>
-                <a:latin typeface="Consolas" panose="020B0609020204030204" pitchFamily="49" charset="0"/>
-                <a:ea typeface="Calibri" panose="020F0502020204030204" pitchFamily="34" charset="0"/>
-                <a:cs typeface="Times New Roman" panose="02020603050405020304" pitchFamily="18" charset="0"/>
-              </a:rPr>
-              <a:t>trySupply</a:t>
-            </a:r>
-            <a:r>
-              <a:rPr lang="en-US" dirty="0">
-                <a:solidFill>
-                  <a:srgbClr val="000000"/>
-                </a:solidFill>
-                <a:latin typeface="Consolas" panose="020B0609020204030204" pitchFamily="49" charset="0"/>
-                <a:ea typeface="Calibri" panose="020F0502020204030204" pitchFamily="34" charset="0"/>
-                <a:cs typeface="Times New Roman" panose="02020603050405020304" pitchFamily="18" charset="0"/>
-              </a:rPr>
-              <a:t> [</a:t>
-            </a:r>
-            <a:endParaRPr lang="en-US" dirty="0">
-              <a:latin typeface="Calibri" panose="020F0502020204030204" pitchFamily="34" charset="0"/>
-              <a:ea typeface="Calibri" panose="020F0502020204030204" pitchFamily="34" charset="0"/>
-              <a:cs typeface="Times New Roman" panose="02020603050405020304" pitchFamily="18" charset="0"/>
-            </a:endParaRPr>
-          </a:p>
-          <a:p>
-            <a:pPr marL="0" indent="0">
-              <a:lnSpc>
-                <a:spcPct val="107000"/>
-              </a:lnSpc>
-              <a:spcAft>
-                <a:spcPts val="0"/>
-              </a:spcAft>
-              <a:buNone/>
-            </a:pPr>
-            <a:r>
-              <a:rPr lang="en-US" dirty="0">
-                <a:solidFill>
-                  <a:srgbClr val="000000"/>
-                </a:solidFill>
-                <a:latin typeface="Consolas" panose="020B0609020204030204" pitchFamily="49" charset="0"/>
-                <a:ea typeface="Calibri" panose="020F0502020204030204" pitchFamily="34" charset="0"/>
-                <a:cs typeface="Times New Roman" panose="02020603050405020304" pitchFamily="18" charset="0"/>
-              </a:rPr>
-              <a:t>	</a:t>
-            </a:r>
-            <a:r>
-              <a:rPr lang="en-US" i="1" dirty="0" err="1">
-                <a:solidFill>
-                  <a:srgbClr val="000000"/>
-                </a:solidFill>
-                <a:latin typeface="Consolas" panose="020B0609020204030204" pitchFamily="49" charset="0"/>
-                <a:ea typeface="Calibri" panose="020F0502020204030204" pitchFamily="34" charset="0"/>
-                <a:cs typeface="Times New Roman" panose="02020603050405020304" pitchFamily="18" charset="0"/>
-              </a:rPr>
-              <a:t>somethingDangerous</a:t>
-            </a:r>
-            <a:r>
-              <a:rPr lang="en-US" dirty="0">
-                <a:solidFill>
-                  <a:srgbClr val="000000"/>
-                </a:solidFill>
-                <a:latin typeface="Consolas" panose="020B0609020204030204" pitchFamily="49" charset="0"/>
-                <a:ea typeface="Calibri" panose="020F0502020204030204" pitchFamily="34" charset="0"/>
-                <a:cs typeface="Times New Roman" panose="02020603050405020304" pitchFamily="18" charset="0"/>
-              </a:rPr>
-              <a:t>()</a:t>
-            </a:r>
-            <a:endParaRPr lang="en-US" dirty="0">
-              <a:latin typeface="Calibri" panose="020F0502020204030204" pitchFamily="34" charset="0"/>
-              <a:ea typeface="Calibri" panose="020F0502020204030204" pitchFamily="34" charset="0"/>
-              <a:cs typeface="Times New Roman" panose="02020603050405020304" pitchFamily="18" charset="0"/>
-            </a:endParaRPr>
-          </a:p>
-          <a:p>
-            <a:pPr marL="0" indent="0">
-              <a:lnSpc>
-                <a:spcPct val="107000"/>
-              </a:lnSpc>
-              <a:spcAft>
-                <a:spcPts val="0"/>
-              </a:spcAft>
-              <a:buNone/>
-            </a:pPr>
-            <a:r>
-              <a:rPr lang="en-US" dirty="0">
-                <a:solidFill>
-                  <a:srgbClr val="000000"/>
-                </a:solidFill>
-                <a:latin typeface="Consolas" panose="020B0609020204030204" pitchFamily="49" charset="0"/>
-                <a:ea typeface="Calibri" panose="020F0502020204030204" pitchFamily="34" charset="0"/>
-                <a:cs typeface="Times New Roman" panose="02020603050405020304" pitchFamily="18" charset="0"/>
-              </a:rPr>
-              <a:t>].</a:t>
-            </a:r>
-            <a:r>
-              <a:rPr lang="en-US" dirty="0" err="1">
-                <a:solidFill>
-                  <a:srgbClr val="000000"/>
-                </a:solidFill>
-                <a:latin typeface="Consolas" panose="020B0609020204030204" pitchFamily="49" charset="0"/>
-                <a:ea typeface="Calibri" panose="020F0502020204030204" pitchFamily="34" charset="0"/>
-                <a:cs typeface="Times New Roman" panose="02020603050405020304" pitchFamily="18" charset="0"/>
-              </a:rPr>
-              <a:t>doRecover</a:t>
-            </a:r>
-            <a:r>
-              <a:rPr lang="en-US" dirty="0">
-                <a:solidFill>
-                  <a:srgbClr val="000000"/>
-                </a:solidFill>
-                <a:latin typeface="Consolas" panose="020B0609020204030204" pitchFamily="49" charset="0"/>
-                <a:ea typeface="Calibri" panose="020F0502020204030204" pitchFamily="34" charset="0"/>
-                <a:cs typeface="Times New Roman" panose="02020603050405020304" pitchFamily="18" charset="0"/>
-              </a:rPr>
-              <a:t>(</a:t>
-            </a:r>
-            <a:r>
-              <a:rPr lang="en-US" dirty="0" err="1">
-                <a:solidFill>
-                  <a:srgbClr val="000000"/>
-                </a:solidFill>
-                <a:latin typeface="Consolas" panose="020B0609020204030204" pitchFamily="49" charset="0"/>
-                <a:ea typeface="Calibri" panose="020F0502020204030204" pitchFamily="34" charset="0"/>
-                <a:cs typeface="Times New Roman" panose="02020603050405020304" pitchFamily="18" charset="0"/>
-              </a:rPr>
-              <a:t>NumberFormatException</a:t>
-            </a:r>
-            <a:r>
-              <a:rPr lang="en-US" dirty="0">
-                <a:solidFill>
-                  <a:srgbClr val="000000"/>
-                </a:solidFill>
-                <a:latin typeface="Consolas" panose="020B0609020204030204" pitchFamily="49" charset="0"/>
-                <a:ea typeface="Calibri" panose="020F0502020204030204" pitchFamily="34" charset="0"/>
-                <a:cs typeface="Times New Roman" panose="02020603050405020304" pitchFamily="18" charset="0"/>
-              </a:rPr>
-              <a:t>) [</a:t>
-            </a:r>
-            <a:endParaRPr lang="en-US" dirty="0">
-              <a:latin typeface="Calibri" panose="020F0502020204030204" pitchFamily="34" charset="0"/>
-              <a:ea typeface="Calibri" panose="020F0502020204030204" pitchFamily="34" charset="0"/>
-              <a:cs typeface="Times New Roman" panose="02020603050405020304" pitchFamily="18" charset="0"/>
-            </a:endParaRPr>
-          </a:p>
-          <a:p>
-            <a:pPr marL="0" indent="0">
-              <a:lnSpc>
-                <a:spcPct val="107000"/>
-              </a:lnSpc>
-              <a:spcAft>
-                <a:spcPts val="0"/>
-              </a:spcAft>
-              <a:buNone/>
-            </a:pPr>
-            <a:r>
-              <a:rPr lang="en-US" dirty="0">
-                <a:solidFill>
-                  <a:srgbClr val="000000"/>
-                </a:solidFill>
-                <a:latin typeface="Consolas" panose="020B0609020204030204" pitchFamily="49" charset="0"/>
-                <a:ea typeface="Calibri" panose="020F0502020204030204" pitchFamily="34" charset="0"/>
-                <a:cs typeface="Times New Roman" panose="02020603050405020304" pitchFamily="18" charset="0"/>
-              </a:rPr>
-              <a:t>	</a:t>
-            </a:r>
-            <a:r>
-              <a:rPr lang="en-US" dirty="0">
-                <a:solidFill>
-                  <a:srgbClr val="2A00FF"/>
-                </a:solidFill>
-                <a:latin typeface="Consolas" panose="020B0609020204030204" pitchFamily="49" charset="0"/>
-                <a:ea typeface="Calibri" panose="020F0502020204030204" pitchFamily="34" charset="0"/>
-                <a:cs typeface="Times New Roman" panose="02020603050405020304" pitchFamily="18" charset="0"/>
-              </a:rPr>
-              <a:t>"bar"</a:t>
-            </a:r>
-            <a:endParaRPr lang="en-US" dirty="0">
-              <a:latin typeface="Calibri" panose="020F0502020204030204" pitchFamily="34" charset="0"/>
-              <a:ea typeface="Calibri" panose="020F0502020204030204" pitchFamily="34" charset="0"/>
-              <a:cs typeface="Times New Roman" panose="02020603050405020304" pitchFamily="18" charset="0"/>
-            </a:endParaRPr>
-          </a:p>
-          <a:p>
-            <a:pPr marL="0" indent="0">
-              <a:lnSpc>
-                <a:spcPct val="107000"/>
-              </a:lnSpc>
-              <a:spcAft>
-                <a:spcPts val="0"/>
-              </a:spcAft>
-              <a:buNone/>
-            </a:pPr>
-            <a:r>
-              <a:rPr lang="en-US" dirty="0">
-                <a:solidFill>
-                  <a:srgbClr val="000000"/>
-                </a:solidFill>
-                <a:latin typeface="Consolas" panose="020B0609020204030204" pitchFamily="49" charset="0"/>
-                <a:ea typeface="Calibri" panose="020F0502020204030204" pitchFamily="34" charset="0"/>
-                <a:cs typeface="Times New Roman" panose="02020603050405020304" pitchFamily="18" charset="0"/>
-              </a:rPr>
-              <a:t>].</a:t>
-            </a:r>
-            <a:r>
-              <a:rPr lang="en-US" dirty="0" err="1">
-                <a:solidFill>
-                  <a:srgbClr val="000000"/>
-                </a:solidFill>
-                <a:latin typeface="Consolas" panose="020B0609020204030204" pitchFamily="49" charset="0"/>
-                <a:ea typeface="Calibri" panose="020F0502020204030204" pitchFamily="34" charset="0"/>
-                <a:cs typeface="Times New Roman" panose="02020603050405020304" pitchFamily="18" charset="0"/>
-              </a:rPr>
-              <a:t>doCatch</a:t>
-            </a:r>
-            <a:r>
-              <a:rPr lang="en-US" dirty="0">
-                <a:solidFill>
-                  <a:srgbClr val="000000"/>
-                </a:solidFill>
-                <a:latin typeface="Consolas" panose="020B0609020204030204" pitchFamily="49" charset="0"/>
-                <a:ea typeface="Calibri" panose="020F0502020204030204" pitchFamily="34" charset="0"/>
-                <a:cs typeface="Times New Roman" panose="02020603050405020304" pitchFamily="18" charset="0"/>
-              </a:rPr>
-              <a:t>(</a:t>
-            </a:r>
-            <a:r>
-              <a:rPr lang="en-US" dirty="0" err="1">
-                <a:solidFill>
-                  <a:srgbClr val="000000"/>
-                </a:solidFill>
-                <a:latin typeface="Consolas" panose="020B0609020204030204" pitchFamily="49" charset="0"/>
-                <a:ea typeface="Calibri" panose="020F0502020204030204" pitchFamily="34" charset="0"/>
-                <a:cs typeface="Times New Roman" panose="02020603050405020304" pitchFamily="18" charset="0"/>
-              </a:rPr>
-              <a:t>UnsupportedOperationException</a:t>
-            </a:r>
-            <a:r>
-              <a:rPr lang="en-US" dirty="0">
-                <a:solidFill>
-                  <a:srgbClr val="000000"/>
-                </a:solidFill>
-                <a:latin typeface="Consolas" panose="020B0609020204030204" pitchFamily="49" charset="0"/>
-                <a:ea typeface="Calibri" panose="020F0502020204030204" pitchFamily="34" charset="0"/>
-                <a:cs typeface="Times New Roman" panose="02020603050405020304" pitchFamily="18" charset="0"/>
-              </a:rPr>
-              <a:t>) [ </a:t>
-            </a:r>
-            <a:endParaRPr lang="en-US" dirty="0">
-              <a:latin typeface="Calibri" panose="020F0502020204030204" pitchFamily="34" charset="0"/>
-              <a:ea typeface="Calibri" panose="020F0502020204030204" pitchFamily="34" charset="0"/>
-              <a:cs typeface="Times New Roman" panose="02020603050405020304" pitchFamily="18" charset="0"/>
-            </a:endParaRPr>
-          </a:p>
-          <a:p>
-            <a:pPr marL="0" indent="0">
-              <a:lnSpc>
-                <a:spcPct val="107000"/>
-              </a:lnSpc>
-              <a:spcAft>
-                <a:spcPts val="0"/>
-              </a:spcAft>
-              <a:buNone/>
-            </a:pPr>
-            <a:r>
-              <a:rPr lang="en-US" dirty="0">
-                <a:solidFill>
-                  <a:srgbClr val="000000"/>
-                </a:solidFill>
-                <a:latin typeface="Consolas" panose="020B0609020204030204" pitchFamily="49" charset="0"/>
-                <a:ea typeface="Calibri" panose="020F0502020204030204" pitchFamily="34" charset="0"/>
-                <a:cs typeface="Times New Roman" panose="02020603050405020304" pitchFamily="18" charset="0"/>
-              </a:rPr>
-              <a:t>	</a:t>
-            </a:r>
-            <a:r>
-              <a:rPr lang="en-US" dirty="0" err="1">
-                <a:solidFill>
-                  <a:srgbClr val="000000"/>
-                </a:solidFill>
-                <a:latin typeface="Consolas" panose="020B0609020204030204" pitchFamily="49" charset="0"/>
-                <a:ea typeface="Calibri" panose="020F0502020204030204" pitchFamily="34" charset="0"/>
-                <a:cs typeface="Times New Roman" panose="02020603050405020304" pitchFamily="18" charset="0"/>
-              </a:rPr>
-              <a:t>printStackTrace</a:t>
-            </a:r>
-            <a:endParaRPr lang="en-US" dirty="0">
-              <a:latin typeface="Calibri" panose="020F0502020204030204" pitchFamily="34" charset="0"/>
-              <a:ea typeface="Calibri" panose="020F0502020204030204" pitchFamily="34" charset="0"/>
-              <a:cs typeface="Times New Roman" panose="02020603050405020304" pitchFamily="18" charset="0"/>
-            </a:endParaRPr>
-          </a:p>
-          <a:p>
-            <a:pPr marL="0" indent="0">
-              <a:lnSpc>
-                <a:spcPct val="107000"/>
-              </a:lnSpc>
-              <a:spcAft>
-                <a:spcPts val="0"/>
-              </a:spcAft>
-              <a:buNone/>
-            </a:pPr>
-            <a:r>
-              <a:rPr lang="en-US" dirty="0">
-                <a:solidFill>
-                  <a:srgbClr val="000000"/>
-                </a:solidFill>
-                <a:latin typeface="Consolas" panose="020B0609020204030204" pitchFamily="49" charset="0"/>
-                <a:ea typeface="Calibri" panose="020F0502020204030204" pitchFamily="34" charset="0"/>
-                <a:cs typeface="Times New Roman" panose="02020603050405020304" pitchFamily="18" charset="0"/>
-              </a:rPr>
-              <a:t>].</a:t>
-            </a:r>
-            <a:r>
-              <a:rPr lang="en-US" dirty="0" err="1">
-                <a:solidFill>
-                  <a:srgbClr val="000000"/>
-                </a:solidFill>
-                <a:latin typeface="Consolas" panose="020B0609020204030204" pitchFamily="49" charset="0"/>
-                <a:ea typeface="Calibri" panose="020F0502020204030204" pitchFamily="34" charset="0"/>
-                <a:cs typeface="Times New Roman" panose="02020603050405020304" pitchFamily="18" charset="0"/>
-              </a:rPr>
-              <a:t>doCatch</a:t>
-            </a:r>
-            <a:r>
-              <a:rPr lang="en-US" dirty="0">
-                <a:solidFill>
-                  <a:srgbClr val="000000"/>
-                </a:solidFill>
-                <a:latin typeface="Consolas" panose="020B0609020204030204" pitchFamily="49" charset="0"/>
-                <a:ea typeface="Calibri" panose="020F0502020204030204" pitchFamily="34" charset="0"/>
-                <a:cs typeface="Times New Roman" panose="02020603050405020304" pitchFamily="18" charset="0"/>
-              </a:rPr>
-              <a:t> [</a:t>
-            </a:r>
-            <a:endParaRPr lang="en-US" dirty="0">
-              <a:latin typeface="Calibri" panose="020F0502020204030204" pitchFamily="34" charset="0"/>
-              <a:ea typeface="Calibri" panose="020F0502020204030204" pitchFamily="34" charset="0"/>
-              <a:cs typeface="Times New Roman" panose="02020603050405020304" pitchFamily="18" charset="0"/>
-            </a:endParaRPr>
-          </a:p>
-          <a:p>
-            <a:pPr marL="0" indent="0">
-              <a:lnSpc>
-                <a:spcPct val="107000"/>
-              </a:lnSpc>
-              <a:spcAft>
-                <a:spcPts val="0"/>
-              </a:spcAft>
-              <a:buNone/>
-            </a:pPr>
-            <a:r>
-              <a:rPr lang="en-US" dirty="0">
-                <a:solidFill>
-                  <a:srgbClr val="000000"/>
-                </a:solidFill>
-                <a:latin typeface="Consolas" panose="020B0609020204030204" pitchFamily="49" charset="0"/>
-                <a:ea typeface="Calibri" panose="020F0502020204030204" pitchFamily="34" charset="0"/>
-                <a:cs typeface="Times New Roman" panose="02020603050405020304" pitchFamily="18" charset="0"/>
-              </a:rPr>
-              <a:t>	</a:t>
-            </a:r>
-            <a:r>
-              <a:rPr lang="en-US" dirty="0" err="1">
-                <a:solidFill>
-                  <a:srgbClr val="000000"/>
-                </a:solidFill>
-                <a:latin typeface="Consolas" panose="020B0609020204030204" pitchFamily="49" charset="0"/>
-                <a:ea typeface="Calibri" panose="020F0502020204030204" pitchFamily="34" charset="0"/>
-                <a:cs typeface="Times New Roman" panose="02020603050405020304" pitchFamily="18" charset="0"/>
-              </a:rPr>
-              <a:t>System.</a:t>
-            </a:r>
-            <a:r>
-              <a:rPr lang="en-US" i="1" dirty="0" err="1">
-                <a:solidFill>
-                  <a:srgbClr val="0000C0"/>
-                </a:solidFill>
-                <a:latin typeface="Consolas" panose="020B0609020204030204" pitchFamily="49" charset="0"/>
-                <a:ea typeface="Calibri" panose="020F0502020204030204" pitchFamily="34" charset="0"/>
-                <a:cs typeface="Times New Roman" panose="02020603050405020304" pitchFamily="18" charset="0"/>
-              </a:rPr>
-              <a:t>err</a:t>
-            </a:r>
-            <a:r>
-              <a:rPr lang="en-US" dirty="0" err="1">
-                <a:solidFill>
-                  <a:srgbClr val="000000"/>
-                </a:solidFill>
-                <a:latin typeface="Consolas" panose="020B0609020204030204" pitchFamily="49" charset="0"/>
-                <a:ea typeface="Calibri" panose="020F0502020204030204" pitchFamily="34" charset="0"/>
-                <a:cs typeface="Times New Roman" panose="02020603050405020304" pitchFamily="18" charset="0"/>
-              </a:rPr>
-              <a:t>.println</a:t>
-            </a:r>
-            <a:r>
-              <a:rPr lang="en-US" dirty="0">
-                <a:solidFill>
-                  <a:srgbClr val="000000"/>
-                </a:solidFill>
-                <a:latin typeface="Consolas" panose="020B0609020204030204" pitchFamily="49" charset="0"/>
-                <a:ea typeface="Calibri" panose="020F0502020204030204" pitchFamily="34" charset="0"/>
-                <a:cs typeface="Times New Roman" panose="02020603050405020304" pitchFamily="18" charset="0"/>
-              </a:rPr>
-              <a:t>(</a:t>
-            </a:r>
-            <a:r>
-              <a:rPr lang="en-US" dirty="0">
-                <a:solidFill>
-                  <a:srgbClr val="2A00FF"/>
-                </a:solidFill>
-                <a:latin typeface="Consolas" panose="020B0609020204030204" pitchFamily="49" charset="0"/>
-                <a:ea typeface="Calibri" panose="020F0502020204030204" pitchFamily="34" charset="0"/>
-                <a:cs typeface="Times New Roman" panose="02020603050405020304" pitchFamily="18" charset="0"/>
-              </a:rPr>
-              <a:t>"Something is seriously wrong"</a:t>
-            </a:r>
-            <a:r>
-              <a:rPr lang="en-US" dirty="0">
-                <a:solidFill>
-                  <a:srgbClr val="000000"/>
-                </a:solidFill>
-                <a:latin typeface="Consolas" panose="020B0609020204030204" pitchFamily="49" charset="0"/>
-                <a:ea typeface="Calibri" panose="020F0502020204030204" pitchFamily="34" charset="0"/>
-                <a:cs typeface="Times New Roman" panose="02020603050405020304" pitchFamily="18" charset="0"/>
-              </a:rPr>
-              <a:t>)</a:t>
-            </a:r>
-            <a:endParaRPr lang="en-US" dirty="0">
-              <a:latin typeface="Calibri" panose="020F0502020204030204" pitchFamily="34" charset="0"/>
-              <a:ea typeface="Calibri" panose="020F0502020204030204" pitchFamily="34" charset="0"/>
-              <a:cs typeface="Times New Roman" panose="02020603050405020304" pitchFamily="18" charset="0"/>
-            </a:endParaRPr>
-          </a:p>
-          <a:p>
-            <a:pPr marL="0" indent="0">
-              <a:lnSpc>
-                <a:spcPct val="107000"/>
-              </a:lnSpc>
-              <a:spcAft>
-                <a:spcPts val="0"/>
-              </a:spcAft>
-              <a:buNone/>
-            </a:pPr>
-            <a:r>
-              <a:rPr lang="en-US" dirty="0">
-                <a:solidFill>
-                  <a:srgbClr val="000000"/>
-                </a:solidFill>
-                <a:latin typeface="Consolas" panose="020B0609020204030204" pitchFamily="49" charset="0"/>
-                <a:ea typeface="Calibri" panose="020F0502020204030204" pitchFamily="34" charset="0"/>
-                <a:cs typeface="Times New Roman" panose="02020603050405020304" pitchFamily="18" charset="0"/>
-              </a:rPr>
-              <a:t>	</a:t>
-            </a:r>
-            <a:r>
-              <a:rPr lang="en-US" dirty="0" err="1">
-                <a:solidFill>
-                  <a:srgbClr val="000000"/>
-                </a:solidFill>
-                <a:latin typeface="Consolas" panose="020B0609020204030204" pitchFamily="49" charset="0"/>
-                <a:ea typeface="Calibri" panose="020F0502020204030204" pitchFamily="34" charset="0"/>
-                <a:cs typeface="Times New Roman" panose="02020603050405020304" pitchFamily="18" charset="0"/>
-              </a:rPr>
-              <a:t>printStackTrace</a:t>
-            </a:r>
-            <a:endParaRPr lang="en-US" dirty="0">
-              <a:latin typeface="Calibri" panose="020F0502020204030204" pitchFamily="34" charset="0"/>
-              <a:ea typeface="Calibri" panose="020F0502020204030204" pitchFamily="34" charset="0"/>
-              <a:cs typeface="Times New Roman" panose="02020603050405020304" pitchFamily="18" charset="0"/>
-            </a:endParaRPr>
-          </a:p>
-          <a:p>
-            <a:pPr marL="0" indent="0">
-              <a:lnSpc>
-                <a:spcPct val="107000"/>
-              </a:lnSpc>
-              <a:spcAft>
-                <a:spcPts val="0"/>
-              </a:spcAft>
-              <a:buNone/>
-            </a:pPr>
-            <a:r>
-              <a:rPr lang="en-US" dirty="0">
-                <a:solidFill>
-                  <a:srgbClr val="000000"/>
-                </a:solidFill>
-                <a:latin typeface="Consolas" panose="020B0609020204030204" pitchFamily="49" charset="0"/>
-                <a:ea typeface="Calibri" panose="020F0502020204030204" pitchFamily="34" charset="0"/>
-                <a:cs typeface="Times New Roman" panose="02020603050405020304" pitchFamily="18" charset="0"/>
-              </a:rPr>
-              <a:t>].</a:t>
-            </a:r>
-            <a:r>
-              <a:rPr lang="en-US" dirty="0" err="1">
-                <a:solidFill>
-                  <a:srgbClr val="000000"/>
-                </a:solidFill>
-                <a:latin typeface="Consolas" panose="020B0609020204030204" pitchFamily="49" charset="0"/>
-                <a:ea typeface="Calibri" panose="020F0502020204030204" pitchFamily="34" charset="0"/>
-                <a:cs typeface="Times New Roman" panose="02020603050405020304" pitchFamily="18" charset="0"/>
-              </a:rPr>
-              <a:t>eval</a:t>
-            </a:r>
-            <a:endParaRPr lang="en-US" dirty="0">
-              <a:latin typeface="Calibri" panose="020F0502020204030204" pitchFamily="34" charset="0"/>
-              <a:ea typeface="Calibri" panose="020F0502020204030204" pitchFamily="34" charset="0"/>
-              <a:cs typeface="Times New Roman" panose="02020603050405020304" pitchFamily="18" charset="0"/>
-            </a:endParaRPr>
-          </a:p>
-          <a:p>
-            <a:pPr marL="0" indent="0">
-              <a:lnSpc>
-                <a:spcPct val="107000"/>
-              </a:lnSpc>
-              <a:spcAft>
-                <a:spcPts val="0"/>
-              </a:spcAft>
-              <a:buNone/>
-            </a:pPr>
-            <a:r>
-              <a:rPr lang="en-US" sz="1200" dirty="0">
-                <a:latin typeface="Consolas" panose="020B0609020204030204" pitchFamily="49" charset="0"/>
-                <a:ea typeface="Calibri" panose="020F0502020204030204" pitchFamily="34" charset="0"/>
-                <a:cs typeface="Times New Roman" panose="02020603050405020304" pitchFamily="18" charset="0"/>
-              </a:rPr>
-              <a:t/>
-            </a:r>
-            <a:br>
-              <a:rPr lang="en-US" sz="1200" dirty="0">
-                <a:latin typeface="Consolas" panose="020B0609020204030204" pitchFamily="49" charset="0"/>
-                <a:ea typeface="Calibri" panose="020F0502020204030204" pitchFamily="34" charset="0"/>
-                <a:cs typeface="Times New Roman" panose="02020603050405020304" pitchFamily="18" charset="0"/>
-              </a:rPr>
-            </a:br>
-            <a:endParaRPr lang="en-US" sz="1200" dirty="0">
-              <a:latin typeface="Calibri" panose="020F0502020204030204" pitchFamily="34" charset="0"/>
-              <a:ea typeface="Calibri" panose="020F0502020204030204" pitchFamily="34" charset="0"/>
-              <a:cs typeface="Times New Roman" panose="02020603050405020304" pitchFamily="18" charset="0"/>
-            </a:endParaRPr>
-          </a:p>
-          <a:p>
-            <a:endParaRPr lang="en-US" dirty="0" smtClean="0"/>
-          </a:p>
-          <a:p>
-            <a:pPr>
-              <a:lnSpc>
-                <a:spcPct val="107000"/>
-              </a:lnSpc>
-              <a:spcAft>
-                <a:spcPts val="800"/>
-              </a:spcAft>
-            </a:pPr>
-            <a:endParaRPr lang="en-US" dirty="0" smtClean="0"/>
-          </a:p>
-          <a:p>
-            <a:pPr lvl="1">
-              <a:lnSpc>
-                <a:spcPct val="107000"/>
-              </a:lnSpc>
-              <a:spcAft>
-                <a:spcPts val="800"/>
-              </a:spcAft>
-            </a:pPr>
-            <a:endParaRPr lang="en-US" sz="2000" dirty="0" smtClean="0">
-              <a:solidFill>
-                <a:srgbClr val="000000"/>
-              </a:solidFill>
-              <a:latin typeface="Consolas" panose="020B0609020204030204" pitchFamily="49" charset="0"/>
-              <a:ea typeface="Calibri" panose="020F0502020204030204" pitchFamily="34" charset="0"/>
-              <a:cs typeface="Times New Roman" panose="02020603050405020304" pitchFamily="18" charset="0"/>
-            </a:endParaRPr>
-          </a:p>
-          <a:p>
-            <a:pPr lvl="1">
-              <a:lnSpc>
-                <a:spcPct val="107000"/>
-              </a:lnSpc>
-              <a:spcAft>
-                <a:spcPts val="800"/>
-              </a:spcAft>
-            </a:pPr>
-            <a:endParaRPr lang="en-US" sz="2000" dirty="0" smtClean="0">
-              <a:latin typeface="Calibri" panose="020F0502020204030204" pitchFamily="34" charset="0"/>
-              <a:ea typeface="Calibri" panose="020F0502020204030204" pitchFamily="34" charset="0"/>
-              <a:cs typeface="Times New Roman" panose="02020603050405020304" pitchFamily="18" charset="0"/>
-            </a:endParaRPr>
-          </a:p>
-          <a:p>
-            <a:pPr lvl="1">
-              <a:lnSpc>
-                <a:spcPct val="107000"/>
-              </a:lnSpc>
-              <a:spcAft>
-                <a:spcPts val="800"/>
-              </a:spcAft>
-            </a:pPr>
-            <a:endParaRPr lang="en-US" sz="2000" dirty="0" smtClean="0">
-              <a:latin typeface="Calibri" panose="020F0502020204030204" pitchFamily="34" charset="0"/>
-              <a:ea typeface="Calibri" panose="020F0502020204030204" pitchFamily="34" charset="0"/>
-              <a:cs typeface="Times New Roman" panose="02020603050405020304" pitchFamily="18" charset="0"/>
-            </a:endParaRPr>
-          </a:p>
-          <a:p>
-            <a:pPr lvl="1">
-              <a:lnSpc>
-                <a:spcPct val="107000"/>
-              </a:lnSpc>
-              <a:spcAft>
-                <a:spcPts val="800"/>
-              </a:spcAft>
-            </a:pPr>
-            <a:endParaRPr lang="en-US" sz="2000" dirty="0">
-              <a:effectLst/>
-              <a:latin typeface="Calibri" panose="020F0502020204030204" pitchFamily="34" charset="0"/>
-              <a:ea typeface="Calibri" panose="020F0502020204030204" pitchFamily="34" charset="0"/>
-              <a:cs typeface="Times New Roman" panose="02020603050405020304" pitchFamily="18" charset="0"/>
-            </a:endParaRPr>
-          </a:p>
-        </p:txBody>
-      </p:sp>
-      <p:sp>
-        <p:nvSpPr>
-          <p:cNvPr id="4" name="Fußzeilenplatzhalter 3"/>
-          <p:cNvSpPr>
-            <a:spLocks noGrp="1"/>
-          </p:cNvSpPr>
-          <p:nvPr>
-            <p:ph type="ftr" sz="quarter" idx="3"/>
-          </p:nvPr>
-        </p:nvSpPr>
-        <p:spPr/>
-        <p:txBody>
-          <a:bodyPr/>
-          <a:lstStyle/>
-          <a:p>
-            <a:r>
-              <a:rPr lang="de-DE" dirty="0" smtClean="0">
-                <a:latin typeface="Arial"/>
-              </a:rPr>
-              <a:t>© Fraunhofer FOKUS</a:t>
-            </a:r>
-            <a:endParaRPr lang="de-DE" dirty="0">
-              <a:latin typeface="Arial"/>
-            </a:endParaRPr>
-          </a:p>
-        </p:txBody>
-      </p:sp>
-      <p:sp>
-        <p:nvSpPr>
-          <p:cNvPr id="5" name="Titel 4"/>
-          <p:cNvSpPr>
-            <a:spLocks noGrp="1"/>
-          </p:cNvSpPr>
-          <p:nvPr>
-            <p:ph type="ctrTitle"/>
-          </p:nvPr>
-        </p:nvSpPr>
-        <p:spPr/>
-        <p:txBody>
-          <a:bodyPr/>
-          <a:lstStyle/>
-          <a:p>
-            <a:r>
-              <a:rPr lang="en-US" dirty="0" smtClean="0"/>
-              <a:t>Java 8 </a:t>
-            </a:r>
-            <a:r>
-              <a:rPr lang="en-US" dirty="0" err="1" smtClean="0"/>
-              <a:t>Optionals</a:t>
-            </a:r>
-            <a:r>
-              <a:rPr lang="en-US" dirty="0" smtClean="0"/>
-              <a:t> with </a:t>
-            </a:r>
-            <a:r>
-              <a:rPr lang="en-US" dirty="0" err="1" smtClean="0"/>
-              <a:t>XTend</a:t>
-            </a:r>
-            <a:endParaRPr lang="en-US" dirty="0"/>
-          </a:p>
-        </p:txBody>
-      </p:sp>
-    </p:spTree>
-    <p:extLst>
-      <p:ext uri="{BB962C8B-B14F-4D97-AF65-F5344CB8AC3E}">
-        <p14:creationId xmlns:p14="http://schemas.microsoft.com/office/powerpoint/2010/main" val="3425990287"/>
-      </p:ext>
-    </p:extLst>
-  </p:cSld>
-  <p:clrMapOvr>
-    <a:masterClrMapping/>
-  </p:clrMapOvr>
-  <p:timing>
-    <p:tnLst>
-      <p:par>
-        <p:cTn id="1" dur="indefinite" restart="never" nodeType="tmRoot"/>
-      </p:par>
-    </p:tnLst>
-  </p:timing>
-</p:sld>
-</file>
-
-<file path=ppt/slides/slide23.xml><?xml version="1.0" encoding="utf-8"?>
 <p:sld xmlns:a="http://schemas.openxmlformats.org/drawingml/2006/main" xmlns:r="http://schemas.openxmlformats.org/officeDocument/2006/relationships" xmlns:p="http://schemas.openxmlformats.org/presentationml/2006/main">
   <p:cSld>
     <p:spTree>
@@ -13431,7 +11220,7 @@
 </p:sld>
 </file>
 
-<file path=ppt/slides/slide24.xml><?xml version="1.0" encoding="utf-8"?>
+<file path=ppt/slides/slide21.xml><?xml version="1.0" encoding="utf-8"?>
 <p:sld xmlns:a="http://schemas.openxmlformats.org/drawingml/2006/main" xmlns:r="http://schemas.openxmlformats.org/officeDocument/2006/relationships" xmlns:p="http://schemas.openxmlformats.org/presentationml/2006/main" show="0">
   <p:cSld>
     <p:spTree>
@@ -14858,7 +12647,7 @@
 </p:sld>
 </file>
 
-<file path=ppt/slides/slide25.xml><?xml version="1.0" encoding="utf-8"?>
+<file path=ppt/slides/slide22.xml><?xml version="1.0" encoding="utf-8"?>
 <p:sld xmlns:a="http://schemas.openxmlformats.org/drawingml/2006/main" xmlns:r="http://schemas.openxmlformats.org/officeDocument/2006/relationships" xmlns:p="http://schemas.openxmlformats.org/presentationml/2006/main">
   <p:cSld>
     <p:spTree>
@@ -15892,7 +13681,7 @@
 </p:sld>
 </file>
 
-<file path=ppt/slides/slide26.xml><?xml version="1.0" encoding="utf-8"?>
+<file path=ppt/slides/slide23.xml><?xml version="1.0" encoding="utf-8"?>
 <p:sld xmlns:a="http://schemas.openxmlformats.org/drawingml/2006/main" xmlns:r="http://schemas.openxmlformats.org/officeDocument/2006/relationships" xmlns:p="http://schemas.openxmlformats.org/presentationml/2006/main">
   <p:cSld>
     <p:spTree>
@@ -16680,7 +14469,7 @@
 </p:sld>
 </file>
 
-<file path=ppt/slides/slide27.xml><?xml version="1.0" encoding="utf-8"?>
+<file path=ppt/slides/slide24.xml><?xml version="1.0" encoding="utf-8"?>
 <p:sld xmlns:a="http://schemas.openxmlformats.org/drawingml/2006/main" xmlns:r="http://schemas.openxmlformats.org/officeDocument/2006/relationships" xmlns:p="http://schemas.openxmlformats.org/presentationml/2006/main">
   <p:cSld>
     <p:spTree>
@@ -17407,7 +15196,7 @@
 </p:sld>
 </file>
 
-<file path=ppt/slides/slide28.xml><?xml version="1.0" encoding="utf-8"?>
+<file path=ppt/slides/slide25.xml><?xml version="1.0" encoding="utf-8"?>
 <p:sld xmlns:a="http://schemas.openxmlformats.org/drawingml/2006/main" xmlns:r="http://schemas.openxmlformats.org/officeDocument/2006/relationships" xmlns:p="http://schemas.openxmlformats.org/presentationml/2006/main">
   <p:cSld>
     <p:spTree>
@@ -18528,7 +16317,7 @@
 </p:sld>
 </file>
 
-<file path=ppt/slides/slide29.xml><?xml version="1.0" encoding="utf-8"?>
+<file path=ppt/slides/slide26.xml><?xml version="1.0" encoding="utf-8"?>
 <p:sld xmlns:a="http://schemas.openxmlformats.org/drawingml/2006/main" xmlns:r="http://schemas.openxmlformats.org/officeDocument/2006/relationships" xmlns:p="http://schemas.openxmlformats.org/presentationml/2006/main">
   <p:cSld>
     <p:spTree>
@@ -18958,6 +16747,419 @@
             </p:seq>
           </p:childTnLst>
         </p:cTn>
+      </p:par>
+    </p:tnLst>
+  </p:timing>
+</p:sld>
+</file>
+
+<file path=ppt/slides/slide27.xml><?xml version="1.0" encoding="utf-8"?>
+<p:sld xmlns:a="http://schemas.openxmlformats.org/drawingml/2006/main" xmlns:r="http://schemas.openxmlformats.org/officeDocument/2006/relationships" xmlns:p="http://schemas.openxmlformats.org/presentationml/2006/main">
+  <p:cSld>
+    <p:spTree>
+      <p:nvGrpSpPr>
+        <p:cNvPr id="1" name=""/>
+        <p:cNvGrpSpPr/>
+        <p:nvPr/>
+      </p:nvGrpSpPr>
+      <p:grpSpPr>
+        <a:xfrm>
+          <a:off x="0" y="0"/>
+          <a:ext cx="0" cy="0"/>
+          <a:chOff x="0" y="0"/>
+          <a:chExt cx="0" cy="0"/>
+        </a:xfrm>
+      </p:grpSpPr>
+      <p:sp>
+        <p:nvSpPr>
+          <p:cNvPr id="2" name="Textplatzhalter 1"/>
+          <p:cNvSpPr>
+            <a:spLocks noGrp="1"/>
+          </p:cNvSpPr>
+          <p:nvPr>
+            <p:ph type="body" sz="quarter" idx="10"/>
+          </p:nvPr>
+        </p:nvSpPr>
+        <p:spPr/>
+        <p:txBody>
+          <a:bodyPr/>
+          <a:lstStyle/>
+          <a:p>
+            <a:r>
+              <a:rPr lang="de-DE" dirty="0" smtClean="0"/>
+              <a:t>Summary</a:t>
+            </a:r>
+            <a:endParaRPr lang="en-US" dirty="0"/>
+          </a:p>
+        </p:txBody>
+      </p:sp>
+      <p:sp>
+        <p:nvSpPr>
+          <p:cNvPr id="3" name="Inhaltsplatzhalter 2"/>
+          <p:cNvSpPr>
+            <a:spLocks noGrp="1"/>
+          </p:cNvSpPr>
+          <p:nvPr>
+            <p:ph sz="quarter" idx="13"/>
+          </p:nvPr>
+        </p:nvSpPr>
+        <p:spPr>
+          <a:xfrm>
+            <a:off x="454193" y="1837637"/>
+            <a:ext cx="8235263" cy="3988027"/>
+          </a:xfrm>
+        </p:spPr>
+        <p:txBody>
+          <a:bodyPr/>
+          <a:lstStyle/>
+          <a:p>
+            <a:pPr lvl="1">
+              <a:lnSpc>
+                <a:spcPct val="107000"/>
+              </a:lnSpc>
+              <a:spcAft>
+                <a:spcPts val="800"/>
+              </a:spcAft>
+            </a:pPr>
+            <a:r>
+              <a:rPr lang="en-US" dirty="0" smtClean="0"/>
+              <a:t>Working with </a:t>
+            </a:r>
+            <a:r>
+              <a:rPr lang="en-US" dirty="0" err="1" smtClean="0"/>
+              <a:t>Optionals</a:t>
+            </a:r>
+            <a:r>
+              <a:rPr lang="en-US" dirty="0" smtClean="0"/>
+              <a:t> in </a:t>
+            </a:r>
+            <a:r>
+              <a:rPr lang="en-US" dirty="0" err="1" smtClean="0"/>
+              <a:t>Xtend</a:t>
+            </a:r>
+            <a:r>
+              <a:rPr lang="en-US" dirty="0" smtClean="0"/>
+              <a:t> can be simplified</a:t>
+            </a:r>
+          </a:p>
+          <a:p>
+            <a:pPr lvl="1">
+              <a:lnSpc>
+                <a:spcPct val="107000"/>
+              </a:lnSpc>
+              <a:spcAft>
+                <a:spcPts val="800"/>
+              </a:spcAft>
+            </a:pPr>
+            <a:r>
+              <a:rPr lang="en-US" dirty="0" smtClean="0"/>
+              <a:t>Missing functions on </a:t>
+            </a:r>
+            <a:r>
+              <a:rPr lang="en-US" dirty="0" err="1" smtClean="0"/>
+              <a:t>Optionals</a:t>
+            </a:r>
+            <a:r>
+              <a:rPr lang="en-US" dirty="0" smtClean="0"/>
+              <a:t> can be complemented</a:t>
+            </a:r>
+          </a:p>
+          <a:p>
+            <a:pPr lvl="1">
+              <a:lnSpc>
+                <a:spcPct val="107000"/>
+              </a:lnSpc>
+              <a:spcAft>
+                <a:spcPts val="800"/>
+              </a:spcAft>
+            </a:pPr>
+            <a:r>
+              <a:rPr lang="en-US" dirty="0" smtClean="0"/>
+              <a:t>Many more things can be done with </a:t>
+            </a:r>
+            <a:r>
+              <a:rPr lang="en-US" dirty="0" err="1" smtClean="0"/>
+              <a:t>Optionals</a:t>
+            </a:r>
+            <a:endParaRPr lang="en-US" dirty="0" smtClean="0"/>
+          </a:p>
+          <a:p>
+            <a:pPr lvl="1">
+              <a:lnSpc>
+                <a:spcPct val="107000"/>
+              </a:lnSpc>
+              <a:spcAft>
+                <a:spcPts val="800"/>
+              </a:spcAft>
+            </a:pPr>
+            <a:r>
+              <a:rPr lang="en-US" dirty="0" smtClean="0"/>
+              <a:t>Null-safe member access cannot be simplified further (in a sane manner)</a:t>
+            </a:r>
+          </a:p>
+          <a:p>
+            <a:pPr lvl="2">
+              <a:lnSpc>
+                <a:spcPct val="107000"/>
+              </a:lnSpc>
+              <a:spcAft>
+                <a:spcPts val="800"/>
+              </a:spcAft>
+              <a:buFont typeface="Arial" panose="020B0604020202020204" pitchFamily="34" charset="0"/>
+              <a:buChar char="•"/>
+            </a:pPr>
+            <a:r>
+              <a:rPr lang="en-US" dirty="0" smtClean="0"/>
+              <a:t>Also nice to have, but not possible: declaring type in form</a:t>
+            </a:r>
+            <a:br>
+              <a:rPr lang="en-US" dirty="0" smtClean="0"/>
+            </a:br>
+            <a:r>
+              <a:rPr lang="en-US" dirty="0" smtClean="0">
+                <a:latin typeface="Consolas" panose="020B0609020204030204" pitchFamily="49" charset="0"/>
+                <a:cs typeface="Consolas" panose="020B0609020204030204" pitchFamily="49" charset="0"/>
+              </a:rPr>
+              <a:t>String?</a:t>
+            </a:r>
+            <a:r>
+              <a:rPr lang="en-US" dirty="0" smtClean="0"/>
+              <a:t> instead of </a:t>
+            </a:r>
+            <a:r>
+              <a:rPr lang="en-US" dirty="0" smtClean="0">
+                <a:latin typeface="Consolas" panose="020B0609020204030204" pitchFamily="49" charset="0"/>
+                <a:cs typeface="Consolas" panose="020B0609020204030204" pitchFamily="49" charset="0"/>
+              </a:rPr>
+              <a:t>Optional&lt;String&gt;</a:t>
+            </a:r>
+          </a:p>
+          <a:p>
+            <a:pPr lvl="1">
+              <a:lnSpc>
+                <a:spcPct val="107000"/>
+              </a:lnSpc>
+              <a:spcAft>
+                <a:spcPts val="800"/>
+              </a:spcAft>
+            </a:pPr>
+            <a:r>
+              <a:rPr lang="en-US" dirty="0" smtClean="0"/>
+              <a:t>Further null-safety is desired</a:t>
+            </a:r>
+          </a:p>
+          <a:p>
+            <a:pPr lvl="1"/>
+            <a:endParaRPr lang="en-US" dirty="0"/>
+          </a:p>
+        </p:txBody>
+      </p:sp>
+      <p:sp>
+        <p:nvSpPr>
+          <p:cNvPr id="4" name="Fußzeilenplatzhalter 3"/>
+          <p:cNvSpPr>
+            <a:spLocks noGrp="1"/>
+          </p:cNvSpPr>
+          <p:nvPr>
+            <p:ph type="ftr" sz="quarter" idx="3"/>
+          </p:nvPr>
+        </p:nvSpPr>
+        <p:spPr/>
+        <p:txBody>
+          <a:bodyPr/>
+          <a:lstStyle/>
+          <a:p>
+            <a:r>
+              <a:rPr lang="de-DE" smtClean="0">
+                <a:latin typeface="Arial"/>
+              </a:rPr>
+              <a:t>© Fraunhofer FOKUS</a:t>
+            </a:r>
+            <a:endParaRPr lang="de-DE" dirty="0">
+              <a:latin typeface="Arial"/>
+            </a:endParaRPr>
+          </a:p>
+        </p:txBody>
+      </p:sp>
+      <p:sp>
+        <p:nvSpPr>
+          <p:cNvPr id="5" name="Titel 4"/>
+          <p:cNvSpPr>
+            <a:spLocks noGrp="1"/>
+          </p:cNvSpPr>
+          <p:nvPr>
+            <p:ph type="ctrTitle"/>
+          </p:nvPr>
+        </p:nvSpPr>
+        <p:spPr/>
+        <p:txBody>
+          <a:bodyPr/>
+          <a:lstStyle/>
+          <a:p>
+            <a:r>
+              <a:rPr lang="en-US" dirty="0" smtClean="0"/>
+              <a:t>Java 8 </a:t>
+            </a:r>
+            <a:r>
+              <a:rPr lang="en-US" dirty="0" err="1" smtClean="0"/>
+              <a:t>Optionals</a:t>
+            </a:r>
+            <a:r>
+              <a:rPr lang="en-US" dirty="0" smtClean="0"/>
+              <a:t> with </a:t>
+            </a:r>
+            <a:r>
+              <a:rPr lang="en-US" dirty="0" err="1" smtClean="0"/>
+              <a:t>XTend</a:t>
+            </a:r>
+            <a:endParaRPr lang="en-US" dirty="0"/>
+          </a:p>
+        </p:txBody>
+      </p:sp>
+    </p:spTree>
+    <p:extLst>
+      <p:ext uri="{BB962C8B-B14F-4D97-AF65-F5344CB8AC3E}">
+        <p14:creationId xmlns:p14="http://schemas.microsoft.com/office/powerpoint/2010/main" val="480468374"/>
+      </p:ext>
+    </p:extLst>
+  </p:cSld>
+  <p:clrMapOvr>
+    <a:masterClrMapping/>
+  </p:clrMapOvr>
+  <p:timing>
+    <p:tnLst>
+      <p:par>
+        <p:cTn id="1" dur="indefinite" restart="never" nodeType="tmRoot"/>
+      </p:par>
+    </p:tnLst>
+  </p:timing>
+</p:sld>
+</file>
+
+<file path=ppt/slides/slide28.xml><?xml version="1.0" encoding="utf-8"?>
+<p:sld xmlns:a="http://schemas.openxmlformats.org/drawingml/2006/main" xmlns:r="http://schemas.openxmlformats.org/officeDocument/2006/relationships" xmlns:p="http://schemas.openxmlformats.org/presentationml/2006/main">
+  <p:cSld>
+    <p:spTree>
+      <p:nvGrpSpPr>
+        <p:cNvPr id="1" name=""/>
+        <p:cNvGrpSpPr/>
+        <p:nvPr/>
+      </p:nvGrpSpPr>
+      <p:grpSpPr>
+        <a:xfrm>
+          <a:off x="0" y="0"/>
+          <a:ext cx="0" cy="0"/>
+          <a:chOff x="0" y="0"/>
+          <a:chExt cx="0" cy="0"/>
+        </a:xfrm>
+      </p:grpSpPr>
+      <p:sp>
+        <p:nvSpPr>
+          <p:cNvPr id="4" name="Fußzeilenplatzhalter 3"/>
+          <p:cNvSpPr>
+            <a:spLocks noGrp="1"/>
+          </p:cNvSpPr>
+          <p:nvPr>
+            <p:ph type="ftr" sz="quarter" idx="3"/>
+          </p:nvPr>
+        </p:nvSpPr>
+        <p:spPr/>
+        <p:txBody>
+          <a:bodyPr/>
+          <a:lstStyle/>
+          <a:p>
+            <a:r>
+              <a:rPr lang="de-DE" smtClean="0">
+                <a:latin typeface="Arial"/>
+              </a:rPr>
+              <a:t>© Fraunhofer FOKUS</a:t>
+            </a:r>
+            <a:endParaRPr lang="de-DE" dirty="0">
+              <a:latin typeface="Arial"/>
+            </a:endParaRPr>
+          </a:p>
+        </p:txBody>
+      </p:sp>
+      <p:sp>
+        <p:nvSpPr>
+          <p:cNvPr id="7" name="Textplatzhalter 6"/>
+          <p:cNvSpPr>
+            <a:spLocks noGrp="1"/>
+          </p:cNvSpPr>
+          <p:nvPr>
+            <p:ph type="body" sz="quarter" idx="10"/>
+          </p:nvPr>
+        </p:nvSpPr>
+        <p:spPr/>
+        <p:txBody>
+          <a:bodyPr anchor="ctr"/>
+          <a:lstStyle/>
+          <a:p>
+            <a:pPr algn="ctr">
+              <a:lnSpc>
+                <a:spcPct val="150000"/>
+              </a:lnSpc>
+            </a:pPr>
+            <a:r>
+              <a:rPr lang="en-US" sz="3200" dirty="0" smtClean="0"/>
+              <a:t>Thank you!</a:t>
+            </a:r>
+          </a:p>
+          <a:p>
+            <a:pPr algn="ctr">
+              <a:lnSpc>
+                <a:spcPct val="150000"/>
+              </a:lnSpc>
+            </a:pPr>
+            <a:r>
+              <a:rPr lang="en-US" sz="2000" dirty="0" smtClean="0"/>
+              <a:t>Any questions?</a:t>
+            </a:r>
+            <a:endParaRPr lang="en-US" sz="2000" dirty="0"/>
+          </a:p>
+        </p:txBody>
+      </p:sp>
+      <p:sp>
+        <p:nvSpPr>
+          <p:cNvPr id="6" name="Titel 5"/>
+          <p:cNvSpPr>
+            <a:spLocks noGrp="1"/>
+          </p:cNvSpPr>
+          <p:nvPr>
+            <p:ph type="ctrTitle"/>
+          </p:nvPr>
+        </p:nvSpPr>
+        <p:spPr/>
+        <p:txBody>
+          <a:bodyPr/>
+          <a:lstStyle/>
+          <a:p>
+            <a:r>
+              <a:rPr lang="de-DE" dirty="0" smtClean="0">
+                <a:latin typeface="Monotype Corsiva" panose="03010101010201010101" pitchFamily="66" charset="0"/>
+              </a:rPr>
+              <a:t>The End</a:t>
+            </a:r>
+            <a:endParaRPr lang="en-US" dirty="0">
+              <a:latin typeface="Monotype Corsiva" panose="03010101010201010101" pitchFamily="66" charset="0"/>
+            </a:endParaRPr>
+          </a:p>
+        </p:txBody>
+      </p:sp>
+    </p:spTree>
+    <p:extLst>
+      <p:ext uri="{BB962C8B-B14F-4D97-AF65-F5344CB8AC3E}">
+        <p14:creationId xmlns:p14="http://schemas.microsoft.com/office/powerpoint/2010/main" val="4047524748"/>
+      </p:ext>
+    </p:extLst>
+  </p:cSld>
+  <p:clrMapOvr>
+    <a:masterClrMapping/>
+  </p:clrMapOvr>
+  <p:timing>
+    <p:tnLst>
+      <p:par>
+        <p:cTn id="1" dur="indefinite" restart="never" nodeType="tmRoot"/>
       </p:par>
     </p:tnLst>
   </p:timing>
@@ -19535,419 +17737,6 @@
             </p:seq>
           </p:childTnLst>
         </p:cTn>
-      </p:par>
-    </p:tnLst>
-  </p:timing>
-</p:sld>
-</file>
-
-<file path=ppt/slides/slide30.xml><?xml version="1.0" encoding="utf-8"?>
-<p:sld xmlns:a="http://schemas.openxmlformats.org/drawingml/2006/main" xmlns:r="http://schemas.openxmlformats.org/officeDocument/2006/relationships" xmlns:p="http://schemas.openxmlformats.org/presentationml/2006/main">
-  <p:cSld>
-    <p:spTree>
-      <p:nvGrpSpPr>
-        <p:cNvPr id="1" name=""/>
-        <p:cNvGrpSpPr/>
-        <p:nvPr/>
-      </p:nvGrpSpPr>
-      <p:grpSpPr>
-        <a:xfrm>
-          <a:off x="0" y="0"/>
-          <a:ext cx="0" cy="0"/>
-          <a:chOff x="0" y="0"/>
-          <a:chExt cx="0" cy="0"/>
-        </a:xfrm>
-      </p:grpSpPr>
-      <p:sp>
-        <p:nvSpPr>
-          <p:cNvPr id="2" name="Textplatzhalter 1"/>
-          <p:cNvSpPr>
-            <a:spLocks noGrp="1"/>
-          </p:cNvSpPr>
-          <p:nvPr>
-            <p:ph type="body" sz="quarter" idx="10"/>
-          </p:nvPr>
-        </p:nvSpPr>
-        <p:spPr/>
-        <p:txBody>
-          <a:bodyPr/>
-          <a:lstStyle/>
-          <a:p>
-            <a:r>
-              <a:rPr lang="de-DE" dirty="0" smtClean="0"/>
-              <a:t>Summary</a:t>
-            </a:r>
-            <a:endParaRPr lang="en-US" dirty="0"/>
-          </a:p>
-        </p:txBody>
-      </p:sp>
-      <p:sp>
-        <p:nvSpPr>
-          <p:cNvPr id="3" name="Inhaltsplatzhalter 2"/>
-          <p:cNvSpPr>
-            <a:spLocks noGrp="1"/>
-          </p:cNvSpPr>
-          <p:nvPr>
-            <p:ph sz="quarter" idx="13"/>
-          </p:nvPr>
-        </p:nvSpPr>
-        <p:spPr>
-          <a:xfrm>
-            <a:off x="454193" y="1837637"/>
-            <a:ext cx="8235263" cy="3988027"/>
-          </a:xfrm>
-        </p:spPr>
-        <p:txBody>
-          <a:bodyPr/>
-          <a:lstStyle/>
-          <a:p>
-            <a:pPr lvl="1">
-              <a:lnSpc>
-                <a:spcPct val="107000"/>
-              </a:lnSpc>
-              <a:spcAft>
-                <a:spcPts val="800"/>
-              </a:spcAft>
-            </a:pPr>
-            <a:r>
-              <a:rPr lang="en-US" dirty="0" smtClean="0"/>
-              <a:t>Working with </a:t>
-            </a:r>
-            <a:r>
-              <a:rPr lang="en-US" dirty="0" err="1" smtClean="0"/>
-              <a:t>Optionals</a:t>
-            </a:r>
-            <a:r>
-              <a:rPr lang="en-US" dirty="0" smtClean="0"/>
-              <a:t> in </a:t>
-            </a:r>
-            <a:r>
-              <a:rPr lang="en-US" dirty="0" err="1" smtClean="0"/>
-              <a:t>Xtend</a:t>
-            </a:r>
-            <a:r>
-              <a:rPr lang="en-US" dirty="0" smtClean="0"/>
-              <a:t> can be simplified</a:t>
-            </a:r>
-          </a:p>
-          <a:p>
-            <a:pPr lvl="1">
-              <a:lnSpc>
-                <a:spcPct val="107000"/>
-              </a:lnSpc>
-              <a:spcAft>
-                <a:spcPts val="800"/>
-              </a:spcAft>
-            </a:pPr>
-            <a:r>
-              <a:rPr lang="en-US" dirty="0" smtClean="0"/>
-              <a:t>Missing functions on </a:t>
-            </a:r>
-            <a:r>
-              <a:rPr lang="en-US" dirty="0" err="1" smtClean="0"/>
-              <a:t>Optionals</a:t>
-            </a:r>
-            <a:r>
-              <a:rPr lang="en-US" dirty="0" smtClean="0"/>
-              <a:t> can be complemented</a:t>
-            </a:r>
-          </a:p>
-          <a:p>
-            <a:pPr lvl="1">
-              <a:lnSpc>
-                <a:spcPct val="107000"/>
-              </a:lnSpc>
-              <a:spcAft>
-                <a:spcPts val="800"/>
-              </a:spcAft>
-            </a:pPr>
-            <a:r>
-              <a:rPr lang="en-US" dirty="0" smtClean="0"/>
-              <a:t>Many more things can be done with </a:t>
-            </a:r>
-            <a:r>
-              <a:rPr lang="en-US" dirty="0" err="1" smtClean="0"/>
-              <a:t>Optionals</a:t>
-            </a:r>
-            <a:endParaRPr lang="en-US" dirty="0" smtClean="0"/>
-          </a:p>
-          <a:p>
-            <a:pPr lvl="1">
-              <a:lnSpc>
-                <a:spcPct val="107000"/>
-              </a:lnSpc>
-              <a:spcAft>
-                <a:spcPts val="800"/>
-              </a:spcAft>
-            </a:pPr>
-            <a:r>
-              <a:rPr lang="en-US" dirty="0" smtClean="0"/>
-              <a:t>Null-safe member access cannot be simplified further (in a sane manner)</a:t>
-            </a:r>
-          </a:p>
-          <a:p>
-            <a:pPr lvl="2">
-              <a:lnSpc>
-                <a:spcPct val="107000"/>
-              </a:lnSpc>
-              <a:spcAft>
-                <a:spcPts val="800"/>
-              </a:spcAft>
-              <a:buFont typeface="Arial" panose="020B0604020202020204" pitchFamily="34" charset="0"/>
-              <a:buChar char="•"/>
-            </a:pPr>
-            <a:r>
-              <a:rPr lang="en-US" dirty="0" smtClean="0"/>
-              <a:t>Also nice to have, but not possible: declaring type in form</a:t>
-            </a:r>
-            <a:br>
-              <a:rPr lang="en-US" dirty="0" smtClean="0"/>
-            </a:br>
-            <a:r>
-              <a:rPr lang="en-US" dirty="0" smtClean="0">
-                <a:latin typeface="Consolas" panose="020B0609020204030204" pitchFamily="49" charset="0"/>
-                <a:cs typeface="Consolas" panose="020B0609020204030204" pitchFamily="49" charset="0"/>
-              </a:rPr>
-              <a:t>String?</a:t>
-            </a:r>
-            <a:r>
-              <a:rPr lang="en-US" dirty="0" smtClean="0"/>
-              <a:t> instead of </a:t>
-            </a:r>
-            <a:r>
-              <a:rPr lang="en-US" dirty="0" smtClean="0">
-                <a:latin typeface="Consolas" panose="020B0609020204030204" pitchFamily="49" charset="0"/>
-                <a:cs typeface="Consolas" panose="020B0609020204030204" pitchFamily="49" charset="0"/>
-              </a:rPr>
-              <a:t>Optional&lt;String&gt;</a:t>
-            </a:r>
-          </a:p>
-          <a:p>
-            <a:pPr lvl="1">
-              <a:lnSpc>
-                <a:spcPct val="107000"/>
-              </a:lnSpc>
-              <a:spcAft>
-                <a:spcPts val="800"/>
-              </a:spcAft>
-            </a:pPr>
-            <a:r>
-              <a:rPr lang="en-US" dirty="0" smtClean="0"/>
-              <a:t>Further null-safety is desired</a:t>
-            </a:r>
-          </a:p>
-          <a:p>
-            <a:pPr lvl="1"/>
-            <a:endParaRPr lang="en-US" dirty="0"/>
-          </a:p>
-        </p:txBody>
-      </p:sp>
-      <p:sp>
-        <p:nvSpPr>
-          <p:cNvPr id="4" name="Fußzeilenplatzhalter 3"/>
-          <p:cNvSpPr>
-            <a:spLocks noGrp="1"/>
-          </p:cNvSpPr>
-          <p:nvPr>
-            <p:ph type="ftr" sz="quarter" idx="3"/>
-          </p:nvPr>
-        </p:nvSpPr>
-        <p:spPr/>
-        <p:txBody>
-          <a:bodyPr/>
-          <a:lstStyle/>
-          <a:p>
-            <a:r>
-              <a:rPr lang="de-DE" smtClean="0">
-                <a:latin typeface="Arial"/>
-              </a:rPr>
-              <a:t>© Fraunhofer FOKUS</a:t>
-            </a:r>
-            <a:endParaRPr lang="de-DE" dirty="0">
-              <a:latin typeface="Arial"/>
-            </a:endParaRPr>
-          </a:p>
-        </p:txBody>
-      </p:sp>
-      <p:sp>
-        <p:nvSpPr>
-          <p:cNvPr id="5" name="Titel 4"/>
-          <p:cNvSpPr>
-            <a:spLocks noGrp="1"/>
-          </p:cNvSpPr>
-          <p:nvPr>
-            <p:ph type="ctrTitle"/>
-          </p:nvPr>
-        </p:nvSpPr>
-        <p:spPr/>
-        <p:txBody>
-          <a:bodyPr/>
-          <a:lstStyle/>
-          <a:p>
-            <a:r>
-              <a:rPr lang="en-US" dirty="0" smtClean="0"/>
-              <a:t>Java 8 </a:t>
-            </a:r>
-            <a:r>
-              <a:rPr lang="en-US" dirty="0" err="1" smtClean="0"/>
-              <a:t>Optionals</a:t>
-            </a:r>
-            <a:r>
-              <a:rPr lang="en-US" dirty="0" smtClean="0"/>
-              <a:t> with </a:t>
-            </a:r>
-            <a:r>
-              <a:rPr lang="en-US" dirty="0" err="1" smtClean="0"/>
-              <a:t>XTend</a:t>
-            </a:r>
-            <a:endParaRPr lang="en-US" dirty="0"/>
-          </a:p>
-        </p:txBody>
-      </p:sp>
-    </p:spTree>
-    <p:extLst>
-      <p:ext uri="{BB962C8B-B14F-4D97-AF65-F5344CB8AC3E}">
-        <p14:creationId xmlns:p14="http://schemas.microsoft.com/office/powerpoint/2010/main" val="480468374"/>
-      </p:ext>
-    </p:extLst>
-  </p:cSld>
-  <p:clrMapOvr>
-    <a:masterClrMapping/>
-  </p:clrMapOvr>
-  <p:timing>
-    <p:tnLst>
-      <p:par>
-        <p:cTn id="1" dur="indefinite" restart="never" nodeType="tmRoot"/>
-      </p:par>
-    </p:tnLst>
-  </p:timing>
-</p:sld>
-</file>
-
-<file path=ppt/slides/slide31.xml><?xml version="1.0" encoding="utf-8"?>
-<p:sld xmlns:a="http://schemas.openxmlformats.org/drawingml/2006/main" xmlns:r="http://schemas.openxmlformats.org/officeDocument/2006/relationships" xmlns:p="http://schemas.openxmlformats.org/presentationml/2006/main">
-  <p:cSld>
-    <p:spTree>
-      <p:nvGrpSpPr>
-        <p:cNvPr id="1" name=""/>
-        <p:cNvGrpSpPr/>
-        <p:nvPr/>
-      </p:nvGrpSpPr>
-      <p:grpSpPr>
-        <a:xfrm>
-          <a:off x="0" y="0"/>
-          <a:ext cx="0" cy="0"/>
-          <a:chOff x="0" y="0"/>
-          <a:chExt cx="0" cy="0"/>
-        </a:xfrm>
-      </p:grpSpPr>
-      <p:sp>
-        <p:nvSpPr>
-          <p:cNvPr id="4" name="Fußzeilenplatzhalter 3"/>
-          <p:cNvSpPr>
-            <a:spLocks noGrp="1"/>
-          </p:cNvSpPr>
-          <p:nvPr>
-            <p:ph type="ftr" sz="quarter" idx="3"/>
-          </p:nvPr>
-        </p:nvSpPr>
-        <p:spPr/>
-        <p:txBody>
-          <a:bodyPr/>
-          <a:lstStyle/>
-          <a:p>
-            <a:r>
-              <a:rPr lang="de-DE" smtClean="0">
-                <a:latin typeface="Arial"/>
-              </a:rPr>
-              <a:t>© Fraunhofer FOKUS</a:t>
-            </a:r>
-            <a:endParaRPr lang="de-DE" dirty="0">
-              <a:latin typeface="Arial"/>
-            </a:endParaRPr>
-          </a:p>
-        </p:txBody>
-      </p:sp>
-      <p:sp>
-        <p:nvSpPr>
-          <p:cNvPr id="7" name="Textplatzhalter 6"/>
-          <p:cNvSpPr>
-            <a:spLocks noGrp="1"/>
-          </p:cNvSpPr>
-          <p:nvPr>
-            <p:ph type="body" sz="quarter" idx="10"/>
-          </p:nvPr>
-        </p:nvSpPr>
-        <p:spPr/>
-        <p:txBody>
-          <a:bodyPr anchor="ctr"/>
-          <a:lstStyle/>
-          <a:p>
-            <a:pPr algn="ctr">
-              <a:lnSpc>
-                <a:spcPct val="150000"/>
-              </a:lnSpc>
-            </a:pPr>
-            <a:r>
-              <a:rPr lang="en-US" sz="3200" dirty="0" smtClean="0"/>
-              <a:t>Thank you!</a:t>
-            </a:r>
-          </a:p>
-          <a:p>
-            <a:pPr algn="ctr">
-              <a:lnSpc>
-                <a:spcPct val="150000"/>
-              </a:lnSpc>
-            </a:pPr>
-            <a:r>
-              <a:rPr lang="en-US" sz="2000" dirty="0" smtClean="0"/>
-              <a:t>Any questions?</a:t>
-            </a:r>
-            <a:endParaRPr lang="en-US" sz="2000" dirty="0"/>
-          </a:p>
-        </p:txBody>
-      </p:sp>
-      <p:sp>
-        <p:nvSpPr>
-          <p:cNvPr id="6" name="Titel 5"/>
-          <p:cNvSpPr>
-            <a:spLocks noGrp="1"/>
-          </p:cNvSpPr>
-          <p:nvPr>
-            <p:ph type="ctrTitle"/>
-          </p:nvPr>
-        </p:nvSpPr>
-        <p:spPr/>
-        <p:txBody>
-          <a:bodyPr/>
-          <a:lstStyle/>
-          <a:p>
-            <a:r>
-              <a:rPr lang="de-DE" dirty="0" smtClean="0">
-                <a:latin typeface="Monotype Corsiva" panose="03010101010201010101" pitchFamily="66" charset="0"/>
-              </a:rPr>
-              <a:t>The End</a:t>
-            </a:r>
-            <a:endParaRPr lang="en-US" dirty="0">
-              <a:latin typeface="Monotype Corsiva" panose="03010101010201010101" pitchFamily="66" charset="0"/>
-            </a:endParaRPr>
-          </a:p>
-        </p:txBody>
-      </p:sp>
-    </p:spTree>
-    <p:extLst>
-      <p:ext uri="{BB962C8B-B14F-4D97-AF65-F5344CB8AC3E}">
-        <p14:creationId xmlns:p14="http://schemas.microsoft.com/office/powerpoint/2010/main" val="4047524748"/>
-      </p:ext>
-    </p:extLst>
-  </p:cSld>
-  <p:clrMapOvr>
-    <a:masterClrMapping/>
-  </p:clrMapOvr>
-  <p:timing>
-    <p:tnLst>
-      <p:par>
-        <p:cTn id="1" dur="indefinite" restart="never" nodeType="tmRoot"/>
       </p:par>
     </p:tnLst>
   </p:timing>
